--- a/_defendense_presentation.pptx
+++ b/_defendense_presentation.pptx
@@ -208,7 +208,7 @@
           <a:p>
             <a:fld id="{BDB98AD5-63E8-406E-B0D0-3CBA27A49C51}" type="datetimeFigureOut">
               <a:rPr lang="de-DE" smtClean="0"/>
-              <a:t>10.08.2019</a:t>
+              <a:t>11.08.2019</a:t>
             </a:fld>
             <a:endParaRPr lang="de-DE"/>
           </a:p>
@@ -932,7 +932,7 @@
           <a:p>
             <a:fld id="{AD526F7C-8FB0-4901-8169-311B03C6DF46}" type="datetimeFigureOut">
               <a:rPr lang="de-DE" smtClean="0"/>
-              <a:t>10.08.2019</a:t>
+              <a:t>11.08.2019</a:t>
             </a:fld>
             <a:endParaRPr lang="de-DE"/>
           </a:p>
@@ -1160,7 +1160,7 @@
           <a:p>
             <a:fld id="{AD526F7C-8FB0-4901-8169-311B03C6DF46}" type="datetimeFigureOut">
               <a:rPr lang="de-DE" smtClean="0"/>
-              <a:t>10.08.2019</a:t>
+              <a:t>11.08.2019</a:t>
             </a:fld>
             <a:endParaRPr lang="de-DE"/>
           </a:p>
@@ -1340,7 +1340,7 @@
           <a:p>
             <a:fld id="{AD526F7C-8FB0-4901-8169-311B03C6DF46}" type="datetimeFigureOut">
               <a:rPr lang="de-DE" smtClean="0"/>
-              <a:t>10.08.2019</a:t>
+              <a:t>11.08.2019</a:t>
             </a:fld>
             <a:endParaRPr lang="de-DE"/>
           </a:p>
@@ -1510,7 +1510,7 @@
           <a:p>
             <a:fld id="{AD526F7C-8FB0-4901-8169-311B03C6DF46}" type="datetimeFigureOut">
               <a:rPr lang="de-DE" smtClean="0"/>
-              <a:t>10.08.2019</a:t>
+              <a:t>11.08.2019</a:t>
             </a:fld>
             <a:endParaRPr lang="de-DE"/>
           </a:p>
@@ -1764,7 +1764,7 @@
           <a:p>
             <a:fld id="{AD526F7C-8FB0-4901-8169-311B03C6DF46}" type="datetimeFigureOut">
               <a:rPr lang="de-DE" smtClean="0"/>
-              <a:t>10.08.2019</a:t>
+              <a:t>11.08.2019</a:t>
             </a:fld>
             <a:endParaRPr lang="de-DE"/>
           </a:p>
@@ -2090,7 +2090,7 @@
           <a:p>
             <a:fld id="{AD526F7C-8FB0-4901-8169-311B03C6DF46}" type="datetimeFigureOut">
               <a:rPr lang="de-DE" smtClean="0"/>
-              <a:t>10.08.2019</a:t>
+              <a:t>11.08.2019</a:t>
             </a:fld>
             <a:endParaRPr lang="de-DE"/>
           </a:p>
@@ -2541,7 +2541,7 @@
           <a:p>
             <a:fld id="{AD526F7C-8FB0-4901-8169-311B03C6DF46}" type="datetimeFigureOut">
               <a:rPr lang="de-DE" smtClean="0"/>
-              <a:t>10.08.2019</a:t>
+              <a:t>11.08.2019</a:t>
             </a:fld>
             <a:endParaRPr lang="de-DE"/>
           </a:p>
@@ -2659,7 +2659,7 @@
           <a:p>
             <a:fld id="{AD526F7C-8FB0-4901-8169-311B03C6DF46}" type="datetimeFigureOut">
               <a:rPr lang="de-DE" smtClean="0"/>
-              <a:t>10.08.2019</a:t>
+              <a:t>11.08.2019</a:t>
             </a:fld>
             <a:endParaRPr lang="de-DE"/>
           </a:p>
@@ -2754,7 +2754,7 @@
           <a:p>
             <a:fld id="{AD526F7C-8FB0-4901-8169-311B03C6DF46}" type="datetimeFigureOut">
               <a:rPr lang="de-DE" smtClean="0"/>
-              <a:t>10.08.2019</a:t>
+              <a:t>11.08.2019</a:t>
             </a:fld>
             <a:endParaRPr lang="de-DE"/>
           </a:p>
@@ -3041,7 +3041,7 @@
           <a:p>
             <a:fld id="{AD526F7C-8FB0-4901-8169-311B03C6DF46}" type="datetimeFigureOut">
               <a:rPr lang="de-DE" smtClean="0"/>
-              <a:t>10.08.2019</a:t>
+              <a:t>11.08.2019</a:t>
             </a:fld>
             <a:endParaRPr lang="de-DE"/>
           </a:p>
@@ -3366,7 +3366,7 @@
           <a:p>
             <a:fld id="{AD526F7C-8FB0-4901-8169-311B03C6DF46}" type="datetimeFigureOut">
               <a:rPr lang="de-DE" smtClean="0"/>
-              <a:t>10.08.2019</a:t>
+              <a:t>11.08.2019</a:t>
             </a:fld>
             <a:endParaRPr lang="de-DE"/>
           </a:p>
@@ -3620,7 +3620,7 @@
           <a:p>
             <a:fld id="{AD526F7C-8FB0-4901-8169-311B03C6DF46}" type="datetimeFigureOut">
               <a:rPr lang="de-DE" smtClean="0"/>
-              <a:t>10.08.2019</a:t>
+              <a:t>11.08.2019</a:t>
             </a:fld>
             <a:endParaRPr lang="de-DE"/>
           </a:p>
@@ -4246,9 +4246,290 @@
           <a:lstStyle/>
           <a:p>
             <a:r>
-              <a:rPr lang="de-DE" dirty="0" smtClean="0"/>
-              <a:t>TODO</a:t>
-            </a:r>
+              <a:rPr lang="de-DE" dirty="0" err="1" smtClean="0"/>
+              <a:t>Unexpected</a:t>
+            </a:r>
+            <a:r>
+              <a:rPr lang="de-DE" dirty="0" smtClean="0"/>
+              <a:t> </a:t>
+            </a:r>
+            <a:r>
+              <a:rPr lang="de-DE" dirty="0" err="1" smtClean="0"/>
+              <a:t>challenges</a:t>
+            </a:r>
+            <a:endParaRPr lang="de-DE" dirty="0" smtClean="0"/>
+          </a:p>
+          <a:p>
+            <a:r>
+              <a:rPr lang="de-DE" dirty="0" err="1" smtClean="0"/>
+              <a:t>Considerable</a:t>
+            </a:r>
+            <a:r>
+              <a:rPr lang="de-DE" dirty="0" smtClean="0"/>
+              <a:t> additional </a:t>
+            </a:r>
+            <a:r>
+              <a:rPr lang="de-DE" dirty="0" err="1" smtClean="0"/>
+              <a:t>work</a:t>
+            </a:r>
+            <a:r>
+              <a:rPr lang="de-DE" dirty="0" smtClean="0"/>
+              <a:t> </a:t>
+            </a:r>
+          </a:p>
+          <a:p>
+            <a:r>
+              <a:rPr lang="de-DE" dirty="0" err="1" smtClean="0"/>
+              <a:t>Resulting</a:t>
+            </a:r>
+            <a:r>
+              <a:rPr lang="de-DE" dirty="0" smtClean="0"/>
+              <a:t> </a:t>
+            </a:r>
+            <a:r>
+              <a:rPr lang="de-DE" dirty="0" err="1" smtClean="0"/>
+              <a:t>shift</a:t>
+            </a:r>
+            <a:r>
+              <a:rPr lang="de-DE" dirty="0" smtClean="0"/>
+              <a:t> </a:t>
+            </a:r>
+            <a:r>
+              <a:rPr lang="de-DE" dirty="0" err="1" smtClean="0"/>
+              <a:t>from</a:t>
+            </a:r>
+            <a:r>
+              <a:rPr lang="de-DE" dirty="0" smtClean="0"/>
+              <a:t> initial </a:t>
+            </a:r>
+            <a:r>
+              <a:rPr lang="de-DE" dirty="0" err="1" smtClean="0"/>
+              <a:t>goals</a:t>
+            </a:r>
+            <a:endParaRPr lang="de-DE" dirty="0" smtClean="0"/>
+          </a:p>
+          <a:p>
+            <a:endParaRPr lang="de-DE" dirty="0"/>
+          </a:p>
+          <a:p>
+            <a:r>
+              <a:rPr lang="de-DE" dirty="0" err="1" smtClean="0"/>
+              <a:t>Good</a:t>
+            </a:r>
+            <a:r>
+              <a:rPr lang="de-DE" dirty="0" smtClean="0"/>
+              <a:t> end </a:t>
+            </a:r>
+            <a:r>
+              <a:rPr lang="de-DE" dirty="0" err="1" smtClean="0"/>
+              <a:t>result</a:t>
+            </a:r>
+            <a:endParaRPr lang="de-DE" dirty="0" smtClean="0"/>
+          </a:p>
+          <a:p>
+            <a:endParaRPr lang="de-DE" dirty="0"/>
+          </a:p>
+          <a:p>
+            <a:r>
+              <a:rPr lang="de-DE" dirty="0" err="1" smtClean="0"/>
+              <a:t>Would</a:t>
+            </a:r>
+            <a:r>
+              <a:rPr lang="de-DE" dirty="0" smtClean="0"/>
+              <a:t> still not </a:t>
+            </a:r>
+            <a:r>
+              <a:rPr lang="de-DE" dirty="0" err="1" smtClean="0"/>
+              <a:t>have</a:t>
+            </a:r>
+            <a:r>
+              <a:rPr lang="de-DE" dirty="0" smtClean="0"/>
+              <a:t> </a:t>
+            </a:r>
+            <a:r>
+              <a:rPr lang="de-DE" dirty="0" err="1" smtClean="0"/>
+              <a:t>done</a:t>
+            </a:r>
+            <a:r>
+              <a:rPr lang="de-DE" dirty="0" smtClean="0"/>
+              <a:t> </a:t>
+            </a:r>
+            <a:r>
+              <a:rPr lang="de-DE" dirty="0" err="1" smtClean="0"/>
+              <a:t>it</a:t>
+            </a:r>
+            <a:r>
+              <a:rPr lang="de-DE" dirty="0" smtClean="0"/>
+              <a:t> </a:t>
+            </a:r>
+            <a:r>
+              <a:rPr lang="de-DE" dirty="0" err="1" smtClean="0"/>
+              <a:t>if</a:t>
+            </a:r>
+            <a:r>
+              <a:rPr lang="de-DE" dirty="0" smtClean="0"/>
+              <a:t> I </a:t>
+            </a:r>
+            <a:r>
+              <a:rPr lang="de-DE" dirty="0" err="1" smtClean="0"/>
+              <a:t>knew</a:t>
+            </a:r>
+            <a:endParaRPr lang="de-DE" dirty="0" smtClean="0"/>
+          </a:p>
+          <a:p>
+            <a:pPr lvl="1"/>
+            <a:r>
+              <a:rPr lang="de-DE" dirty="0" err="1" smtClean="0"/>
+              <a:t>Practical</a:t>
+            </a:r>
+            <a:r>
+              <a:rPr lang="de-DE" dirty="0" smtClean="0"/>
+              <a:t> </a:t>
+            </a:r>
+            <a:r>
+              <a:rPr lang="de-DE" dirty="0" err="1" smtClean="0"/>
+              <a:t>part</a:t>
+            </a:r>
+            <a:r>
+              <a:rPr lang="de-DE" dirty="0" smtClean="0"/>
+              <a:t> </a:t>
+            </a:r>
+            <a:r>
+              <a:rPr lang="de-DE" dirty="0" err="1" smtClean="0"/>
+              <a:t>too</a:t>
+            </a:r>
+            <a:r>
+              <a:rPr lang="de-DE" dirty="0" smtClean="0"/>
+              <a:t> </a:t>
+            </a:r>
+            <a:r>
+              <a:rPr lang="de-DE" dirty="0" err="1" smtClean="0"/>
+              <a:t>small</a:t>
+            </a:r>
+            <a:r>
+              <a:rPr lang="de-DE" dirty="0" smtClean="0"/>
+              <a:t> </a:t>
+            </a:r>
+            <a:r>
+              <a:rPr lang="de-DE" dirty="0" err="1" smtClean="0"/>
+              <a:t>for</a:t>
+            </a:r>
+            <a:r>
+              <a:rPr lang="de-DE" dirty="0" smtClean="0"/>
+              <a:t> </a:t>
+            </a:r>
+            <a:r>
+              <a:rPr lang="de-DE" dirty="0" err="1" smtClean="0"/>
+              <a:t>my</a:t>
+            </a:r>
+            <a:r>
+              <a:rPr lang="de-DE" dirty="0" smtClean="0"/>
+              <a:t> taste</a:t>
+            </a:r>
+            <a:endParaRPr lang="de-DE" dirty="0"/>
+          </a:p>
+          <a:p>
+            <a:pPr lvl="1"/>
+            <a:r>
+              <a:rPr lang="de-DE" dirty="0" err="1" smtClean="0"/>
+              <a:t>Struggling</a:t>
+            </a:r>
+            <a:r>
+              <a:rPr lang="de-DE" dirty="0" smtClean="0"/>
+              <a:t> </a:t>
+            </a:r>
+            <a:r>
+              <a:rPr lang="de-DE" dirty="0" err="1" smtClean="0"/>
+              <a:t>with</a:t>
+            </a:r>
+            <a:r>
+              <a:rPr lang="de-DE" dirty="0" smtClean="0"/>
+              <a:t> </a:t>
+            </a:r>
+            <a:r>
+              <a:rPr lang="de-DE" dirty="0" err="1" smtClean="0"/>
+              <a:t>technology</a:t>
+            </a:r>
+            <a:r>
+              <a:rPr lang="de-DE" dirty="0" smtClean="0"/>
+              <a:t> &gt; </a:t>
+            </a:r>
+            <a:r>
+              <a:rPr lang="de-DE" dirty="0" err="1" smtClean="0"/>
+              <a:t>Struggling</a:t>
+            </a:r>
+            <a:r>
+              <a:rPr lang="de-DE" dirty="0" smtClean="0"/>
+              <a:t> </a:t>
+            </a:r>
+            <a:r>
+              <a:rPr lang="de-DE" dirty="0" err="1" smtClean="0"/>
+              <a:t>with</a:t>
+            </a:r>
+            <a:r>
+              <a:rPr lang="de-DE" dirty="0" smtClean="0"/>
+              <a:t> </a:t>
+            </a:r>
+            <a:r>
+              <a:rPr lang="de-DE" dirty="0" err="1" smtClean="0"/>
+              <a:t>scope</a:t>
+            </a:r>
+            <a:r>
+              <a:rPr lang="de-DE" dirty="0" smtClean="0"/>
+              <a:t> </a:t>
+            </a:r>
+            <a:r>
+              <a:rPr lang="de-DE" dirty="0" err="1" smtClean="0"/>
+              <a:t>definition</a:t>
+            </a:r>
+            <a:endParaRPr lang="de-DE" dirty="0" smtClean="0"/>
+          </a:p>
+          <a:p>
+            <a:pPr lvl="1"/>
+            <a:r>
+              <a:rPr lang="de-DE" dirty="0" err="1" smtClean="0"/>
+              <a:t>Huge</a:t>
+            </a:r>
+            <a:r>
+              <a:rPr lang="de-DE" dirty="0" smtClean="0"/>
+              <a:t> </a:t>
+            </a:r>
+            <a:r>
+              <a:rPr lang="de-DE" dirty="0" err="1" smtClean="0"/>
+              <a:t>scope</a:t>
+            </a:r>
+            <a:r>
+              <a:rPr lang="de-DE" dirty="0"/>
+              <a:t> </a:t>
+            </a:r>
+            <a:r>
+              <a:rPr lang="de-DE" dirty="0" smtClean="0"/>
+              <a:t>-&gt; not </a:t>
+            </a:r>
+            <a:r>
+              <a:rPr lang="de-DE" dirty="0" err="1" smtClean="0"/>
+              <a:t>much</a:t>
+            </a:r>
+            <a:r>
+              <a:rPr lang="de-DE" dirty="0" smtClean="0"/>
+              <a:t> </a:t>
+            </a:r>
+            <a:r>
+              <a:rPr lang="de-DE" dirty="0" err="1" smtClean="0"/>
+              <a:t>detail</a:t>
+            </a:r>
+            <a:r>
+              <a:rPr lang="de-DE" dirty="0" smtClean="0"/>
+              <a:t> </a:t>
+            </a:r>
+            <a:r>
+              <a:rPr lang="de-DE" dirty="0" err="1" smtClean="0"/>
+              <a:t>possible</a:t>
+            </a:r>
+            <a:endParaRPr lang="de-DE" dirty="0" smtClean="0"/>
+          </a:p>
+          <a:p>
+            <a:pPr lvl="1"/>
             <a:endParaRPr lang="de-DE" dirty="0"/>
           </a:p>
         </p:txBody>

--- a/_defendense_presentation.pptx
+++ b/_defendense_presentation.pptx
@@ -8,8 +8,8 @@
     <p:notesMasterId r:id="rId14"/>
   </p:notesMasterIdLst>
   <p:sldIdLst>
-    <p:sldId id="256" r:id="rId2"/>
-    <p:sldId id="257" r:id="rId3"/>
+    <p:sldId id="257" r:id="rId2"/>
+    <p:sldId id="269" r:id="rId3"/>
     <p:sldId id="258" r:id="rId4"/>
     <p:sldId id="259" r:id="rId5"/>
     <p:sldId id="260" r:id="rId6"/>
@@ -23,6 +23,9 @@
   </p:sldIdLst>
   <p:sldSz cx="12192000" cy="6858000"/>
   <p:notesSz cx="6858000" cy="9144000"/>
+  <p:custDataLst>
+    <p:tags r:id="rId15"/>
+  </p:custDataLst>
   <p:defaultTextStyle>
     <a:defPPr>
       <a:defRPr lang="en-US"/>
@@ -208,7 +211,7 @@
           <a:p>
             <a:fld id="{BDB98AD5-63E8-406E-B0D0-3CBA27A49C51}" type="datetimeFigureOut">
               <a:rPr lang="de-DE" smtClean="0"/>
-              <a:t>11.08.2019</a:t>
+              <a:t>28.08.2019</a:t>
             </a:fld>
             <a:endParaRPr lang="de-DE"/>
           </a:p>
@@ -367,7 +370,7 @@
           <a:p>
             <a:fld id="{BFE7B6AF-8810-4B2F-ADD5-5F91B866FE48}" type="slidenum">
               <a:rPr lang="de-DE" smtClean="0"/>
-              <a:t>‹Nr.›</a:t>
+              <a:t>‹#›</a:t>
             </a:fld>
             <a:endParaRPr lang="de-DE"/>
           </a:p>
@@ -521,100 +524,6 @@
           <a:lstStyle/>
           <a:p>
             <a:r>
-              <a:rPr lang="de-DE" dirty="0" smtClean="0"/>
-              <a:t>Source: </a:t>
-            </a:r>
-            <a:r>
-              <a:rPr lang="de-DE" dirty="0" smtClean="0">
-                <a:hlinkClick r:id="rId3"/>
-              </a:rPr>
-              <a:t>https://gcaptain.com/large-msc-containership-msc-daniela-suffers-fire-off-sri-lanka/</a:t>
-            </a:r>
-            <a:endParaRPr lang="de-DE" dirty="0"/>
-          </a:p>
-        </p:txBody>
-      </p:sp>
-      <p:sp>
-        <p:nvSpPr>
-          <p:cNvPr id="4" name="Foliennummernplatzhalter 3"/>
-          <p:cNvSpPr>
-            <a:spLocks noGrp="1"/>
-          </p:cNvSpPr>
-          <p:nvPr>
-            <p:ph type="sldNum" sz="quarter" idx="10"/>
-          </p:nvPr>
-        </p:nvSpPr>
-        <p:spPr/>
-        <p:txBody>
-          <a:bodyPr/>
-          <a:lstStyle/>
-          <a:p>
-            <a:fld id="{BFE7B6AF-8810-4B2F-ADD5-5F91B866FE48}" type="slidenum">
-              <a:rPr lang="de-DE" smtClean="0"/>
-              <a:t>1</a:t>
-            </a:fld>
-            <a:endParaRPr lang="de-DE" dirty="0"/>
-          </a:p>
-        </p:txBody>
-      </p:sp>
-    </p:spTree>
-    <p:extLst>
-      <p:ext uri="{BB962C8B-B14F-4D97-AF65-F5344CB8AC3E}">
-        <p14:creationId xmlns:p14="http://schemas.microsoft.com/office/powerpoint/2010/main" val="2050831434"/>
-      </p:ext>
-    </p:extLst>
-  </p:cSld>
-  <p:clrMapOvr>
-    <a:masterClrMapping/>
-  </p:clrMapOvr>
-</p:notes>
-</file>
-
-<file path=ppt/notesSlides/notesSlide2.xml><?xml version="1.0" encoding="utf-8"?>
-<p:notes xmlns:a="http://schemas.openxmlformats.org/drawingml/2006/main" xmlns:r="http://schemas.openxmlformats.org/officeDocument/2006/relationships" xmlns:p="http://schemas.openxmlformats.org/presentationml/2006/main">
-  <p:cSld>
-    <p:spTree>
-      <p:nvGrpSpPr>
-        <p:cNvPr id="1" name=""/>
-        <p:cNvGrpSpPr/>
-        <p:nvPr/>
-      </p:nvGrpSpPr>
-      <p:grpSpPr>
-        <a:xfrm>
-          <a:off x="0" y="0"/>
-          <a:ext cx="0" cy="0"/>
-          <a:chOff x="0" y="0"/>
-          <a:chExt cx="0" cy="0"/>
-        </a:xfrm>
-      </p:grpSpPr>
-      <p:sp>
-        <p:nvSpPr>
-          <p:cNvPr id="2" name="Folienbildplatzhalter 1"/>
-          <p:cNvSpPr>
-            <a:spLocks noGrp="1" noRot="1" noChangeAspect="1"/>
-          </p:cNvSpPr>
-          <p:nvPr>
-            <p:ph type="sldImg"/>
-          </p:nvPr>
-        </p:nvSpPr>
-        <p:spPr/>
-      </p:sp>
-      <p:sp>
-        <p:nvSpPr>
-          <p:cNvPr id="3" name="Notizenplatzhalter 2"/>
-          <p:cNvSpPr>
-            <a:spLocks noGrp="1"/>
-          </p:cNvSpPr>
-          <p:nvPr>
-            <p:ph type="body" idx="1"/>
-          </p:nvPr>
-        </p:nvSpPr>
-        <p:spPr/>
-        <p:txBody>
-          <a:bodyPr/>
-          <a:lstStyle/>
-          <a:p>
-            <a:r>
               <a:rPr lang="de-DE" dirty="0" err="1" smtClean="0"/>
               <a:t>Saved</a:t>
             </a:r>
@@ -670,7 +579,7 @@
 </p:notes>
 </file>
 
-<file path=ppt/notesSlides/notesSlide3.xml><?xml version="1.0" encoding="utf-8"?>
+<file path=ppt/notesSlides/notesSlide2.xml><?xml version="1.0" encoding="utf-8"?>
 <p:notes xmlns:a="http://schemas.openxmlformats.org/drawingml/2006/main" xmlns:r="http://schemas.openxmlformats.org/officeDocument/2006/relationships" xmlns:p="http://schemas.openxmlformats.org/presentationml/2006/main">
   <p:cSld>
     <p:spTree>
@@ -932,7 +841,7 @@
           <a:p>
             <a:fld id="{AD526F7C-8FB0-4901-8169-311B03C6DF46}" type="datetimeFigureOut">
               <a:rPr lang="de-DE" smtClean="0"/>
-              <a:t>11.08.2019</a:t>
+              <a:t>28.08.2019</a:t>
             </a:fld>
             <a:endParaRPr lang="de-DE"/>
           </a:p>
@@ -994,7 +903,7 @@
           <a:p>
             <a:fld id="{093C0F04-A77D-472B-A16F-27AD4F58956E}" type="slidenum">
               <a:rPr lang="de-DE" smtClean="0"/>
-              <a:t>‹Nr.›</a:t>
+              <a:t>‹#›</a:t>
             </a:fld>
             <a:endParaRPr lang="de-DE"/>
           </a:p>
@@ -1160,7 +1069,7 @@
           <a:p>
             <a:fld id="{AD526F7C-8FB0-4901-8169-311B03C6DF46}" type="datetimeFigureOut">
               <a:rPr lang="de-DE" smtClean="0"/>
-              <a:t>11.08.2019</a:t>
+              <a:t>28.08.2019</a:t>
             </a:fld>
             <a:endParaRPr lang="de-DE"/>
           </a:p>
@@ -1202,7 +1111,7 @@
           <a:p>
             <a:fld id="{093C0F04-A77D-472B-A16F-27AD4F58956E}" type="slidenum">
               <a:rPr lang="de-DE" smtClean="0"/>
-              <a:t>‹Nr.›</a:t>
+              <a:t>‹#›</a:t>
             </a:fld>
             <a:endParaRPr lang="de-DE"/>
           </a:p>
@@ -1340,7 +1249,7 @@
           <a:p>
             <a:fld id="{AD526F7C-8FB0-4901-8169-311B03C6DF46}" type="datetimeFigureOut">
               <a:rPr lang="de-DE" smtClean="0"/>
-              <a:t>11.08.2019</a:t>
+              <a:t>28.08.2019</a:t>
             </a:fld>
             <a:endParaRPr lang="de-DE"/>
           </a:p>
@@ -1382,7 +1291,7 @@
           <a:p>
             <a:fld id="{093C0F04-A77D-472B-A16F-27AD4F58956E}" type="slidenum">
               <a:rPr lang="de-DE" smtClean="0"/>
-              <a:t>‹Nr.›</a:t>
+              <a:t>‹#›</a:t>
             </a:fld>
             <a:endParaRPr lang="de-DE"/>
           </a:p>
@@ -1510,7 +1419,7 @@
           <a:p>
             <a:fld id="{AD526F7C-8FB0-4901-8169-311B03C6DF46}" type="datetimeFigureOut">
               <a:rPr lang="de-DE" smtClean="0"/>
-              <a:t>11.08.2019</a:t>
+              <a:t>28.08.2019</a:t>
             </a:fld>
             <a:endParaRPr lang="de-DE"/>
           </a:p>
@@ -1552,7 +1461,7 @@
           <a:p>
             <a:fld id="{093C0F04-A77D-472B-A16F-27AD4F58956E}" type="slidenum">
               <a:rPr lang="de-DE" smtClean="0"/>
-              <a:t>‹Nr.›</a:t>
+              <a:t>‹#›</a:t>
             </a:fld>
             <a:endParaRPr lang="de-DE"/>
           </a:p>
@@ -1764,7 +1673,7 @@
           <a:p>
             <a:fld id="{AD526F7C-8FB0-4901-8169-311B03C6DF46}" type="datetimeFigureOut">
               <a:rPr lang="de-DE" smtClean="0"/>
-              <a:t>11.08.2019</a:t>
+              <a:t>28.08.2019</a:t>
             </a:fld>
             <a:endParaRPr lang="de-DE"/>
           </a:p>
@@ -1806,7 +1715,7 @@
           <a:p>
             <a:fld id="{093C0F04-A77D-472B-A16F-27AD4F58956E}" type="slidenum">
               <a:rPr lang="de-DE" smtClean="0"/>
-              <a:t>‹Nr.›</a:t>
+              <a:t>‹#›</a:t>
             </a:fld>
             <a:endParaRPr lang="de-DE"/>
           </a:p>
@@ -2090,7 +1999,7 @@
           <a:p>
             <a:fld id="{AD526F7C-8FB0-4901-8169-311B03C6DF46}" type="datetimeFigureOut">
               <a:rPr lang="de-DE" smtClean="0"/>
-              <a:t>11.08.2019</a:t>
+              <a:t>28.08.2019</a:t>
             </a:fld>
             <a:endParaRPr lang="de-DE"/>
           </a:p>
@@ -2132,7 +2041,7 @@
           <a:p>
             <a:fld id="{093C0F04-A77D-472B-A16F-27AD4F58956E}" type="slidenum">
               <a:rPr lang="de-DE" smtClean="0"/>
-              <a:t>‹Nr.›</a:t>
+              <a:t>‹#›</a:t>
             </a:fld>
             <a:endParaRPr lang="de-DE"/>
           </a:p>
@@ -2541,7 +2450,7 @@
           <a:p>
             <a:fld id="{AD526F7C-8FB0-4901-8169-311B03C6DF46}" type="datetimeFigureOut">
               <a:rPr lang="de-DE" smtClean="0"/>
-              <a:t>11.08.2019</a:t>
+              <a:t>28.08.2019</a:t>
             </a:fld>
             <a:endParaRPr lang="de-DE"/>
           </a:p>
@@ -2583,7 +2492,7 @@
           <a:p>
             <a:fld id="{093C0F04-A77D-472B-A16F-27AD4F58956E}" type="slidenum">
               <a:rPr lang="de-DE" smtClean="0"/>
-              <a:t>‹Nr.›</a:t>
+              <a:t>‹#›</a:t>
             </a:fld>
             <a:endParaRPr lang="de-DE"/>
           </a:p>
@@ -2659,7 +2568,7 @@
           <a:p>
             <a:fld id="{AD526F7C-8FB0-4901-8169-311B03C6DF46}" type="datetimeFigureOut">
               <a:rPr lang="de-DE" smtClean="0"/>
-              <a:t>11.08.2019</a:t>
+              <a:t>28.08.2019</a:t>
             </a:fld>
             <a:endParaRPr lang="de-DE"/>
           </a:p>
@@ -2701,7 +2610,7 @@
           <a:p>
             <a:fld id="{093C0F04-A77D-472B-A16F-27AD4F58956E}" type="slidenum">
               <a:rPr lang="de-DE" smtClean="0"/>
-              <a:t>‹Nr.›</a:t>
+              <a:t>‹#›</a:t>
             </a:fld>
             <a:endParaRPr lang="de-DE"/>
           </a:p>
@@ -2754,7 +2663,7 @@
           <a:p>
             <a:fld id="{AD526F7C-8FB0-4901-8169-311B03C6DF46}" type="datetimeFigureOut">
               <a:rPr lang="de-DE" smtClean="0"/>
-              <a:t>11.08.2019</a:t>
+              <a:t>28.08.2019</a:t>
             </a:fld>
             <a:endParaRPr lang="de-DE"/>
           </a:p>
@@ -2796,7 +2705,7 @@
           <a:p>
             <a:fld id="{093C0F04-A77D-472B-A16F-27AD4F58956E}" type="slidenum">
               <a:rPr lang="de-DE" smtClean="0"/>
-              <a:t>‹Nr.›</a:t>
+              <a:t>‹#›</a:t>
             </a:fld>
             <a:endParaRPr lang="de-DE"/>
           </a:p>
@@ -3041,7 +2950,7 @@
           <a:p>
             <a:fld id="{AD526F7C-8FB0-4901-8169-311B03C6DF46}" type="datetimeFigureOut">
               <a:rPr lang="de-DE" smtClean="0"/>
-              <a:t>11.08.2019</a:t>
+              <a:t>28.08.2019</a:t>
             </a:fld>
             <a:endParaRPr lang="de-DE"/>
           </a:p>
@@ -3083,7 +2992,7 @@
           <a:p>
             <a:fld id="{093C0F04-A77D-472B-A16F-27AD4F58956E}" type="slidenum">
               <a:rPr lang="de-DE" smtClean="0"/>
-              <a:t>‹Nr.›</a:t>
+              <a:t>‹#›</a:t>
             </a:fld>
             <a:endParaRPr lang="de-DE"/>
           </a:p>
@@ -3366,7 +3275,7 @@
           <a:p>
             <a:fld id="{AD526F7C-8FB0-4901-8169-311B03C6DF46}" type="datetimeFigureOut">
               <a:rPr lang="de-DE" smtClean="0"/>
-              <a:t>11.08.2019</a:t>
+              <a:t>28.08.2019</a:t>
             </a:fld>
             <a:endParaRPr lang="de-DE"/>
           </a:p>
@@ -3408,7 +3317,7 @@
           <a:p>
             <a:fld id="{093C0F04-A77D-472B-A16F-27AD4F58956E}" type="slidenum">
               <a:rPr lang="de-DE" smtClean="0"/>
-              <a:t>‹Nr.›</a:t>
+              <a:t>‹#›</a:t>
             </a:fld>
             <a:endParaRPr lang="de-DE"/>
           </a:p>
@@ -3620,7 +3529,7 @@
           <a:p>
             <a:fld id="{AD526F7C-8FB0-4901-8169-311B03C6DF46}" type="datetimeFigureOut">
               <a:rPr lang="de-DE" smtClean="0"/>
-              <a:t>11.08.2019</a:t>
+              <a:t>28.08.2019</a:t>
             </a:fld>
             <a:endParaRPr lang="de-DE"/>
           </a:p>
@@ -3702,7 +3611,7 @@
           <a:p>
             <a:fld id="{093C0F04-A77D-472B-A16F-27AD4F58956E}" type="slidenum">
               <a:rPr lang="de-DE" smtClean="0"/>
-              <a:t>‹Nr.›</a:t>
+              <a:t>‹#›</a:t>
             </a:fld>
             <a:endParaRPr lang="de-DE"/>
           </a:p>
@@ -4108,28 +4017,9 @@
           <a:chExt cx="0" cy="0"/>
         </a:xfrm>
       </p:grpSpPr>
-      <p:sp>
-        <p:nvSpPr>
-          <p:cNvPr id="2" name="Titel 1"/>
-          <p:cNvSpPr>
-            <a:spLocks noGrp="1"/>
-          </p:cNvSpPr>
-          <p:nvPr>
-            <p:ph type="title"/>
-          </p:nvPr>
-        </p:nvSpPr>
-        <p:spPr/>
-        <p:txBody>
-          <a:bodyPr/>
-          <a:lstStyle/>
-          <a:p>
-            <a:endParaRPr lang="de-DE" dirty="0"/>
-          </a:p>
-        </p:txBody>
-      </p:sp>
       <p:pic>
         <p:nvPicPr>
-          <p:cNvPr id="1026" name="Picture 2" descr="http://3kbo302xo3lg2i1rj8450xje-wpengine.netdna-ssl.com/wp-content/uploads/2017/04/MSC-Daniella-800x533.jpg"/>
+          <p:cNvPr id="6" name="Picture 2" descr="http://3kbo302xo3lg2i1rj8450xje-wpengine.netdna-ssl.com/wp-content/uploads/2017/04/MSC-Daniella-800x533.jpg"/>
           <p:cNvPicPr>
             <a:picLocks noGrp="1" noChangeAspect="1" noChangeArrowheads="1"/>
           </p:cNvPicPr>
@@ -4138,7 +4028,7 @@
           </p:nvPr>
         </p:nvPicPr>
         <p:blipFill>
-          <a:blip r:embed="rId3">
+          <a:blip r:embed="rId2">
             <a:extLst>
               <a:ext uri="{28A0092B-C50C-407E-A947-70E740481C1C}">
                 <a14:useLocalDpi xmlns:a14="http://schemas.microsoft.com/office/drawing/2010/main" val="0"/>
@@ -4152,7 +4042,7 @@
         </p:blipFill>
         <p:spPr bwMode="auto">
           <a:xfrm>
-            <a:off x="2293881" y="1828800"/>
+            <a:off x="2783840" y="1102360"/>
             <a:ext cx="6531088" cy="4351338"/>
           </a:xfrm>
           <a:prstGeom prst="rect">
@@ -4173,7 +4063,7 @@
     </p:spTree>
     <p:extLst>
       <p:ext uri="{BB962C8B-B14F-4D97-AF65-F5344CB8AC3E}">
-        <p14:creationId xmlns:p14="http://schemas.microsoft.com/office/powerpoint/2010/main" val="2486284485"/>
+        <p14:creationId xmlns:p14="http://schemas.microsoft.com/office/powerpoint/2010/main" val="2282846199"/>
       </p:ext>
     </p:extLst>
   </p:cSld>
@@ -4547,9 +4437,427 @@
   <p:timing>
     <p:tnLst>
       <p:par>
-        <p:cTn id="1" dur="indefinite" restart="never" nodeType="tmRoot"/>
+        <p:cTn id="1" dur="indefinite" restart="never" nodeType="tmRoot">
+          <p:childTnLst>
+            <p:seq concurrent="1" nextAc="seek">
+              <p:cTn id="2" dur="indefinite" nodeType="mainSeq">
+                <p:childTnLst>
+                  <p:par>
+                    <p:cTn id="3" fill="hold">
+                      <p:stCondLst>
+                        <p:cond delay="indefinite"/>
+                      </p:stCondLst>
+                      <p:childTnLst>
+                        <p:par>
+                          <p:cTn id="4" fill="hold">
+                            <p:stCondLst>
+                              <p:cond delay="0"/>
+                            </p:stCondLst>
+                            <p:childTnLst>
+                              <p:par>
+                                <p:cTn id="5" presetID="1" presetClass="entr" presetSubtype="0" fill="hold" grpId="0" nodeType="clickEffect">
+                                  <p:stCondLst>
+                                    <p:cond delay="0"/>
+                                  </p:stCondLst>
+                                  <p:childTnLst>
+                                    <p:set>
+                                      <p:cBhvr>
+                                        <p:cTn id="6" dur="1" fill="hold">
+                                          <p:stCondLst>
+                                            <p:cond delay="0"/>
+                                          </p:stCondLst>
+                                        </p:cTn>
+                                        <p:tgtEl>
+                                          <p:spTgt spid="3">
+                                            <p:txEl>
+                                              <p:pRg st="0" end="0"/>
+                                            </p:txEl>
+                                          </p:spTgt>
+                                        </p:tgtEl>
+                                        <p:attrNameLst>
+                                          <p:attrName>style.visibility</p:attrName>
+                                        </p:attrNameLst>
+                                      </p:cBhvr>
+                                      <p:to>
+                                        <p:strVal val="visible"/>
+                                      </p:to>
+                                    </p:set>
+                                  </p:childTnLst>
+                                </p:cTn>
+                              </p:par>
+                            </p:childTnLst>
+                          </p:cTn>
+                        </p:par>
+                      </p:childTnLst>
+                    </p:cTn>
+                  </p:par>
+                  <p:par>
+                    <p:cTn id="7" fill="hold">
+                      <p:stCondLst>
+                        <p:cond delay="indefinite"/>
+                      </p:stCondLst>
+                      <p:childTnLst>
+                        <p:par>
+                          <p:cTn id="8" fill="hold">
+                            <p:stCondLst>
+                              <p:cond delay="0"/>
+                            </p:stCondLst>
+                            <p:childTnLst>
+                              <p:par>
+                                <p:cTn id="9" presetID="1" presetClass="entr" presetSubtype="0" fill="hold" grpId="0" nodeType="clickEffect">
+                                  <p:stCondLst>
+                                    <p:cond delay="0"/>
+                                  </p:stCondLst>
+                                  <p:childTnLst>
+                                    <p:set>
+                                      <p:cBhvr>
+                                        <p:cTn id="10" dur="1" fill="hold">
+                                          <p:stCondLst>
+                                            <p:cond delay="0"/>
+                                          </p:stCondLst>
+                                        </p:cTn>
+                                        <p:tgtEl>
+                                          <p:spTgt spid="3">
+                                            <p:txEl>
+                                              <p:pRg st="1" end="1"/>
+                                            </p:txEl>
+                                          </p:spTgt>
+                                        </p:tgtEl>
+                                        <p:attrNameLst>
+                                          <p:attrName>style.visibility</p:attrName>
+                                        </p:attrNameLst>
+                                      </p:cBhvr>
+                                      <p:to>
+                                        <p:strVal val="visible"/>
+                                      </p:to>
+                                    </p:set>
+                                  </p:childTnLst>
+                                </p:cTn>
+                              </p:par>
+                            </p:childTnLst>
+                          </p:cTn>
+                        </p:par>
+                      </p:childTnLst>
+                    </p:cTn>
+                  </p:par>
+                  <p:par>
+                    <p:cTn id="11" fill="hold">
+                      <p:stCondLst>
+                        <p:cond delay="indefinite"/>
+                      </p:stCondLst>
+                      <p:childTnLst>
+                        <p:par>
+                          <p:cTn id="12" fill="hold">
+                            <p:stCondLst>
+                              <p:cond delay="0"/>
+                            </p:stCondLst>
+                            <p:childTnLst>
+                              <p:par>
+                                <p:cTn id="13" presetID="1" presetClass="entr" presetSubtype="0" fill="hold" grpId="0" nodeType="clickEffect">
+                                  <p:stCondLst>
+                                    <p:cond delay="0"/>
+                                  </p:stCondLst>
+                                  <p:childTnLst>
+                                    <p:set>
+                                      <p:cBhvr>
+                                        <p:cTn id="14" dur="1" fill="hold">
+                                          <p:stCondLst>
+                                            <p:cond delay="0"/>
+                                          </p:stCondLst>
+                                        </p:cTn>
+                                        <p:tgtEl>
+                                          <p:spTgt spid="3">
+                                            <p:txEl>
+                                              <p:pRg st="2" end="2"/>
+                                            </p:txEl>
+                                          </p:spTgt>
+                                        </p:tgtEl>
+                                        <p:attrNameLst>
+                                          <p:attrName>style.visibility</p:attrName>
+                                        </p:attrNameLst>
+                                      </p:cBhvr>
+                                      <p:to>
+                                        <p:strVal val="visible"/>
+                                      </p:to>
+                                    </p:set>
+                                  </p:childTnLst>
+                                </p:cTn>
+                              </p:par>
+                            </p:childTnLst>
+                          </p:cTn>
+                        </p:par>
+                      </p:childTnLst>
+                    </p:cTn>
+                  </p:par>
+                  <p:par>
+                    <p:cTn id="15" fill="hold">
+                      <p:stCondLst>
+                        <p:cond delay="indefinite"/>
+                      </p:stCondLst>
+                      <p:childTnLst>
+                        <p:par>
+                          <p:cTn id="16" fill="hold">
+                            <p:stCondLst>
+                              <p:cond delay="0"/>
+                            </p:stCondLst>
+                            <p:childTnLst>
+                              <p:par>
+                                <p:cTn id="17" presetID="1" presetClass="entr" presetSubtype="0" fill="hold" grpId="0" nodeType="clickEffect">
+                                  <p:stCondLst>
+                                    <p:cond delay="0"/>
+                                  </p:stCondLst>
+                                  <p:childTnLst>
+                                    <p:set>
+                                      <p:cBhvr>
+                                        <p:cTn id="18" dur="1" fill="hold">
+                                          <p:stCondLst>
+                                            <p:cond delay="0"/>
+                                          </p:stCondLst>
+                                        </p:cTn>
+                                        <p:tgtEl>
+                                          <p:spTgt spid="3">
+                                            <p:txEl>
+                                              <p:pRg st="4" end="4"/>
+                                            </p:txEl>
+                                          </p:spTgt>
+                                        </p:tgtEl>
+                                        <p:attrNameLst>
+                                          <p:attrName>style.visibility</p:attrName>
+                                        </p:attrNameLst>
+                                      </p:cBhvr>
+                                      <p:to>
+                                        <p:strVal val="visible"/>
+                                      </p:to>
+                                    </p:set>
+                                  </p:childTnLst>
+                                </p:cTn>
+                              </p:par>
+                            </p:childTnLst>
+                          </p:cTn>
+                        </p:par>
+                      </p:childTnLst>
+                    </p:cTn>
+                  </p:par>
+                  <p:par>
+                    <p:cTn id="19" fill="hold">
+                      <p:stCondLst>
+                        <p:cond delay="indefinite"/>
+                      </p:stCondLst>
+                      <p:childTnLst>
+                        <p:par>
+                          <p:cTn id="20" fill="hold">
+                            <p:stCondLst>
+                              <p:cond delay="0"/>
+                            </p:stCondLst>
+                            <p:childTnLst>
+                              <p:par>
+                                <p:cTn id="21" presetID="1" presetClass="entr" presetSubtype="0" fill="hold" grpId="0" nodeType="clickEffect">
+                                  <p:stCondLst>
+                                    <p:cond delay="0"/>
+                                  </p:stCondLst>
+                                  <p:childTnLst>
+                                    <p:set>
+                                      <p:cBhvr>
+                                        <p:cTn id="22" dur="1" fill="hold">
+                                          <p:stCondLst>
+                                            <p:cond delay="0"/>
+                                          </p:stCondLst>
+                                        </p:cTn>
+                                        <p:tgtEl>
+                                          <p:spTgt spid="3">
+                                            <p:txEl>
+                                              <p:pRg st="6" end="6"/>
+                                            </p:txEl>
+                                          </p:spTgt>
+                                        </p:tgtEl>
+                                        <p:attrNameLst>
+                                          <p:attrName>style.visibility</p:attrName>
+                                        </p:attrNameLst>
+                                      </p:cBhvr>
+                                      <p:to>
+                                        <p:strVal val="visible"/>
+                                      </p:to>
+                                    </p:set>
+                                  </p:childTnLst>
+                                </p:cTn>
+                              </p:par>
+                            </p:childTnLst>
+                          </p:cTn>
+                        </p:par>
+                      </p:childTnLst>
+                    </p:cTn>
+                  </p:par>
+                  <p:par>
+                    <p:cTn id="23" fill="hold">
+                      <p:stCondLst>
+                        <p:cond delay="indefinite"/>
+                      </p:stCondLst>
+                      <p:childTnLst>
+                        <p:par>
+                          <p:cTn id="24" fill="hold">
+                            <p:stCondLst>
+                              <p:cond delay="0"/>
+                            </p:stCondLst>
+                            <p:childTnLst>
+                              <p:par>
+                                <p:cTn id="25" presetID="1" presetClass="entr" presetSubtype="0" fill="hold" grpId="0" nodeType="clickEffect">
+                                  <p:stCondLst>
+                                    <p:cond delay="0"/>
+                                  </p:stCondLst>
+                                  <p:childTnLst>
+                                    <p:set>
+                                      <p:cBhvr>
+                                        <p:cTn id="26" dur="1" fill="hold">
+                                          <p:stCondLst>
+                                            <p:cond delay="0"/>
+                                          </p:stCondLst>
+                                        </p:cTn>
+                                        <p:tgtEl>
+                                          <p:spTgt spid="3">
+                                            <p:txEl>
+                                              <p:pRg st="7" end="7"/>
+                                            </p:txEl>
+                                          </p:spTgt>
+                                        </p:tgtEl>
+                                        <p:attrNameLst>
+                                          <p:attrName>style.visibility</p:attrName>
+                                        </p:attrNameLst>
+                                      </p:cBhvr>
+                                      <p:to>
+                                        <p:strVal val="visible"/>
+                                      </p:to>
+                                    </p:set>
+                                  </p:childTnLst>
+                                </p:cTn>
+                              </p:par>
+                            </p:childTnLst>
+                          </p:cTn>
+                        </p:par>
+                      </p:childTnLst>
+                    </p:cTn>
+                  </p:par>
+                  <p:par>
+                    <p:cTn id="27" fill="hold">
+                      <p:stCondLst>
+                        <p:cond delay="indefinite"/>
+                      </p:stCondLst>
+                      <p:childTnLst>
+                        <p:par>
+                          <p:cTn id="28" fill="hold">
+                            <p:stCondLst>
+                              <p:cond delay="0"/>
+                            </p:stCondLst>
+                            <p:childTnLst>
+                              <p:par>
+                                <p:cTn id="29" presetID="1" presetClass="entr" presetSubtype="0" fill="hold" grpId="0" nodeType="clickEffect">
+                                  <p:stCondLst>
+                                    <p:cond delay="0"/>
+                                  </p:stCondLst>
+                                  <p:childTnLst>
+                                    <p:set>
+                                      <p:cBhvr>
+                                        <p:cTn id="30" dur="1" fill="hold">
+                                          <p:stCondLst>
+                                            <p:cond delay="0"/>
+                                          </p:stCondLst>
+                                        </p:cTn>
+                                        <p:tgtEl>
+                                          <p:spTgt spid="3">
+                                            <p:txEl>
+                                              <p:pRg st="8" end="8"/>
+                                            </p:txEl>
+                                          </p:spTgt>
+                                        </p:tgtEl>
+                                        <p:attrNameLst>
+                                          <p:attrName>style.visibility</p:attrName>
+                                        </p:attrNameLst>
+                                      </p:cBhvr>
+                                      <p:to>
+                                        <p:strVal val="visible"/>
+                                      </p:to>
+                                    </p:set>
+                                  </p:childTnLst>
+                                </p:cTn>
+                              </p:par>
+                            </p:childTnLst>
+                          </p:cTn>
+                        </p:par>
+                      </p:childTnLst>
+                    </p:cTn>
+                  </p:par>
+                  <p:par>
+                    <p:cTn id="31" fill="hold">
+                      <p:stCondLst>
+                        <p:cond delay="indefinite"/>
+                      </p:stCondLst>
+                      <p:childTnLst>
+                        <p:par>
+                          <p:cTn id="32" fill="hold">
+                            <p:stCondLst>
+                              <p:cond delay="0"/>
+                            </p:stCondLst>
+                            <p:childTnLst>
+                              <p:par>
+                                <p:cTn id="33" presetID="1" presetClass="entr" presetSubtype="0" fill="hold" grpId="0" nodeType="clickEffect">
+                                  <p:stCondLst>
+                                    <p:cond delay="0"/>
+                                  </p:stCondLst>
+                                  <p:childTnLst>
+                                    <p:set>
+                                      <p:cBhvr>
+                                        <p:cTn id="34" dur="1" fill="hold">
+                                          <p:stCondLst>
+                                            <p:cond delay="0"/>
+                                          </p:stCondLst>
+                                        </p:cTn>
+                                        <p:tgtEl>
+                                          <p:spTgt spid="3">
+                                            <p:txEl>
+                                              <p:pRg st="9" end="9"/>
+                                            </p:txEl>
+                                          </p:spTgt>
+                                        </p:tgtEl>
+                                        <p:attrNameLst>
+                                          <p:attrName>style.visibility</p:attrName>
+                                        </p:attrNameLst>
+                                      </p:cBhvr>
+                                      <p:to>
+                                        <p:strVal val="visible"/>
+                                      </p:to>
+                                    </p:set>
+                                  </p:childTnLst>
+                                </p:cTn>
+                              </p:par>
+                            </p:childTnLst>
+                          </p:cTn>
+                        </p:par>
+                      </p:childTnLst>
+                    </p:cTn>
+                  </p:par>
+                </p:childTnLst>
+              </p:cTn>
+              <p:prevCondLst>
+                <p:cond evt="onPrev" delay="0">
+                  <p:tgtEl>
+                    <p:sldTgt/>
+                  </p:tgtEl>
+                </p:cond>
+              </p:prevCondLst>
+              <p:nextCondLst>
+                <p:cond evt="onNext" delay="0">
+                  <p:tgtEl>
+                    <p:sldTgt/>
+                  </p:tgtEl>
+                </p:cond>
+              </p:nextCondLst>
+            </p:seq>
+          </p:childTnLst>
+        </p:cTn>
       </p:par>
     </p:tnLst>
+    <p:bldLst>
+      <p:bldP spid="3" grpId="0" uiExpand="1" build="p"/>
+    </p:bldLst>
   </p:timing>
 </p:sld>
 </file>
@@ -4683,9 +4991,107 @@
   <p:timing>
     <p:tnLst>
       <p:par>
-        <p:cTn id="1" dur="indefinite" restart="never" nodeType="tmRoot"/>
+        <p:cTn id="1" dur="indefinite" restart="never" nodeType="tmRoot">
+          <p:childTnLst>
+            <p:seq concurrent="1" nextAc="seek">
+              <p:cTn id="2" dur="indefinite" nodeType="mainSeq">
+                <p:childTnLst>
+                  <p:par>
+                    <p:cTn id="3" fill="hold">
+                      <p:stCondLst>
+                        <p:cond delay="indefinite"/>
+                      </p:stCondLst>
+                      <p:childTnLst>
+                        <p:par>
+                          <p:cTn id="4" fill="hold">
+                            <p:stCondLst>
+                              <p:cond delay="0"/>
+                            </p:stCondLst>
+                            <p:childTnLst>
+                              <p:par>
+                                <p:cTn id="5" presetID="1" presetClass="entr" presetSubtype="0" fill="hold" nodeType="clickEffect">
+                                  <p:stCondLst>
+                                    <p:cond delay="0"/>
+                                  </p:stCondLst>
+                                  <p:childTnLst>
+                                    <p:set>
+                                      <p:cBhvr>
+                                        <p:cTn id="6" dur="1" fill="hold">
+                                          <p:stCondLst>
+                                            <p:cond delay="0"/>
+                                          </p:stCondLst>
+                                        </p:cTn>
+                                        <p:tgtEl>
+                                          <p:spTgt spid="6"/>
+                                        </p:tgtEl>
+                                        <p:attrNameLst>
+                                          <p:attrName>style.visibility</p:attrName>
+                                        </p:attrNameLst>
+                                      </p:cBhvr>
+                                      <p:to>
+                                        <p:strVal val="visible"/>
+                                      </p:to>
+                                    </p:set>
+                                  </p:childTnLst>
+                                </p:cTn>
+                              </p:par>
+                              <p:par>
+                                <p:cTn id="7" presetID="1" presetClass="entr" presetSubtype="0" fill="hold" grpId="0" nodeType="withEffect">
+                                  <p:stCondLst>
+                                    <p:cond delay="0"/>
+                                  </p:stCondLst>
+                                  <p:childTnLst>
+                                    <p:set>
+                                      <p:cBhvr>
+                                        <p:cTn id="8" dur="1" fill="hold">
+                                          <p:stCondLst>
+                                            <p:cond delay="0"/>
+                                          </p:stCondLst>
+                                        </p:cTn>
+                                        <p:tgtEl>
+                                          <p:spTgt spid="8"/>
+                                        </p:tgtEl>
+                                        <p:attrNameLst>
+                                          <p:attrName>style.visibility</p:attrName>
+                                        </p:attrNameLst>
+                                      </p:cBhvr>
+                                      <p:to>
+                                        <p:strVal val="visible"/>
+                                      </p:to>
+                                    </p:set>
+                                  </p:childTnLst>
+                                </p:cTn>
+                              </p:par>
+                            </p:childTnLst>
+                          </p:cTn>
+                        </p:par>
+                      </p:childTnLst>
+                    </p:cTn>
+                  </p:par>
+                </p:childTnLst>
+              </p:cTn>
+              <p:prevCondLst>
+                <p:cond evt="onPrev" delay="0">
+                  <p:tgtEl>
+                    <p:sldTgt/>
+                  </p:tgtEl>
+                </p:cond>
+              </p:prevCondLst>
+              <p:nextCondLst>
+                <p:cond evt="onNext" delay="0">
+                  <p:tgtEl>
+                    <p:sldTgt/>
+                  </p:tgtEl>
+                </p:cond>
+              </p:nextCondLst>
+            </p:seq>
+          </p:childTnLst>
+        </p:cTn>
       </p:par>
     </p:tnLst>
+    <p:bldLst>
+      <p:bldP spid="8" grpId="0"/>
+    </p:bldLst>
   </p:timing>
 </p:sld>
 </file>
@@ -4893,7 +5299,7 @@
     </p:spTree>
     <p:extLst>
       <p:ext uri="{BB962C8B-B14F-4D97-AF65-F5344CB8AC3E}">
-        <p14:creationId xmlns:p14="http://schemas.microsoft.com/office/powerpoint/2010/main" val="2282846199"/>
+        <p14:creationId xmlns:p14="http://schemas.microsoft.com/office/powerpoint/2010/main" val="1532823262"/>
       </p:ext>
     </p:extLst>
   </p:cSld>
@@ -5056,9 +5462,378 @@
   <p:timing>
     <p:tnLst>
       <p:par>
-        <p:cTn id="1" dur="indefinite" restart="never" nodeType="tmRoot"/>
+        <p:cTn id="1" dur="indefinite" restart="never" nodeType="tmRoot">
+          <p:childTnLst>
+            <p:seq concurrent="1" nextAc="seek">
+              <p:cTn id="2" dur="indefinite" nodeType="mainSeq">
+                <p:childTnLst>
+                  <p:par>
+                    <p:cTn id="3" fill="hold">
+                      <p:stCondLst>
+                        <p:cond delay="indefinite"/>
+                      </p:stCondLst>
+                      <p:childTnLst>
+                        <p:par>
+                          <p:cTn id="4" fill="hold">
+                            <p:stCondLst>
+                              <p:cond delay="0"/>
+                            </p:stCondLst>
+                            <p:childTnLst>
+                              <p:par>
+                                <p:cTn id="5" presetID="1" presetClass="entr" presetSubtype="0" fill="hold" grpId="0" nodeType="clickEffect">
+                                  <p:stCondLst>
+                                    <p:cond delay="0"/>
+                                  </p:stCondLst>
+                                  <p:childTnLst>
+                                    <p:set>
+                                      <p:cBhvr>
+                                        <p:cTn id="6" dur="1" fill="hold">
+                                          <p:stCondLst>
+                                            <p:cond delay="0"/>
+                                          </p:stCondLst>
+                                        </p:cTn>
+                                        <p:tgtEl>
+                                          <p:spTgt spid="3">
+                                            <p:txEl>
+                                              <p:pRg st="0" end="0"/>
+                                            </p:txEl>
+                                          </p:spTgt>
+                                        </p:tgtEl>
+                                        <p:attrNameLst>
+                                          <p:attrName>style.visibility</p:attrName>
+                                        </p:attrNameLst>
+                                      </p:cBhvr>
+                                      <p:to>
+                                        <p:strVal val="visible"/>
+                                      </p:to>
+                                    </p:set>
+                                  </p:childTnLst>
+                                </p:cTn>
+                              </p:par>
+                            </p:childTnLst>
+                          </p:cTn>
+                        </p:par>
+                      </p:childTnLst>
+                    </p:cTn>
+                  </p:par>
+                  <p:par>
+                    <p:cTn id="7" fill="hold">
+                      <p:stCondLst>
+                        <p:cond delay="indefinite"/>
+                      </p:stCondLst>
+                      <p:childTnLst>
+                        <p:par>
+                          <p:cTn id="8" fill="hold">
+                            <p:stCondLst>
+                              <p:cond delay="0"/>
+                            </p:stCondLst>
+                            <p:childTnLst>
+                              <p:par>
+                                <p:cTn id="9" presetID="1" presetClass="entr" presetSubtype="0" fill="hold" grpId="0" nodeType="clickEffect">
+                                  <p:stCondLst>
+                                    <p:cond delay="0"/>
+                                  </p:stCondLst>
+                                  <p:childTnLst>
+                                    <p:set>
+                                      <p:cBhvr>
+                                        <p:cTn id="10" dur="1" fill="hold">
+                                          <p:stCondLst>
+                                            <p:cond delay="0"/>
+                                          </p:stCondLst>
+                                        </p:cTn>
+                                        <p:tgtEl>
+                                          <p:spTgt spid="3">
+                                            <p:txEl>
+                                              <p:pRg st="1" end="1"/>
+                                            </p:txEl>
+                                          </p:spTgt>
+                                        </p:tgtEl>
+                                        <p:attrNameLst>
+                                          <p:attrName>style.visibility</p:attrName>
+                                        </p:attrNameLst>
+                                      </p:cBhvr>
+                                      <p:to>
+                                        <p:strVal val="visible"/>
+                                      </p:to>
+                                    </p:set>
+                                  </p:childTnLst>
+                                </p:cTn>
+                              </p:par>
+                            </p:childTnLst>
+                          </p:cTn>
+                        </p:par>
+                      </p:childTnLst>
+                    </p:cTn>
+                  </p:par>
+                  <p:par>
+                    <p:cTn id="11" fill="hold">
+                      <p:stCondLst>
+                        <p:cond delay="indefinite"/>
+                      </p:stCondLst>
+                      <p:childTnLst>
+                        <p:par>
+                          <p:cTn id="12" fill="hold">
+                            <p:stCondLst>
+                              <p:cond delay="0"/>
+                            </p:stCondLst>
+                            <p:childTnLst>
+                              <p:par>
+                                <p:cTn id="13" presetID="1" presetClass="entr" presetSubtype="0" fill="hold" grpId="0" nodeType="clickEffect">
+                                  <p:stCondLst>
+                                    <p:cond delay="0"/>
+                                  </p:stCondLst>
+                                  <p:childTnLst>
+                                    <p:set>
+                                      <p:cBhvr>
+                                        <p:cTn id="14" dur="1" fill="hold">
+                                          <p:stCondLst>
+                                            <p:cond delay="0"/>
+                                          </p:stCondLst>
+                                        </p:cTn>
+                                        <p:tgtEl>
+                                          <p:spTgt spid="3">
+                                            <p:txEl>
+                                              <p:pRg st="2" end="2"/>
+                                            </p:txEl>
+                                          </p:spTgt>
+                                        </p:tgtEl>
+                                        <p:attrNameLst>
+                                          <p:attrName>style.visibility</p:attrName>
+                                        </p:attrNameLst>
+                                      </p:cBhvr>
+                                      <p:to>
+                                        <p:strVal val="visible"/>
+                                      </p:to>
+                                    </p:set>
+                                  </p:childTnLst>
+                                </p:cTn>
+                              </p:par>
+                            </p:childTnLst>
+                          </p:cTn>
+                        </p:par>
+                      </p:childTnLst>
+                    </p:cTn>
+                  </p:par>
+                  <p:par>
+                    <p:cTn id="15" fill="hold">
+                      <p:stCondLst>
+                        <p:cond delay="indefinite"/>
+                      </p:stCondLst>
+                      <p:childTnLst>
+                        <p:par>
+                          <p:cTn id="16" fill="hold">
+                            <p:stCondLst>
+                              <p:cond delay="0"/>
+                            </p:stCondLst>
+                            <p:childTnLst>
+                              <p:par>
+                                <p:cTn id="17" presetID="1" presetClass="entr" presetSubtype="0" fill="hold" grpId="0" nodeType="clickEffect">
+                                  <p:stCondLst>
+                                    <p:cond delay="0"/>
+                                  </p:stCondLst>
+                                  <p:childTnLst>
+                                    <p:set>
+                                      <p:cBhvr>
+                                        <p:cTn id="18" dur="1" fill="hold">
+                                          <p:stCondLst>
+                                            <p:cond delay="0"/>
+                                          </p:stCondLst>
+                                        </p:cTn>
+                                        <p:tgtEl>
+                                          <p:spTgt spid="3">
+                                            <p:txEl>
+                                              <p:pRg st="3" end="3"/>
+                                            </p:txEl>
+                                          </p:spTgt>
+                                        </p:tgtEl>
+                                        <p:attrNameLst>
+                                          <p:attrName>style.visibility</p:attrName>
+                                        </p:attrNameLst>
+                                      </p:cBhvr>
+                                      <p:to>
+                                        <p:strVal val="visible"/>
+                                      </p:to>
+                                    </p:set>
+                                  </p:childTnLst>
+                                </p:cTn>
+                              </p:par>
+                            </p:childTnLst>
+                          </p:cTn>
+                        </p:par>
+                      </p:childTnLst>
+                    </p:cTn>
+                  </p:par>
+                  <p:par>
+                    <p:cTn id="19" fill="hold">
+                      <p:stCondLst>
+                        <p:cond delay="indefinite"/>
+                      </p:stCondLst>
+                      <p:childTnLst>
+                        <p:par>
+                          <p:cTn id="20" fill="hold">
+                            <p:stCondLst>
+                              <p:cond delay="0"/>
+                            </p:stCondLst>
+                            <p:childTnLst>
+                              <p:par>
+                                <p:cTn id="21" presetID="1" presetClass="entr" presetSubtype="0" fill="hold" grpId="0" nodeType="clickEffect">
+                                  <p:stCondLst>
+                                    <p:cond delay="0"/>
+                                  </p:stCondLst>
+                                  <p:childTnLst>
+                                    <p:set>
+                                      <p:cBhvr>
+                                        <p:cTn id="22" dur="1" fill="hold">
+                                          <p:stCondLst>
+                                            <p:cond delay="0"/>
+                                          </p:stCondLst>
+                                        </p:cTn>
+                                        <p:tgtEl>
+                                          <p:spTgt spid="3">
+                                            <p:txEl>
+                                              <p:pRg st="4" end="4"/>
+                                            </p:txEl>
+                                          </p:spTgt>
+                                        </p:tgtEl>
+                                        <p:attrNameLst>
+                                          <p:attrName>style.visibility</p:attrName>
+                                        </p:attrNameLst>
+                                      </p:cBhvr>
+                                      <p:to>
+                                        <p:strVal val="visible"/>
+                                      </p:to>
+                                    </p:set>
+                                  </p:childTnLst>
+                                </p:cTn>
+                              </p:par>
+                            </p:childTnLst>
+                          </p:cTn>
+                        </p:par>
+                      </p:childTnLst>
+                    </p:cTn>
+                  </p:par>
+                  <p:par>
+                    <p:cTn id="23" fill="hold">
+                      <p:stCondLst>
+                        <p:cond delay="indefinite"/>
+                      </p:stCondLst>
+                      <p:childTnLst>
+                        <p:par>
+                          <p:cTn id="24" fill="hold">
+                            <p:stCondLst>
+                              <p:cond delay="0"/>
+                            </p:stCondLst>
+                            <p:childTnLst>
+                              <p:par>
+                                <p:cTn id="25" presetID="1" presetClass="entr" presetSubtype="0" fill="hold" grpId="0" nodeType="clickEffect">
+                                  <p:stCondLst>
+                                    <p:cond delay="0"/>
+                                  </p:stCondLst>
+                                  <p:childTnLst>
+                                    <p:set>
+                                      <p:cBhvr>
+                                        <p:cTn id="26" dur="1" fill="hold">
+                                          <p:stCondLst>
+                                            <p:cond delay="0"/>
+                                          </p:stCondLst>
+                                        </p:cTn>
+                                        <p:tgtEl>
+                                          <p:spTgt spid="3">
+                                            <p:txEl>
+                                              <p:pRg st="5" end="5"/>
+                                            </p:txEl>
+                                          </p:spTgt>
+                                        </p:tgtEl>
+                                        <p:attrNameLst>
+                                          <p:attrName>style.visibility</p:attrName>
+                                        </p:attrNameLst>
+                                      </p:cBhvr>
+                                      <p:to>
+                                        <p:strVal val="visible"/>
+                                      </p:to>
+                                    </p:set>
+                                  </p:childTnLst>
+                                </p:cTn>
+                              </p:par>
+                            </p:childTnLst>
+                          </p:cTn>
+                        </p:par>
+                      </p:childTnLst>
+                    </p:cTn>
+                  </p:par>
+                  <p:par>
+                    <p:cTn id="27" fill="hold">
+                      <p:stCondLst>
+                        <p:cond delay="indefinite"/>
+                      </p:stCondLst>
+                      <p:childTnLst>
+                        <p:par>
+                          <p:cTn id="28" fill="hold">
+                            <p:stCondLst>
+                              <p:cond delay="0"/>
+                            </p:stCondLst>
+                            <p:childTnLst>
+                              <p:par>
+                                <p:cTn id="29" presetID="1" presetClass="entr" presetSubtype="0" fill="hold" grpId="0" nodeType="clickEffect">
+                                  <p:stCondLst>
+                                    <p:cond delay="0"/>
+                                  </p:stCondLst>
+                                  <p:childTnLst>
+                                    <p:set>
+                                      <p:cBhvr>
+                                        <p:cTn id="30" dur="1" fill="hold">
+                                          <p:stCondLst>
+                                            <p:cond delay="0"/>
+                                          </p:stCondLst>
+                                        </p:cTn>
+                                        <p:tgtEl>
+                                          <p:spTgt spid="3">
+                                            <p:txEl>
+                                              <p:pRg st="6" end="6"/>
+                                            </p:txEl>
+                                          </p:spTgt>
+                                        </p:tgtEl>
+                                        <p:attrNameLst>
+                                          <p:attrName>style.visibility</p:attrName>
+                                        </p:attrNameLst>
+                                      </p:cBhvr>
+                                      <p:to>
+                                        <p:strVal val="visible"/>
+                                      </p:to>
+                                    </p:set>
+                                  </p:childTnLst>
+                                </p:cTn>
+                              </p:par>
+                            </p:childTnLst>
+                          </p:cTn>
+                        </p:par>
+                      </p:childTnLst>
+                    </p:cTn>
+                  </p:par>
+                </p:childTnLst>
+              </p:cTn>
+              <p:prevCondLst>
+                <p:cond evt="onPrev" delay="0">
+                  <p:tgtEl>
+                    <p:sldTgt/>
+                  </p:tgtEl>
+                </p:cond>
+              </p:prevCondLst>
+              <p:nextCondLst>
+                <p:cond evt="onNext" delay="0">
+                  <p:tgtEl>
+                    <p:sldTgt/>
+                  </p:tgtEl>
+                </p:cond>
+              </p:nextCondLst>
+            </p:seq>
+          </p:childTnLst>
+        </p:cTn>
       </p:par>
     </p:tnLst>
+    <p:bldLst>
+      <p:bldP spid="3" grpId="0" build="p"/>
+    </p:bldLst>
   </p:timing>
 </p:sld>
 </file>
@@ -5382,9 +6157,360 @@
   <p:timing>
     <p:tnLst>
       <p:par>
-        <p:cTn id="1" dur="indefinite" restart="never" nodeType="tmRoot"/>
+        <p:cTn id="1" dur="indefinite" restart="never" nodeType="tmRoot">
+          <p:childTnLst>
+            <p:seq concurrent="1" nextAc="seek">
+              <p:cTn id="2" dur="indefinite" nodeType="mainSeq">
+                <p:childTnLst>
+                  <p:par>
+                    <p:cTn id="3" fill="hold">
+                      <p:stCondLst>
+                        <p:cond delay="indefinite"/>
+                      </p:stCondLst>
+                      <p:childTnLst>
+                        <p:par>
+                          <p:cTn id="4" fill="hold">
+                            <p:stCondLst>
+                              <p:cond delay="0"/>
+                            </p:stCondLst>
+                            <p:childTnLst>
+                              <p:par>
+                                <p:cTn id="5" presetID="1" presetClass="entr" presetSubtype="0" fill="hold" grpId="0" nodeType="clickEffect">
+                                  <p:stCondLst>
+                                    <p:cond delay="0"/>
+                                  </p:stCondLst>
+                                  <p:childTnLst>
+                                    <p:set>
+                                      <p:cBhvr>
+                                        <p:cTn id="6" dur="1" fill="hold">
+                                          <p:stCondLst>
+                                            <p:cond delay="0"/>
+                                          </p:stCondLst>
+                                        </p:cTn>
+                                        <p:tgtEl>
+                                          <p:spTgt spid="3">
+                                            <p:txEl>
+                                              <p:pRg st="0" end="0"/>
+                                            </p:txEl>
+                                          </p:spTgt>
+                                        </p:tgtEl>
+                                        <p:attrNameLst>
+                                          <p:attrName>style.visibility</p:attrName>
+                                        </p:attrNameLst>
+                                      </p:cBhvr>
+                                      <p:to>
+                                        <p:strVal val="visible"/>
+                                      </p:to>
+                                    </p:set>
+                                  </p:childTnLst>
+                                </p:cTn>
+                              </p:par>
+                            </p:childTnLst>
+                          </p:cTn>
+                        </p:par>
+                      </p:childTnLst>
+                    </p:cTn>
+                  </p:par>
+                  <p:par>
+                    <p:cTn id="7" fill="hold">
+                      <p:stCondLst>
+                        <p:cond delay="indefinite"/>
+                      </p:stCondLst>
+                      <p:childTnLst>
+                        <p:par>
+                          <p:cTn id="8" fill="hold">
+                            <p:stCondLst>
+                              <p:cond delay="0"/>
+                            </p:stCondLst>
+                            <p:childTnLst>
+                              <p:par>
+                                <p:cTn id="9" presetID="1" presetClass="entr" presetSubtype="0" fill="hold" grpId="0" nodeType="clickEffect">
+                                  <p:stCondLst>
+                                    <p:cond delay="0"/>
+                                  </p:stCondLst>
+                                  <p:childTnLst>
+                                    <p:set>
+                                      <p:cBhvr>
+                                        <p:cTn id="10" dur="1" fill="hold">
+                                          <p:stCondLst>
+                                            <p:cond delay="0"/>
+                                          </p:stCondLst>
+                                        </p:cTn>
+                                        <p:tgtEl>
+                                          <p:spTgt spid="3">
+                                            <p:txEl>
+                                              <p:pRg st="1" end="1"/>
+                                            </p:txEl>
+                                          </p:spTgt>
+                                        </p:tgtEl>
+                                        <p:attrNameLst>
+                                          <p:attrName>style.visibility</p:attrName>
+                                        </p:attrNameLst>
+                                      </p:cBhvr>
+                                      <p:to>
+                                        <p:strVal val="visible"/>
+                                      </p:to>
+                                    </p:set>
+                                  </p:childTnLst>
+                                </p:cTn>
+                              </p:par>
+                            </p:childTnLst>
+                          </p:cTn>
+                        </p:par>
+                      </p:childTnLst>
+                    </p:cTn>
+                  </p:par>
+                  <p:par>
+                    <p:cTn id="11" fill="hold">
+                      <p:stCondLst>
+                        <p:cond delay="indefinite"/>
+                      </p:stCondLst>
+                      <p:childTnLst>
+                        <p:par>
+                          <p:cTn id="12" fill="hold">
+                            <p:stCondLst>
+                              <p:cond delay="0"/>
+                            </p:stCondLst>
+                            <p:childTnLst>
+                              <p:par>
+                                <p:cTn id="13" presetID="1" presetClass="entr" presetSubtype="0" fill="hold" grpId="0" nodeType="clickEffect">
+                                  <p:stCondLst>
+                                    <p:cond delay="0"/>
+                                  </p:stCondLst>
+                                  <p:childTnLst>
+                                    <p:set>
+                                      <p:cBhvr>
+                                        <p:cTn id="14" dur="1" fill="hold">
+                                          <p:stCondLst>
+                                            <p:cond delay="0"/>
+                                          </p:stCondLst>
+                                        </p:cTn>
+                                        <p:tgtEl>
+                                          <p:spTgt spid="3">
+                                            <p:txEl>
+                                              <p:pRg st="2" end="2"/>
+                                            </p:txEl>
+                                          </p:spTgt>
+                                        </p:tgtEl>
+                                        <p:attrNameLst>
+                                          <p:attrName>style.visibility</p:attrName>
+                                        </p:attrNameLst>
+                                      </p:cBhvr>
+                                      <p:to>
+                                        <p:strVal val="visible"/>
+                                      </p:to>
+                                    </p:set>
+                                  </p:childTnLst>
+                                </p:cTn>
+                              </p:par>
+                            </p:childTnLst>
+                          </p:cTn>
+                        </p:par>
+                      </p:childTnLst>
+                    </p:cTn>
+                  </p:par>
+                  <p:par>
+                    <p:cTn id="15" fill="hold">
+                      <p:stCondLst>
+                        <p:cond delay="indefinite"/>
+                      </p:stCondLst>
+                      <p:childTnLst>
+                        <p:par>
+                          <p:cTn id="16" fill="hold">
+                            <p:stCondLst>
+                              <p:cond delay="0"/>
+                            </p:stCondLst>
+                            <p:childTnLst>
+                              <p:par>
+                                <p:cTn id="17" presetID="1" presetClass="entr" presetSubtype="0" fill="hold" grpId="0" nodeType="clickEffect">
+                                  <p:stCondLst>
+                                    <p:cond delay="0"/>
+                                  </p:stCondLst>
+                                  <p:childTnLst>
+                                    <p:set>
+                                      <p:cBhvr>
+                                        <p:cTn id="18" dur="1" fill="hold">
+                                          <p:stCondLst>
+                                            <p:cond delay="0"/>
+                                          </p:stCondLst>
+                                        </p:cTn>
+                                        <p:tgtEl>
+                                          <p:spTgt spid="3">
+                                            <p:txEl>
+                                              <p:pRg st="3" end="3"/>
+                                            </p:txEl>
+                                          </p:spTgt>
+                                        </p:tgtEl>
+                                        <p:attrNameLst>
+                                          <p:attrName>style.visibility</p:attrName>
+                                        </p:attrNameLst>
+                                      </p:cBhvr>
+                                      <p:to>
+                                        <p:strVal val="visible"/>
+                                      </p:to>
+                                    </p:set>
+                                  </p:childTnLst>
+                                </p:cTn>
+                              </p:par>
+                            </p:childTnLst>
+                          </p:cTn>
+                        </p:par>
+                      </p:childTnLst>
+                    </p:cTn>
+                  </p:par>
+                  <p:par>
+                    <p:cTn id="19" fill="hold">
+                      <p:stCondLst>
+                        <p:cond delay="indefinite"/>
+                      </p:stCondLst>
+                      <p:childTnLst>
+                        <p:par>
+                          <p:cTn id="20" fill="hold">
+                            <p:stCondLst>
+                              <p:cond delay="0"/>
+                            </p:stCondLst>
+                            <p:childTnLst>
+                              <p:par>
+                                <p:cTn id="21" presetID="1" presetClass="entr" presetSubtype="0" fill="hold" grpId="0" nodeType="clickEffect">
+                                  <p:stCondLst>
+                                    <p:cond delay="0"/>
+                                  </p:stCondLst>
+                                  <p:childTnLst>
+                                    <p:set>
+                                      <p:cBhvr>
+                                        <p:cTn id="22" dur="1" fill="hold">
+                                          <p:stCondLst>
+                                            <p:cond delay="0"/>
+                                          </p:stCondLst>
+                                        </p:cTn>
+                                        <p:tgtEl>
+                                          <p:spTgt spid="3">
+                                            <p:txEl>
+                                              <p:pRg st="4" end="4"/>
+                                            </p:txEl>
+                                          </p:spTgt>
+                                        </p:tgtEl>
+                                        <p:attrNameLst>
+                                          <p:attrName>style.visibility</p:attrName>
+                                        </p:attrNameLst>
+                                      </p:cBhvr>
+                                      <p:to>
+                                        <p:strVal val="visible"/>
+                                      </p:to>
+                                    </p:set>
+                                  </p:childTnLst>
+                                </p:cTn>
+                              </p:par>
+                            </p:childTnLst>
+                          </p:cTn>
+                        </p:par>
+                      </p:childTnLst>
+                    </p:cTn>
+                  </p:par>
+                  <p:par>
+                    <p:cTn id="23" fill="hold">
+                      <p:stCondLst>
+                        <p:cond delay="indefinite"/>
+                      </p:stCondLst>
+                      <p:childTnLst>
+                        <p:par>
+                          <p:cTn id="24" fill="hold">
+                            <p:stCondLst>
+                              <p:cond delay="0"/>
+                            </p:stCondLst>
+                            <p:childTnLst>
+                              <p:par>
+                                <p:cTn id="25" presetID="1" presetClass="entr" presetSubtype="0" fill="hold" grpId="0" nodeType="clickEffect">
+                                  <p:stCondLst>
+                                    <p:cond delay="0"/>
+                                  </p:stCondLst>
+                                  <p:childTnLst>
+                                    <p:set>
+                                      <p:cBhvr>
+                                        <p:cTn id="26" dur="1" fill="hold">
+                                          <p:stCondLst>
+                                            <p:cond delay="0"/>
+                                          </p:stCondLst>
+                                        </p:cTn>
+                                        <p:tgtEl>
+                                          <p:spTgt spid="3">
+                                            <p:txEl>
+                                              <p:pRg st="7" end="7"/>
+                                            </p:txEl>
+                                          </p:spTgt>
+                                        </p:tgtEl>
+                                        <p:attrNameLst>
+                                          <p:attrName>style.visibility</p:attrName>
+                                        </p:attrNameLst>
+                                      </p:cBhvr>
+                                      <p:to>
+                                        <p:strVal val="visible"/>
+                                      </p:to>
+                                    </p:set>
+                                  </p:childTnLst>
+                                </p:cTn>
+                              </p:par>
+                              <p:par>
+                                <p:cTn id="27" presetID="1" presetClass="entr" presetSubtype="0" fill="hold" grpId="0" nodeType="withEffect">
+                                  <p:stCondLst>
+                                    <p:cond delay="0"/>
+                                  </p:stCondLst>
+                                  <p:childTnLst>
+                                    <p:set>
+                                      <p:cBhvr>
+                                        <p:cTn id="28" dur="1" fill="hold">
+                                          <p:stCondLst>
+                                            <p:cond delay="0"/>
+                                          </p:stCondLst>
+                                        </p:cTn>
+                                        <p:tgtEl>
+                                          <p:spTgt spid="3">
+                                            <p:txEl>
+                                              <p:pRg st="8" end="8"/>
+                                            </p:txEl>
+                                          </p:spTgt>
+                                        </p:tgtEl>
+                                        <p:attrNameLst>
+                                          <p:attrName>style.visibility</p:attrName>
+                                        </p:attrNameLst>
+                                      </p:cBhvr>
+                                      <p:to>
+                                        <p:strVal val="visible"/>
+                                      </p:to>
+                                    </p:set>
+                                  </p:childTnLst>
+                                </p:cTn>
+                              </p:par>
+                            </p:childTnLst>
+                          </p:cTn>
+                        </p:par>
+                      </p:childTnLst>
+                    </p:cTn>
+                  </p:par>
+                </p:childTnLst>
+              </p:cTn>
+              <p:prevCondLst>
+                <p:cond evt="onPrev" delay="0">
+                  <p:tgtEl>
+                    <p:sldTgt/>
+                  </p:tgtEl>
+                </p:cond>
+              </p:prevCondLst>
+              <p:nextCondLst>
+                <p:cond evt="onNext" delay="0">
+                  <p:tgtEl>
+                    <p:sldTgt/>
+                  </p:tgtEl>
+                </p:cond>
+              </p:nextCondLst>
+            </p:seq>
+          </p:childTnLst>
+        </p:cTn>
       </p:par>
     </p:tnLst>
+    <p:bldLst>
+      <p:bldP spid="3" grpId="0" uiExpand="1" build="p"/>
+    </p:bldLst>
   </p:timing>
 </p:sld>
 </file>
@@ -5637,9 +6763,280 @@
   <p:timing>
     <p:tnLst>
       <p:par>
-        <p:cTn id="1" dur="indefinite" restart="never" nodeType="tmRoot"/>
+        <p:cTn id="1" dur="indefinite" restart="never" nodeType="tmRoot">
+          <p:childTnLst>
+            <p:seq concurrent="1" nextAc="seek">
+              <p:cTn id="2" dur="indefinite" nodeType="mainSeq">
+                <p:childTnLst>
+                  <p:par>
+                    <p:cTn id="3" fill="hold">
+                      <p:stCondLst>
+                        <p:cond delay="indefinite"/>
+                      </p:stCondLst>
+                      <p:childTnLst>
+                        <p:par>
+                          <p:cTn id="4" fill="hold">
+                            <p:stCondLst>
+                              <p:cond delay="0"/>
+                            </p:stCondLst>
+                            <p:childTnLst>
+                              <p:par>
+                                <p:cTn id="5" presetID="1" presetClass="entr" presetSubtype="0" fill="hold" grpId="0" nodeType="clickEffect">
+                                  <p:stCondLst>
+                                    <p:cond delay="0"/>
+                                  </p:stCondLst>
+                                  <p:childTnLst>
+                                    <p:set>
+                                      <p:cBhvr>
+                                        <p:cTn id="6" dur="1" fill="hold">
+                                          <p:stCondLst>
+                                            <p:cond delay="0"/>
+                                          </p:stCondLst>
+                                        </p:cTn>
+                                        <p:tgtEl>
+                                          <p:spTgt spid="3">
+                                            <p:txEl>
+                                              <p:pRg st="0" end="0"/>
+                                            </p:txEl>
+                                          </p:spTgt>
+                                        </p:tgtEl>
+                                        <p:attrNameLst>
+                                          <p:attrName>style.visibility</p:attrName>
+                                        </p:attrNameLst>
+                                      </p:cBhvr>
+                                      <p:to>
+                                        <p:strVal val="visible"/>
+                                      </p:to>
+                                    </p:set>
+                                  </p:childTnLst>
+                                </p:cTn>
+                              </p:par>
+                            </p:childTnLst>
+                          </p:cTn>
+                        </p:par>
+                      </p:childTnLst>
+                    </p:cTn>
+                  </p:par>
+                  <p:par>
+                    <p:cTn id="7" fill="hold">
+                      <p:stCondLst>
+                        <p:cond delay="indefinite"/>
+                      </p:stCondLst>
+                      <p:childTnLst>
+                        <p:par>
+                          <p:cTn id="8" fill="hold">
+                            <p:stCondLst>
+                              <p:cond delay="0"/>
+                            </p:stCondLst>
+                            <p:childTnLst>
+                              <p:par>
+                                <p:cTn id="9" presetID="1" presetClass="entr" presetSubtype="0" fill="hold" grpId="0" nodeType="clickEffect">
+                                  <p:stCondLst>
+                                    <p:cond delay="0"/>
+                                  </p:stCondLst>
+                                  <p:childTnLst>
+                                    <p:set>
+                                      <p:cBhvr>
+                                        <p:cTn id="10" dur="1" fill="hold">
+                                          <p:stCondLst>
+                                            <p:cond delay="0"/>
+                                          </p:stCondLst>
+                                        </p:cTn>
+                                        <p:tgtEl>
+                                          <p:spTgt spid="3">
+                                            <p:txEl>
+                                              <p:pRg st="2" end="2"/>
+                                            </p:txEl>
+                                          </p:spTgt>
+                                        </p:tgtEl>
+                                        <p:attrNameLst>
+                                          <p:attrName>style.visibility</p:attrName>
+                                        </p:attrNameLst>
+                                      </p:cBhvr>
+                                      <p:to>
+                                        <p:strVal val="visible"/>
+                                      </p:to>
+                                    </p:set>
+                                  </p:childTnLst>
+                                </p:cTn>
+                              </p:par>
+                            </p:childTnLst>
+                          </p:cTn>
+                        </p:par>
+                      </p:childTnLst>
+                    </p:cTn>
+                  </p:par>
+                  <p:par>
+                    <p:cTn id="11" fill="hold">
+                      <p:stCondLst>
+                        <p:cond delay="indefinite"/>
+                      </p:stCondLst>
+                      <p:childTnLst>
+                        <p:par>
+                          <p:cTn id="12" fill="hold">
+                            <p:stCondLst>
+                              <p:cond delay="0"/>
+                            </p:stCondLst>
+                            <p:childTnLst>
+                              <p:par>
+                                <p:cTn id="13" presetID="1" presetClass="entr" presetSubtype="0" fill="hold" grpId="0" nodeType="clickEffect">
+                                  <p:stCondLst>
+                                    <p:cond delay="0"/>
+                                  </p:stCondLst>
+                                  <p:childTnLst>
+                                    <p:set>
+                                      <p:cBhvr>
+                                        <p:cTn id="14" dur="1" fill="hold">
+                                          <p:stCondLst>
+                                            <p:cond delay="0"/>
+                                          </p:stCondLst>
+                                        </p:cTn>
+                                        <p:tgtEl>
+                                          <p:spTgt spid="3">
+                                            <p:txEl>
+                                              <p:pRg st="4" end="4"/>
+                                            </p:txEl>
+                                          </p:spTgt>
+                                        </p:tgtEl>
+                                        <p:attrNameLst>
+                                          <p:attrName>style.visibility</p:attrName>
+                                        </p:attrNameLst>
+                                      </p:cBhvr>
+                                      <p:to>
+                                        <p:strVal val="visible"/>
+                                      </p:to>
+                                    </p:set>
+                                  </p:childTnLst>
+                                </p:cTn>
+                              </p:par>
+                            </p:childTnLst>
+                          </p:cTn>
+                        </p:par>
+                      </p:childTnLst>
+                    </p:cTn>
+                  </p:par>
+                  <p:par>
+                    <p:cTn id="15" fill="hold">
+                      <p:stCondLst>
+                        <p:cond delay="indefinite"/>
+                      </p:stCondLst>
+                      <p:childTnLst>
+                        <p:par>
+                          <p:cTn id="16" fill="hold">
+                            <p:stCondLst>
+                              <p:cond delay="0"/>
+                            </p:stCondLst>
+                            <p:childTnLst>
+                              <p:par>
+                                <p:cTn id="17" presetID="1" presetClass="entr" presetSubtype="0" fill="hold" grpId="0" nodeType="clickEffect">
+                                  <p:stCondLst>
+                                    <p:cond delay="0"/>
+                                  </p:stCondLst>
+                                  <p:childTnLst>
+                                    <p:set>
+                                      <p:cBhvr>
+                                        <p:cTn id="18" dur="1" fill="hold">
+                                          <p:stCondLst>
+                                            <p:cond delay="0"/>
+                                          </p:stCondLst>
+                                        </p:cTn>
+                                        <p:tgtEl>
+                                          <p:spTgt spid="3">
+                                            <p:txEl>
+                                              <p:pRg st="7" end="7"/>
+                                            </p:txEl>
+                                          </p:spTgt>
+                                        </p:tgtEl>
+                                        <p:attrNameLst>
+                                          <p:attrName>style.visibility</p:attrName>
+                                        </p:attrNameLst>
+                                      </p:cBhvr>
+                                      <p:to>
+                                        <p:strVal val="visible"/>
+                                      </p:to>
+                                    </p:set>
+                                  </p:childTnLst>
+                                </p:cTn>
+                              </p:par>
+                            </p:childTnLst>
+                          </p:cTn>
+                        </p:par>
+                      </p:childTnLst>
+                    </p:cTn>
+                  </p:par>
+                  <p:par>
+                    <p:cTn id="19" fill="hold">
+                      <p:stCondLst>
+                        <p:cond delay="indefinite"/>
+                      </p:stCondLst>
+                      <p:childTnLst>
+                        <p:par>
+                          <p:cTn id="20" fill="hold">
+                            <p:stCondLst>
+                              <p:cond delay="0"/>
+                            </p:stCondLst>
+                            <p:childTnLst>
+                              <p:par>
+                                <p:cTn id="21" presetID="1" presetClass="entr" presetSubtype="0" fill="hold" grpId="0" nodeType="clickEffect">
+                                  <p:stCondLst>
+                                    <p:cond delay="0"/>
+                                  </p:stCondLst>
+                                  <p:childTnLst>
+                                    <p:set>
+                                      <p:cBhvr>
+                                        <p:cTn id="22" dur="1" fill="hold">
+                                          <p:stCondLst>
+                                            <p:cond delay="0"/>
+                                          </p:stCondLst>
+                                        </p:cTn>
+                                        <p:tgtEl>
+                                          <p:spTgt spid="3">
+                                            <p:txEl>
+                                              <p:pRg st="9" end="9"/>
+                                            </p:txEl>
+                                          </p:spTgt>
+                                        </p:tgtEl>
+                                        <p:attrNameLst>
+                                          <p:attrName>style.visibility</p:attrName>
+                                        </p:attrNameLst>
+                                      </p:cBhvr>
+                                      <p:to>
+                                        <p:strVal val="visible"/>
+                                      </p:to>
+                                    </p:set>
+                                  </p:childTnLst>
+                                </p:cTn>
+                              </p:par>
+                            </p:childTnLst>
+                          </p:cTn>
+                        </p:par>
+                      </p:childTnLst>
+                    </p:cTn>
+                  </p:par>
+                </p:childTnLst>
+              </p:cTn>
+              <p:prevCondLst>
+                <p:cond evt="onPrev" delay="0">
+                  <p:tgtEl>
+                    <p:sldTgt/>
+                  </p:tgtEl>
+                </p:cond>
+              </p:prevCondLst>
+              <p:nextCondLst>
+                <p:cond evt="onNext" delay="0">
+                  <p:tgtEl>
+                    <p:sldTgt/>
+                  </p:tgtEl>
+                </p:cond>
+              </p:nextCondLst>
+            </p:seq>
+          </p:childTnLst>
+        </p:cTn>
       </p:par>
     </p:tnLst>
+    <p:bldLst>
+      <p:bldP spid="3" grpId="0" build="p"/>
+    </p:bldLst>
   </p:timing>
 </p:sld>
 </file>
@@ -6027,7 +7424,226 @@
   <p:timing>
     <p:tnLst>
       <p:par>
-        <p:cTn id="1" dur="indefinite" restart="never" nodeType="tmRoot"/>
+        <p:cTn id="1" dur="indefinite" restart="never" nodeType="tmRoot">
+          <p:childTnLst>
+            <p:seq concurrent="1" nextAc="seek">
+              <p:cTn id="2" dur="indefinite" nodeType="mainSeq">
+                <p:childTnLst>
+                  <p:par>
+                    <p:cTn id="3" fill="hold">
+                      <p:stCondLst>
+                        <p:cond delay="indefinite"/>
+                      </p:stCondLst>
+                      <p:childTnLst>
+                        <p:par>
+                          <p:cTn id="4" fill="hold">
+                            <p:stCondLst>
+                              <p:cond delay="0"/>
+                            </p:stCondLst>
+                            <p:childTnLst>
+                              <p:par>
+                                <p:cTn id="5" presetID="1" presetClass="entr" presetSubtype="0" fill="hold" nodeType="clickEffect">
+                                  <p:stCondLst>
+                                    <p:cond delay="0"/>
+                                  </p:stCondLst>
+                                  <p:childTnLst>
+                                    <p:set>
+                                      <p:cBhvr>
+                                        <p:cTn id="6" dur="1" fill="hold">
+                                          <p:stCondLst>
+                                            <p:cond delay="0"/>
+                                          </p:stCondLst>
+                                        </p:cTn>
+                                        <p:tgtEl>
+                                          <p:spTgt spid="3">
+                                            <p:txEl>
+                                              <p:pRg st="3" end="3"/>
+                                            </p:txEl>
+                                          </p:spTgt>
+                                        </p:tgtEl>
+                                        <p:attrNameLst>
+                                          <p:attrName>style.visibility</p:attrName>
+                                        </p:attrNameLst>
+                                      </p:cBhvr>
+                                      <p:to>
+                                        <p:strVal val="visible"/>
+                                      </p:to>
+                                    </p:set>
+                                  </p:childTnLst>
+                                </p:cTn>
+                              </p:par>
+                            </p:childTnLst>
+                          </p:cTn>
+                        </p:par>
+                      </p:childTnLst>
+                    </p:cTn>
+                  </p:par>
+                  <p:par>
+                    <p:cTn id="7" fill="hold">
+                      <p:stCondLst>
+                        <p:cond delay="indefinite"/>
+                      </p:stCondLst>
+                      <p:childTnLst>
+                        <p:par>
+                          <p:cTn id="8" fill="hold">
+                            <p:stCondLst>
+                              <p:cond delay="0"/>
+                            </p:stCondLst>
+                            <p:childTnLst>
+                              <p:par>
+                                <p:cTn id="9" presetID="1" presetClass="entr" presetSubtype="0" fill="hold" nodeType="clickEffect">
+                                  <p:stCondLst>
+                                    <p:cond delay="0"/>
+                                  </p:stCondLst>
+                                  <p:childTnLst>
+                                    <p:set>
+                                      <p:cBhvr>
+                                        <p:cTn id="10" dur="1" fill="hold">
+                                          <p:stCondLst>
+                                            <p:cond delay="0"/>
+                                          </p:stCondLst>
+                                        </p:cTn>
+                                        <p:tgtEl>
+                                          <p:spTgt spid="3">
+                                            <p:txEl>
+                                              <p:pRg st="5" end="5"/>
+                                            </p:txEl>
+                                          </p:spTgt>
+                                        </p:tgtEl>
+                                        <p:attrNameLst>
+                                          <p:attrName>style.visibility</p:attrName>
+                                        </p:attrNameLst>
+                                      </p:cBhvr>
+                                      <p:to>
+                                        <p:strVal val="visible"/>
+                                      </p:to>
+                                    </p:set>
+                                  </p:childTnLst>
+                                </p:cTn>
+                              </p:par>
+                            </p:childTnLst>
+                          </p:cTn>
+                        </p:par>
+                      </p:childTnLst>
+                    </p:cTn>
+                  </p:par>
+                  <p:par>
+                    <p:cTn id="11" fill="hold">
+                      <p:stCondLst>
+                        <p:cond delay="indefinite"/>
+                      </p:stCondLst>
+                      <p:childTnLst>
+                        <p:par>
+                          <p:cTn id="12" fill="hold">
+                            <p:stCondLst>
+                              <p:cond delay="0"/>
+                            </p:stCondLst>
+                            <p:childTnLst>
+                              <p:par>
+                                <p:cTn id="13" presetID="1" presetClass="entr" presetSubtype="0" fill="hold" nodeType="clickEffect">
+                                  <p:stCondLst>
+                                    <p:cond delay="0"/>
+                                  </p:stCondLst>
+                                  <p:childTnLst>
+                                    <p:set>
+                                      <p:cBhvr>
+                                        <p:cTn id="14" dur="1" fill="hold">
+                                          <p:stCondLst>
+                                            <p:cond delay="0"/>
+                                          </p:stCondLst>
+                                        </p:cTn>
+                                        <p:tgtEl>
+                                          <p:spTgt spid="3">
+                                            <p:txEl>
+                                              <p:pRg st="6" end="6"/>
+                                            </p:txEl>
+                                          </p:spTgt>
+                                        </p:tgtEl>
+                                        <p:attrNameLst>
+                                          <p:attrName>style.visibility</p:attrName>
+                                        </p:attrNameLst>
+                                      </p:cBhvr>
+                                      <p:to>
+                                        <p:strVal val="visible"/>
+                                      </p:to>
+                                    </p:set>
+                                  </p:childTnLst>
+                                </p:cTn>
+                              </p:par>
+                            </p:childTnLst>
+                          </p:cTn>
+                        </p:par>
+                      </p:childTnLst>
+                    </p:cTn>
+                  </p:par>
+                  <p:par>
+                    <p:cTn id="15" fill="hold">
+                      <p:stCondLst>
+                        <p:cond delay="indefinite"/>
+                      </p:stCondLst>
+                      <p:childTnLst>
+                        <p:par>
+                          <p:cTn id="16" fill="hold">
+                            <p:stCondLst>
+                              <p:cond delay="0"/>
+                            </p:stCondLst>
+                            <p:childTnLst>
+                              <p:par>
+                                <p:cTn id="17" presetID="1" presetClass="entr" presetSubtype="0" fill="hold" nodeType="clickEffect">
+                                  <p:stCondLst>
+                                    <p:cond delay="0"/>
+                                  </p:stCondLst>
+                                  <p:childTnLst>
+                                    <p:set>
+                                      <p:cBhvr>
+                                        <p:cTn id="18" dur="1" fill="hold">
+                                          <p:stCondLst>
+                                            <p:cond delay="0"/>
+                                          </p:stCondLst>
+                                        </p:cTn>
+                                        <p:tgtEl>
+                                          <p:spTgt spid="3">
+                                            <p:txEl>
+                                              <p:pRg st="8" end="8"/>
+                                            </p:txEl>
+                                          </p:spTgt>
+                                        </p:tgtEl>
+                                        <p:attrNameLst>
+                                          <p:attrName>style.visibility</p:attrName>
+                                        </p:attrNameLst>
+                                      </p:cBhvr>
+                                      <p:to>
+                                        <p:strVal val="visible"/>
+                                      </p:to>
+                                    </p:set>
+                                  </p:childTnLst>
+                                </p:cTn>
+                              </p:par>
+                            </p:childTnLst>
+                          </p:cTn>
+                        </p:par>
+                      </p:childTnLst>
+                    </p:cTn>
+                  </p:par>
+                </p:childTnLst>
+              </p:cTn>
+              <p:prevCondLst>
+                <p:cond evt="onPrev" delay="0">
+                  <p:tgtEl>
+                    <p:sldTgt/>
+                  </p:tgtEl>
+                </p:cond>
+              </p:prevCondLst>
+              <p:nextCondLst>
+                <p:cond evt="onNext" delay="0">
+                  <p:tgtEl>
+                    <p:sldTgt/>
+                  </p:tgtEl>
+                </p:cond>
+              </p:nextCondLst>
+            </p:seq>
+          </p:childTnLst>
+        </p:cTn>
       </p:par>
     </p:tnLst>
   </p:timing>
@@ -6251,7 +7867,7 @@
             </a:r>
             <a:r>
               <a:rPr lang="de-DE" dirty="0" err="1"/>
-              <a:t>to</a:t>
+              <a:t>into</a:t>
             </a:r>
             <a:r>
               <a:rPr lang="de-DE" dirty="0"/>
@@ -7004,9 +8620,485 @@
   <p:timing>
     <p:tnLst>
       <p:par>
-        <p:cTn id="1" dur="indefinite" restart="never" nodeType="tmRoot"/>
+        <p:cTn id="1" dur="indefinite" restart="never" nodeType="tmRoot">
+          <p:childTnLst>
+            <p:seq concurrent="1" nextAc="seek">
+              <p:cTn id="2" dur="indefinite" nodeType="mainSeq">
+                <p:childTnLst>
+                  <p:par>
+                    <p:cTn id="3" fill="hold">
+                      <p:stCondLst>
+                        <p:cond delay="indefinite"/>
+                      </p:stCondLst>
+                      <p:childTnLst>
+                        <p:par>
+                          <p:cTn id="4" fill="hold">
+                            <p:stCondLst>
+                              <p:cond delay="0"/>
+                            </p:stCondLst>
+                            <p:childTnLst>
+                              <p:par>
+                                <p:cTn id="5" presetID="1" presetClass="entr" presetSubtype="0" fill="hold" grpId="0" nodeType="clickEffect">
+                                  <p:stCondLst>
+                                    <p:cond delay="0"/>
+                                  </p:stCondLst>
+                                  <p:childTnLst>
+                                    <p:set>
+                                      <p:cBhvr>
+                                        <p:cTn id="6" dur="1" fill="hold">
+                                          <p:stCondLst>
+                                            <p:cond delay="0"/>
+                                          </p:stCondLst>
+                                        </p:cTn>
+                                        <p:tgtEl>
+                                          <p:spTgt spid="4">
+                                            <p:txEl>
+                                              <p:pRg st="0" end="0"/>
+                                            </p:txEl>
+                                          </p:spTgt>
+                                        </p:tgtEl>
+                                        <p:attrNameLst>
+                                          <p:attrName>style.visibility</p:attrName>
+                                        </p:attrNameLst>
+                                      </p:cBhvr>
+                                      <p:to>
+                                        <p:strVal val="visible"/>
+                                      </p:to>
+                                    </p:set>
+                                  </p:childTnLst>
+                                </p:cTn>
+                              </p:par>
+                              <p:par>
+                                <p:cTn id="7" presetID="1" presetClass="entr" presetSubtype="0" fill="hold" grpId="0" nodeType="withEffect">
+                                  <p:stCondLst>
+                                    <p:cond delay="0"/>
+                                  </p:stCondLst>
+                                  <p:childTnLst>
+                                    <p:set>
+                                      <p:cBhvr>
+                                        <p:cTn id="8" dur="1" fill="hold">
+                                          <p:stCondLst>
+                                            <p:cond delay="0"/>
+                                          </p:stCondLst>
+                                        </p:cTn>
+                                        <p:tgtEl>
+                                          <p:spTgt spid="6">
+                                            <p:txEl>
+                                              <p:pRg st="0" end="0"/>
+                                            </p:txEl>
+                                          </p:spTgt>
+                                        </p:tgtEl>
+                                        <p:attrNameLst>
+                                          <p:attrName>style.visibility</p:attrName>
+                                        </p:attrNameLst>
+                                      </p:cBhvr>
+                                      <p:to>
+                                        <p:strVal val="visible"/>
+                                      </p:to>
+                                    </p:set>
+                                  </p:childTnLst>
+                                </p:cTn>
+                              </p:par>
+                            </p:childTnLst>
+                          </p:cTn>
+                        </p:par>
+                      </p:childTnLst>
+                    </p:cTn>
+                  </p:par>
+                  <p:par>
+                    <p:cTn id="9" fill="hold">
+                      <p:stCondLst>
+                        <p:cond delay="indefinite"/>
+                      </p:stCondLst>
+                      <p:childTnLst>
+                        <p:par>
+                          <p:cTn id="10" fill="hold">
+                            <p:stCondLst>
+                              <p:cond delay="0"/>
+                            </p:stCondLst>
+                            <p:childTnLst>
+                              <p:par>
+                                <p:cTn id="11" presetID="1" presetClass="entr" presetSubtype="0" fill="hold" grpId="0" nodeType="clickEffect">
+                                  <p:stCondLst>
+                                    <p:cond delay="0"/>
+                                  </p:stCondLst>
+                                  <p:childTnLst>
+                                    <p:set>
+                                      <p:cBhvr>
+                                        <p:cTn id="12" dur="1" fill="hold">
+                                          <p:stCondLst>
+                                            <p:cond delay="0"/>
+                                          </p:stCondLst>
+                                        </p:cTn>
+                                        <p:tgtEl>
+                                          <p:spTgt spid="4">
+                                            <p:txEl>
+                                              <p:pRg st="1" end="1"/>
+                                            </p:txEl>
+                                          </p:spTgt>
+                                        </p:tgtEl>
+                                        <p:attrNameLst>
+                                          <p:attrName>style.visibility</p:attrName>
+                                        </p:attrNameLst>
+                                      </p:cBhvr>
+                                      <p:to>
+                                        <p:strVal val="visible"/>
+                                      </p:to>
+                                    </p:set>
+                                  </p:childTnLst>
+                                </p:cTn>
+                              </p:par>
+                              <p:par>
+                                <p:cTn id="13" presetID="1" presetClass="entr" presetSubtype="0" fill="hold" grpId="0" nodeType="withEffect">
+                                  <p:stCondLst>
+                                    <p:cond delay="0"/>
+                                  </p:stCondLst>
+                                  <p:childTnLst>
+                                    <p:set>
+                                      <p:cBhvr>
+                                        <p:cTn id="14" dur="1" fill="hold">
+                                          <p:stCondLst>
+                                            <p:cond delay="0"/>
+                                          </p:stCondLst>
+                                        </p:cTn>
+                                        <p:tgtEl>
+                                          <p:spTgt spid="6">
+                                            <p:txEl>
+                                              <p:pRg st="1" end="1"/>
+                                            </p:txEl>
+                                          </p:spTgt>
+                                        </p:tgtEl>
+                                        <p:attrNameLst>
+                                          <p:attrName>style.visibility</p:attrName>
+                                        </p:attrNameLst>
+                                      </p:cBhvr>
+                                      <p:to>
+                                        <p:strVal val="visible"/>
+                                      </p:to>
+                                    </p:set>
+                                  </p:childTnLst>
+                                </p:cTn>
+                              </p:par>
+                            </p:childTnLst>
+                          </p:cTn>
+                        </p:par>
+                      </p:childTnLst>
+                    </p:cTn>
+                  </p:par>
+                  <p:par>
+                    <p:cTn id="15" fill="hold">
+                      <p:stCondLst>
+                        <p:cond delay="indefinite"/>
+                      </p:stCondLst>
+                      <p:childTnLst>
+                        <p:par>
+                          <p:cTn id="16" fill="hold">
+                            <p:stCondLst>
+                              <p:cond delay="0"/>
+                            </p:stCondLst>
+                            <p:childTnLst>
+                              <p:par>
+                                <p:cTn id="17" presetID="1" presetClass="entr" presetSubtype="0" fill="hold" grpId="0" nodeType="clickEffect">
+                                  <p:stCondLst>
+                                    <p:cond delay="0"/>
+                                  </p:stCondLst>
+                                  <p:childTnLst>
+                                    <p:set>
+                                      <p:cBhvr>
+                                        <p:cTn id="18" dur="1" fill="hold">
+                                          <p:stCondLst>
+                                            <p:cond delay="0"/>
+                                          </p:stCondLst>
+                                        </p:cTn>
+                                        <p:tgtEl>
+                                          <p:spTgt spid="4">
+                                            <p:txEl>
+                                              <p:pRg st="3" end="3"/>
+                                            </p:txEl>
+                                          </p:spTgt>
+                                        </p:tgtEl>
+                                        <p:attrNameLst>
+                                          <p:attrName>style.visibility</p:attrName>
+                                        </p:attrNameLst>
+                                      </p:cBhvr>
+                                      <p:to>
+                                        <p:strVal val="visible"/>
+                                      </p:to>
+                                    </p:set>
+                                  </p:childTnLst>
+                                </p:cTn>
+                              </p:par>
+                              <p:par>
+                                <p:cTn id="19" presetID="1" presetClass="entr" presetSubtype="0" fill="hold" grpId="0" nodeType="withEffect">
+                                  <p:stCondLst>
+                                    <p:cond delay="0"/>
+                                  </p:stCondLst>
+                                  <p:childTnLst>
+                                    <p:set>
+                                      <p:cBhvr>
+                                        <p:cTn id="20" dur="1" fill="hold">
+                                          <p:stCondLst>
+                                            <p:cond delay="0"/>
+                                          </p:stCondLst>
+                                        </p:cTn>
+                                        <p:tgtEl>
+                                          <p:spTgt spid="6">
+                                            <p:txEl>
+                                              <p:pRg st="2" end="2"/>
+                                            </p:txEl>
+                                          </p:spTgt>
+                                        </p:tgtEl>
+                                        <p:attrNameLst>
+                                          <p:attrName>style.visibility</p:attrName>
+                                        </p:attrNameLst>
+                                      </p:cBhvr>
+                                      <p:to>
+                                        <p:strVal val="visible"/>
+                                      </p:to>
+                                    </p:set>
+                                  </p:childTnLst>
+                                </p:cTn>
+                              </p:par>
+                            </p:childTnLst>
+                          </p:cTn>
+                        </p:par>
+                      </p:childTnLst>
+                    </p:cTn>
+                  </p:par>
+                  <p:par>
+                    <p:cTn id="21" fill="hold">
+                      <p:stCondLst>
+                        <p:cond delay="indefinite"/>
+                      </p:stCondLst>
+                      <p:childTnLst>
+                        <p:par>
+                          <p:cTn id="22" fill="hold">
+                            <p:stCondLst>
+                              <p:cond delay="0"/>
+                            </p:stCondLst>
+                            <p:childTnLst>
+                              <p:par>
+                                <p:cTn id="23" presetID="1" presetClass="entr" presetSubtype="0" fill="hold" grpId="0" nodeType="clickEffect">
+                                  <p:stCondLst>
+                                    <p:cond delay="0"/>
+                                  </p:stCondLst>
+                                  <p:childTnLst>
+                                    <p:set>
+                                      <p:cBhvr>
+                                        <p:cTn id="24" dur="1" fill="hold">
+                                          <p:stCondLst>
+                                            <p:cond delay="0"/>
+                                          </p:stCondLst>
+                                        </p:cTn>
+                                        <p:tgtEl>
+                                          <p:spTgt spid="4">
+                                            <p:txEl>
+                                              <p:pRg st="4" end="4"/>
+                                            </p:txEl>
+                                          </p:spTgt>
+                                        </p:tgtEl>
+                                        <p:attrNameLst>
+                                          <p:attrName>style.visibility</p:attrName>
+                                        </p:attrNameLst>
+                                      </p:cBhvr>
+                                      <p:to>
+                                        <p:strVal val="visible"/>
+                                      </p:to>
+                                    </p:set>
+                                  </p:childTnLst>
+                                </p:cTn>
+                              </p:par>
+                              <p:par>
+                                <p:cTn id="25" presetID="1" presetClass="entr" presetSubtype="0" fill="hold" grpId="0" nodeType="withEffect">
+                                  <p:stCondLst>
+                                    <p:cond delay="0"/>
+                                  </p:stCondLst>
+                                  <p:childTnLst>
+                                    <p:set>
+                                      <p:cBhvr>
+                                        <p:cTn id="26" dur="1" fill="hold">
+                                          <p:stCondLst>
+                                            <p:cond delay="0"/>
+                                          </p:stCondLst>
+                                        </p:cTn>
+                                        <p:tgtEl>
+                                          <p:spTgt spid="6">
+                                            <p:txEl>
+                                              <p:pRg st="3" end="3"/>
+                                            </p:txEl>
+                                          </p:spTgt>
+                                        </p:tgtEl>
+                                        <p:attrNameLst>
+                                          <p:attrName>style.visibility</p:attrName>
+                                        </p:attrNameLst>
+                                      </p:cBhvr>
+                                      <p:to>
+                                        <p:strVal val="visible"/>
+                                      </p:to>
+                                    </p:set>
+                                  </p:childTnLst>
+                                </p:cTn>
+                              </p:par>
+                            </p:childTnLst>
+                          </p:cTn>
+                        </p:par>
+                      </p:childTnLst>
+                    </p:cTn>
+                  </p:par>
+                  <p:par>
+                    <p:cTn id="27" fill="hold">
+                      <p:stCondLst>
+                        <p:cond delay="indefinite"/>
+                      </p:stCondLst>
+                      <p:childTnLst>
+                        <p:par>
+                          <p:cTn id="28" fill="hold">
+                            <p:stCondLst>
+                              <p:cond delay="0"/>
+                            </p:stCondLst>
+                            <p:childTnLst>
+                              <p:par>
+                                <p:cTn id="29" presetID="1" presetClass="entr" presetSubtype="0" fill="hold" grpId="0" nodeType="clickEffect">
+                                  <p:stCondLst>
+                                    <p:cond delay="0"/>
+                                  </p:stCondLst>
+                                  <p:childTnLst>
+                                    <p:set>
+                                      <p:cBhvr>
+                                        <p:cTn id="30" dur="1" fill="hold">
+                                          <p:stCondLst>
+                                            <p:cond delay="0"/>
+                                          </p:stCondLst>
+                                        </p:cTn>
+                                        <p:tgtEl>
+                                          <p:spTgt spid="4">
+                                            <p:txEl>
+                                              <p:pRg st="5" end="5"/>
+                                            </p:txEl>
+                                          </p:spTgt>
+                                        </p:tgtEl>
+                                        <p:attrNameLst>
+                                          <p:attrName>style.visibility</p:attrName>
+                                        </p:attrNameLst>
+                                      </p:cBhvr>
+                                      <p:to>
+                                        <p:strVal val="visible"/>
+                                      </p:to>
+                                    </p:set>
+                                  </p:childTnLst>
+                                </p:cTn>
+                              </p:par>
+                              <p:par>
+                                <p:cTn id="31" presetID="1" presetClass="entr" presetSubtype="0" fill="hold" grpId="0" nodeType="withEffect">
+                                  <p:stCondLst>
+                                    <p:cond delay="0"/>
+                                  </p:stCondLst>
+                                  <p:childTnLst>
+                                    <p:set>
+                                      <p:cBhvr>
+                                        <p:cTn id="32" dur="1" fill="hold">
+                                          <p:stCondLst>
+                                            <p:cond delay="0"/>
+                                          </p:stCondLst>
+                                        </p:cTn>
+                                        <p:tgtEl>
+                                          <p:spTgt spid="6">
+                                            <p:txEl>
+                                              <p:pRg st="5" end="5"/>
+                                            </p:txEl>
+                                          </p:spTgt>
+                                        </p:tgtEl>
+                                        <p:attrNameLst>
+                                          <p:attrName>style.visibility</p:attrName>
+                                        </p:attrNameLst>
+                                      </p:cBhvr>
+                                      <p:to>
+                                        <p:strVal val="visible"/>
+                                      </p:to>
+                                    </p:set>
+                                  </p:childTnLst>
+                                </p:cTn>
+                              </p:par>
+                            </p:childTnLst>
+                          </p:cTn>
+                        </p:par>
+                      </p:childTnLst>
+                    </p:cTn>
+                  </p:par>
+                  <p:par>
+                    <p:cTn id="33" fill="hold">
+                      <p:stCondLst>
+                        <p:cond delay="indefinite"/>
+                      </p:stCondLst>
+                      <p:childTnLst>
+                        <p:par>
+                          <p:cTn id="34" fill="hold">
+                            <p:stCondLst>
+                              <p:cond delay="0"/>
+                            </p:stCondLst>
+                            <p:childTnLst>
+                              <p:par>
+                                <p:cTn id="35" presetID="1" presetClass="entr" presetSubtype="0" fill="hold" grpId="0" nodeType="clickEffect">
+                                  <p:stCondLst>
+                                    <p:cond delay="0"/>
+                                  </p:stCondLst>
+                                  <p:childTnLst>
+                                    <p:set>
+                                      <p:cBhvr>
+                                        <p:cTn id="36" dur="1" fill="hold">
+                                          <p:stCondLst>
+                                            <p:cond delay="0"/>
+                                          </p:stCondLst>
+                                        </p:cTn>
+                                        <p:tgtEl>
+                                          <p:spTgt spid="6">
+                                            <p:txEl>
+                                              <p:pRg st="6" end="6"/>
+                                            </p:txEl>
+                                          </p:spTgt>
+                                        </p:tgtEl>
+                                        <p:attrNameLst>
+                                          <p:attrName>style.visibility</p:attrName>
+                                        </p:attrNameLst>
+                                      </p:cBhvr>
+                                      <p:to>
+                                        <p:strVal val="visible"/>
+                                      </p:to>
+                                    </p:set>
+                                  </p:childTnLst>
+                                </p:cTn>
+                              </p:par>
+                            </p:childTnLst>
+                          </p:cTn>
+                        </p:par>
+                      </p:childTnLst>
+                    </p:cTn>
+                  </p:par>
+                </p:childTnLst>
+              </p:cTn>
+              <p:prevCondLst>
+                <p:cond evt="onPrev" delay="0">
+                  <p:tgtEl>
+                    <p:sldTgt/>
+                  </p:tgtEl>
+                </p:cond>
+              </p:prevCondLst>
+              <p:nextCondLst>
+                <p:cond evt="onNext" delay="0">
+                  <p:tgtEl>
+                    <p:sldTgt/>
+                  </p:tgtEl>
+                </p:cond>
+              </p:nextCondLst>
+            </p:seq>
+          </p:childTnLst>
+        </p:cTn>
       </p:par>
     </p:tnLst>
+    <p:bldLst>
+      <p:bldP spid="4" grpId="0" uiExpand="1" build="p"/>
+      <p:bldP spid="6" grpId="0" uiExpand="1" build="p"/>
+    </p:bldLst>
   </p:timing>
 </p:sld>
 </file>
@@ -7103,6 +9195,21 @@
     </p:tnLst>
   </p:timing>
 </p:sld>
+</file>
+
+<file path=ppt/tags/tag1.xml><?xml version="1.0" encoding="utf-8"?>
+<p:tagLst xmlns:a="http://schemas.openxmlformats.org/drawingml/2006/main" xmlns:r="http://schemas.openxmlformats.org/officeDocument/2006/relationships" xmlns:p="http://schemas.openxmlformats.org/presentationml/2006/main">
+  <p:tag name="ISFOXLABELUSERINTERACTION" val="True"/>
+  <p:tag name="ISFOXCLASSIFICATIONID" val="7d788e96-5802-48f7-b87f-ef0226e41b7c"/>
+  <p:tag name="ISFOXCLASSIFICATIONNAME" val="Public"/>
+  <p:tag name="ISFOXPREFIX" val="HvS"/>
+  <p:tag name="ISFOXSHOWCLASSIFICATIONREQUESTDIALOG" val="False"/>
+  <p:tag name="A71660D270C64F5BBB8F27F5E85BE6370" val="HVS\grams;7d788e96-5802-48f7-b87f-ef0226e41b7c;Public;2019-08-28T13:28:33;;HvS|"/>
+  <p:tag name="A71660D270C64F5BBB8F27F5E85BE630" val="1"/>
+  <p:tag name="ISFOXOLDCLASSIFICATIONID" val="7d788e96-5802-48f7-b87f-ef0226e41b7c"/>
+  <p:tag name="ISFOXCLASSIFICATIONINKEYWORDS" val="Public"/>
+  <p:tag name="ISFOXDOVERSIONINGONSAVE" val="0"/>
+</p:tagLst>
 </file>
 
 <file path=ppt/theme/theme1.xml><?xml version="1.0" encoding="utf-8"?>

--- a/_defendense_presentation.pptx
+++ b/_defendense_presentation.pptx
@@ -5,26 +5,24 @@
     <p:sldMasterId id="2147483660" r:id="rId1"/>
   </p:sldMasterIdLst>
   <p:notesMasterIdLst>
-    <p:notesMasterId r:id="rId14"/>
+    <p:notesMasterId r:id="rId12"/>
   </p:notesMasterIdLst>
   <p:sldIdLst>
-    <p:sldId id="257" r:id="rId2"/>
-    <p:sldId id="269" r:id="rId3"/>
+    <p:sldId id="269" r:id="rId2"/>
+    <p:sldId id="257" r:id="rId3"/>
     <p:sldId id="258" r:id="rId4"/>
     <p:sldId id="259" r:id="rId5"/>
-    <p:sldId id="260" r:id="rId6"/>
-    <p:sldId id="261" r:id="rId7"/>
-    <p:sldId id="262" r:id="rId8"/>
-    <p:sldId id="268" r:id="rId9"/>
-    <p:sldId id="264" r:id="rId10"/>
-    <p:sldId id="265" r:id="rId11"/>
-    <p:sldId id="266" r:id="rId12"/>
-    <p:sldId id="267" r:id="rId13"/>
+    <p:sldId id="268" r:id="rId6"/>
+    <p:sldId id="260" r:id="rId7"/>
+    <p:sldId id="264" r:id="rId8"/>
+    <p:sldId id="265" r:id="rId9"/>
+    <p:sldId id="266" r:id="rId10"/>
+    <p:sldId id="267" r:id="rId11"/>
   </p:sldIdLst>
   <p:sldSz cx="12192000" cy="6858000"/>
   <p:notesSz cx="6858000" cy="9144000"/>
   <p:custDataLst>
-    <p:tags r:id="rId15"/>
+    <p:tags r:id="rId13"/>
   </p:custDataLst>
   <p:defaultTextStyle>
     <a:defPPr>
@@ -123,7 +121,18 @@
   </p:defaultTextStyle>
   <p:extLst>
     <p:ext uri="{EFAFB233-063F-42B5-8137-9DF3F51BA10A}">
-      <p15:sldGuideLst xmlns:p15="http://schemas.microsoft.com/office/powerpoint/2012/main"/>
+      <p15:sldGuideLst xmlns:p15="http://schemas.microsoft.com/office/powerpoint/2012/main">
+        <p15:guide id="1" orient="horz" pos="2160" userDrawn="1">
+          <p15:clr>
+            <a:srgbClr val="A4A3A4"/>
+          </p15:clr>
+        </p15:guide>
+        <p15:guide id="2" pos="3840" userDrawn="1">
+          <p15:clr>
+            <a:srgbClr val="A4A3A4"/>
+          </p15:clr>
+        </p15:guide>
+      </p15:sldGuideLst>
     </p:ext>
   </p:extLst>
 </p:presentation>
@@ -560,7 +569,7 @@
           <a:p>
             <a:fld id="{BFE7B6AF-8810-4B2F-ADD5-5F91B866FE48}" type="slidenum">
               <a:rPr lang="de-DE" smtClean="0"/>
-              <a:t>9</a:t>
+              <a:t>7</a:t>
             </a:fld>
             <a:endParaRPr lang="de-DE"/>
           </a:p>
@@ -654,7 +663,7 @@
           <a:p>
             <a:fld id="{BFE7B6AF-8810-4B2F-ADD5-5F91B866FE48}" type="slidenum">
               <a:rPr lang="de-DE" smtClean="0"/>
-              <a:t>11</a:t>
+              <a:t>9</a:t>
             </a:fld>
             <a:endParaRPr lang="de-DE"/>
           </a:p>
@@ -4017,53 +4026,60 @@
           <a:chExt cx="0" cy="0"/>
         </a:xfrm>
       </p:grpSpPr>
-      <p:pic>
-        <p:nvPicPr>
-          <p:cNvPr id="6" name="Picture 2" descr="http://3kbo302xo3lg2i1rj8450xje-wpengine.netdna-ssl.com/wp-content/uploads/2017/04/MSC-Daniella-800x533.jpg"/>
-          <p:cNvPicPr>
-            <a:picLocks noGrp="1" noChangeAspect="1" noChangeArrowheads="1"/>
-          </p:cNvPicPr>
-          <p:nvPr>
-            <p:ph idx="1"/>
-          </p:nvPr>
-        </p:nvPicPr>
-        <p:blipFill>
-          <a:blip r:embed="rId2">
-            <a:extLst>
-              <a:ext uri="{28A0092B-C50C-407E-A947-70E740481C1C}">
-                <a14:useLocalDpi xmlns:a14="http://schemas.microsoft.com/office/drawing/2010/main" val="0"/>
-              </a:ext>
-            </a:extLst>
-          </a:blip>
-          <a:srcRect/>
-          <a:stretch>
-            <a:fillRect/>
-          </a:stretch>
-        </p:blipFill>
-        <p:spPr bwMode="auto">
-          <a:xfrm>
-            <a:off x="2783840" y="1102360"/>
-            <a:ext cx="6531088" cy="4351338"/>
-          </a:xfrm>
-          <a:prstGeom prst="rect">
-            <a:avLst/>
-          </a:prstGeom>
-          <a:noFill/>
-          <a:extLst>
-            <a:ext uri="{909E8E84-426E-40DD-AFC4-6F175D3DCCD1}">
-              <a14:hiddenFill xmlns:a14="http://schemas.microsoft.com/office/drawing/2010/main">
-                <a:solidFill>
-                  <a:srgbClr val="FFFFFF"/>
-                </a:solidFill>
-              </a14:hiddenFill>
-            </a:ext>
-          </a:extLst>
-        </p:spPr>
-      </p:pic>
+      <p:sp>
+        <p:nvSpPr>
+          <p:cNvPr id="2" name="Titel 1"/>
+          <p:cNvSpPr>
+            <a:spLocks noGrp="1"/>
+          </p:cNvSpPr>
+          <p:nvPr>
+            <p:ph type="ctrTitle"/>
+          </p:nvPr>
+        </p:nvSpPr>
+        <p:spPr/>
+        <p:txBody>
+          <a:bodyPr/>
+          <a:lstStyle/>
+          <a:p>
+            <a:r>
+              <a:rPr lang="de-DE" dirty="0" smtClean="0"/>
+              <a:t>Thesis </a:t>
+            </a:r>
+            <a:r>
+              <a:rPr lang="de-DE" dirty="0" err="1" smtClean="0"/>
+              <a:t>defendense</a:t>
+            </a:r>
+            <a:endParaRPr lang="de-DE" dirty="0"/>
+          </a:p>
+        </p:txBody>
+      </p:sp>
+      <p:sp>
+        <p:nvSpPr>
+          <p:cNvPr id="3" name="Untertitel 2"/>
+          <p:cNvSpPr>
+            <a:spLocks noGrp="1"/>
+          </p:cNvSpPr>
+          <p:nvPr>
+            <p:ph type="subTitle" idx="1"/>
+          </p:nvPr>
+        </p:nvSpPr>
+        <p:spPr/>
+        <p:txBody>
+          <a:bodyPr/>
+          <a:lstStyle/>
+          <a:p>
+            <a:r>
+              <a:rPr lang="de-DE" dirty="0" smtClean="0"/>
+              <a:t>Lukas Grams, 2019-09-16</a:t>
+            </a:r>
+            <a:endParaRPr lang="de-DE" dirty="0"/>
+          </a:p>
+        </p:txBody>
+      </p:sp>
     </p:spTree>
     <p:extLst>
       <p:ext uri="{BB962C8B-B14F-4D97-AF65-F5344CB8AC3E}">
-        <p14:creationId xmlns:p14="http://schemas.microsoft.com/office/powerpoint/2010/main" val="2282846199"/>
+        <p14:creationId xmlns:p14="http://schemas.microsoft.com/office/powerpoint/2010/main" val="1532823262"/>
       </p:ext>
     </p:extLst>
   </p:cSld>
@@ -4113,1022 +4129,6 @@
           <a:lstStyle/>
           <a:p>
             <a:r>
-              <a:rPr lang="de-DE" dirty="0" err="1"/>
-              <a:t>Recap</a:t>
-            </a:r>
-            <a:endParaRPr lang="de-DE" dirty="0"/>
-          </a:p>
-        </p:txBody>
-      </p:sp>
-      <p:sp>
-        <p:nvSpPr>
-          <p:cNvPr id="3" name="Inhaltsplatzhalter 2"/>
-          <p:cNvSpPr>
-            <a:spLocks noGrp="1"/>
-          </p:cNvSpPr>
-          <p:nvPr>
-            <p:ph idx="1"/>
-          </p:nvPr>
-        </p:nvSpPr>
-        <p:spPr/>
-        <p:txBody>
-          <a:bodyPr/>
-          <a:lstStyle/>
-          <a:p>
-            <a:r>
-              <a:rPr lang="de-DE" dirty="0" err="1" smtClean="0"/>
-              <a:t>Unexpected</a:t>
-            </a:r>
-            <a:r>
-              <a:rPr lang="de-DE" dirty="0" smtClean="0"/>
-              <a:t> </a:t>
-            </a:r>
-            <a:r>
-              <a:rPr lang="de-DE" dirty="0" err="1" smtClean="0"/>
-              <a:t>challenges</a:t>
-            </a:r>
-            <a:endParaRPr lang="de-DE" dirty="0" smtClean="0"/>
-          </a:p>
-          <a:p>
-            <a:r>
-              <a:rPr lang="de-DE" dirty="0" err="1" smtClean="0"/>
-              <a:t>Considerable</a:t>
-            </a:r>
-            <a:r>
-              <a:rPr lang="de-DE" dirty="0" smtClean="0"/>
-              <a:t> additional </a:t>
-            </a:r>
-            <a:r>
-              <a:rPr lang="de-DE" dirty="0" err="1" smtClean="0"/>
-              <a:t>work</a:t>
-            </a:r>
-            <a:r>
-              <a:rPr lang="de-DE" dirty="0" smtClean="0"/>
-              <a:t> </a:t>
-            </a:r>
-          </a:p>
-          <a:p>
-            <a:r>
-              <a:rPr lang="de-DE" dirty="0" err="1" smtClean="0"/>
-              <a:t>Resulting</a:t>
-            </a:r>
-            <a:r>
-              <a:rPr lang="de-DE" dirty="0" smtClean="0"/>
-              <a:t> </a:t>
-            </a:r>
-            <a:r>
-              <a:rPr lang="de-DE" dirty="0" err="1" smtClean="0"/>
-              <a:t>shift</a:t>
-            </a:r>
-            <a:r>
-              <a:rPr lang="de-DE" dirty="0" smtClean="0"/>
-              <a:t> </a:t>
-            </a:r>
-            <a:r>
-              <a:rPr lang="de-DE" dirty="0" err="1" smtClean="0"/>
-              <a:t>from</a:t>
-            </a:r>
-            <a:r>
-              <a:rPr lang="de-DE" dirty="0" smtClean="0"/>
-              <a:t> initial </a:t>
-            </a:r>
-            <a:r>
-              <a:rPr lang="de-DE" dirty="0" err="1" smtClean="0"/>
-              <a:t>goals</a:t>
-            </a:r>
-            <a:endParaRPr lang="de-DE" dirty="0" smtClean="0"/>
-          </a:p>
-          <a:p>
-            <a:endParaRPr lang="de-DE" dirty="0"/>
-          </a:p>
-          <a:p>
-            <a:r>
-              <a:rPr lang="de-DE" dirty="0" err="1" smtClean="0"/>
-              <a:t>Good</a:t>
-            </a:r>
-            <a:r>
-              <a:rPr lang="de-DE" dirty="0" smtClean="0"/>
-              <a:t> end </a:t>
-            </a:r>
-            <a:r>
-              <a:rPr lang="de-DE" dirty="0" err="1" smtClean="0"/>
-              <a:t>result</a:t>
-            </a:r>
-            <a:endParaRPr lang="de-DE" dirty="0" smtClean="0"/>
-          </a:p>
-          <a:p>
-            <a:endParaRPr lang="de-DE" dirty="0"/>
-          </a:p>
-          <a:p>
-            <a:r>
-              <a:rPr lang="de-DE" dirty="0" err="1" smtClean="0"/>
-              <a:t>Would</a:t>
-            </a:r>
-            <a:r>
-              <a:rPr lang="de-DE" dirty="0" smtClean="0"/>
-              <a:t> still not </a:t>
-            </a:r>
-            <a:r>
-              <a:rPr lang="de-DE" dirty="0" err="1" smtClean="0"/>
-              <a:t>have</a:t>
-            </a:r>
-            <a:r>
-              <a:rPr lang="de-DE" dirty="0" smtClean="0"/>
-              <a:t> </a:t>
-            </a:r>
-            <a:r>
-              <a:rPr lang="de-DE" dirty="0" err="1" smtClean="0"/>
-              <a:t>done</a:t>
-            </a:r>
-            <a:r>
-              <a:rPr lang="de-DE" dirty="0" smtClean="0"/>
-              <a:t> </a:t>
-            </a:r>
-            <a:r>
-              <a:rPr lang="de-DE" dirty="0" err="1" smtClean="0"/>
-              <a:t>it</a:t>
-            </a:r>
-            <a:r>
-              <a:rPr lang="de-DE" dirty="0" smtClean="0"/>
-              <a:t> </a:t>
-            </a:r>
-            <a:r>
-              <a:rPr lang="de-DE" dirty="0" err="1" smtClean="0"/>
-              <a:t>if</a:t>
-            </a:r>
-            <a:r>
-              <a:rPr lang="de-DE" dirty="0" smtClean="0"/>
-              <a:t> I </a:t>
-            </a:r>
-            <a:r>
-              <a:rPr lang="de-DE" dirty="0" err="1" smtClean="0"/>
-              <a:t>knew</a:t>
-            </a:r>
-            <a:endParaRPr lang="de-DE" dirty="0" smtClean="0"/>
-          </a:p>
-          <a:p>
-            <a:pPr lvl="1"/>
-            <a:r>
-              <a:rPr lang="de-DE" dirty="0" err="1" smtClean="0"/>
-              <a:t>Practical</a:t>
-            </a:r>
-            <a:r>
-              <a:rPr lang="de-DE" dirty="0" smtClean="0"/>
-              <a:t> </a:t>
-            </a:r>
-            <a:r>
-              <a:rPr lang="de-DE" dirty="0" err="1" smtClean="0"/>
-              <a:t>part</a:t>
-            </a:r>
-            <a:r>
-              <a:rPr lang="de-DE" dirty="0" smtClean="0"/>
-              <a:t> </a:t>
-            </a:r>
-            <a:r>
-              <a:rPr lang="de-DE" dirty="0" err="1" smtClean="0"/>
-              <a:t>too</a:t>
-            </a:r>
-            <a:r>
-              <a:rPr lang="de-DE" dirty="0" smtClean="0"/>
-              <a:t> </a:t>
-            </a:r>
-            <a:r>
-              <a:rPr lang="de-DE" dirty="0" err="1" smtClean="0"/>
-              <a:t>small</a:t>
-            </a:r>
-            <a:r>
-              <a:rPr lang="de-DE" dirty="0" smtClean="0"/>
-              <a:t> </a:t>
-            </a:r>
-            <a:r>
-              <a:rPr lang="de-DE" dirty="0" err="1" smtClean="0"/>
-              <a:t>for</a:t>
-            </a:r>
-            <a:r>
-              <a:rPr lang="de-DE" dirty="0" smtClean="0"/>
-              <a:t> </a:t>
-            </a:r>
-            <a:r>
-              <a:rPr lang="de-DE" dirty="0" err="1" smtClean="0"/>
-              <a:t>my</a:t>
-            </a:r>
-            <a:r>
-              <a:rPr lang="de-DE" dirty="0" smtClean="0"/>
-              <a:t> taste</a:t>
-            </a:r>
-            <a:endParaRPr lang="de-DE" dirty="0"/>
-          </a:p>
-          <a:p>
-            <a:pPr lvl="1"/>
-            <a:r>
-              <a:rPr lang="de-DE" dirty="0" err="1" smtClean="0"/>
-              <a:t>Struggling</a:t>
-            </a:r>
-            <a:r>
-              <a:rPr lang="de-DE" dirty="0" smtClean="0"/>
-              <a:t> </a:t>
-            </a:r>
-            <a:r>
-              <a:rPr lang="de-DE" dirty="0" err="1" smtClean="0"/>
-              <a:t>with</a:t>
-            </a:r>
-            <a:r>
-              <a:rPr lang="de-DE" dirty="0" smtClean="0"/>
-              <a:t> </a:t>
-            </a:r>
-            <a:r>
-              <a:rPr lang="de-DE" dirty="0" err="1" smtClean="0"/>
-              <a:t>technology</a:t>
-            </a:r>
-            <a:r>
-              <a:rPr lang="de-DE" dirty="0" smtClean="0"/>
-              <a:t> &gt; </a:t>
-            </a:r>
-            <a:r>
-              <a:rPr lang="de-DE" dirty="0" err="1" smtClean="0"/>
-              <a:t>Struggling</a:t>
-            </a:r>
-            <a:r>
-              <a:rPr lang="de-DE" dirty="0" smtClean="0"/>
-              <a:t> </a:t>
-            </a:r>
-            <a:r>
-              <a:rPr lang="de-DE" dirty="0" err="1" smtClean="0"/>
-              <a:t>with</a:t>
-            </a:r>
-            <a:r>
-              <a:rPr lang="de-DE" dirty="0" smtClean="0"/>
-              <a:t> </a:t>
-            </a:r>
-            <a:r>
-              <a:rPr lang="de-DE" dirty="0" err="1" smtClean="0"/>
-              <a:t>scope</a:t>
-            </a:r>
-            <a:r>
-              <a:rPr lang="de-DE" dirty="0" smtClean="0"/>
-              <a:t> </a:t>
-            </a:r>
-            <a:r>
-              <a:rPr lang="de-DE" dirty="0" err="1" smtClean="0"/>
-              <a:t>definition</a:t>
-            </a:r>
-            <a:endParaRPr lang="de-DE" dirty="0" smtClean="0"/>
-          </a:p>
-          <a:p>
-            <a:pPr lvl="1"/>
-            <a:r>
-              <a:rPr lang="de-DE" dirty="0" err="1" smtClean="0"/>
-              <a:t>Huge</a:t>
-            </a:r>
-            <a:r>
-              <a:rPr lang="de-DE" dirty="0" smtClean="0"/>
-              <a:t> </a:t>
-            </a:r>
-            <a:r>
-              <a:rPr lang="de-DE" dirty="0" err="1" smtClean="0"/>
-              <a:t>scope</a:t>
-            </a:r>
-            <a:r>
-              <a:rPr lang="de-DE" dirty="0"/>
-              <a:t> </a:t>
-            </a:r>
-            <a:r>
-              <a:rPr lang="de-DE" dirty="0" smtClean="0"/>
-              <a:t>-&gt; not </a:t>
-            </a:r>
-            <a:r>
-              <a:rPr lang="de-DE" dirty="0" err="1" smtClean="0"/>
-              <a:t>much</a:t>
-            </a:r>
-            <a:r>
-              <a:rPr lang="de-DE" dirty="0" smtClean="0"/>
-              <a:t> </a:t>
-            </a:r>
-            <a:r>
-              <a:rPr lang="de-DE" dirty="0" err="1" smtClean="0"/>
-              <a:t>detail</a:t>
-            </a:r>
-            <a:r>
-              <a:rPr lang="de-DE" dirty="0" smtClean="0"/>
-              <a:t> </a:t>
-            </a:r>
-            <a:r>
-              <a:rPr lang="de-DE" dirty="0" err="1" smtClean="0"/>
-              <a:t>possible</a:t>
-            </a:r>
-            <a:endParaRPr lang="de-DE" dirty="0" smtClean="0"/>
-          </a:p>
-          <a:p>
-            <a:pPr lvl="1"/>
-            <a:endParaRPr lang="de-DE" dirty="0"/>
-          </a:p>
-        </p:txBody>
-      </p:sp>
-    </p:spTree>
-    <p:extLst>
-      <p:ext uri="{BB962C8B-B14F-4D97-AF65-F5344CB8AC3E}">
-        <p14:creationId xmlns:p14="http://schemas.microsoft.com/office/powerpoint/2010/main" val="3169320166"/>
-      </p:ext>
-    </p:extLst>
-  </p:cSld>
-  <p:clrMapOvr>
-    <a:masterClrMapping/>
-  </p:clrMapOvr>
-  <p:timing>
-    <p:tnLst>
-      <p:par>
-        <p:cTn id="1" dur="indefinite" restart="never" nodeType="tmRoot">
-          <p:childTnLst>
-            <p:seq concurrent="1" nextAc="seek">
-              <p:cTn id="2" dur="indefinite" nodeType="mainSeq">
-                <p:childTnLst>
-                  <p:par>
-                    <p:cTn id="3" fill="hold">
-                      <p:stCondLst>
-                        <p:cond delay="indefinite"/>
-                      </p:stCondLst>
-                      <p:childTnLst>
-                        <p:par>
-                          <p:cTn id="4" fill="hold">
-                            <p:stCondLst>
-                              <p:cond delay="0"/>
-                            </p:stCondLst>
-                            <p:childTnLst>
-                              <p:par>
-                                <p:cTn id="5" presetID="1" presetClass="entr" presetSubtype="0" fill="hold" grpId="0" nodeType="clickEffect">
-                                  <p:stCondLst>
-                                    <p:cond delay="0"/>
-                                  </p:stCondLst>
-                                  <p:childTnLst>
-                                    <p:set>
-                                      <p:cBhvr>
-                                        <p:cTn id="6" dur="1" fill="hold">
-                                          <p:stCondLst>
-                                            <p:cond delay="0"/>
-                                          </p:stCondLst>
-                                        </p:cTn>
-                                        <p:tgtEl>
-                                          <p:spTgt spid="3">
-                                            <p:txEl>
-                                              <p:pRg st="0" end="0"/>
-                                            </p:txEl>
-                                          </p:spTgt>
-                                        </p:tgtEl>
-                                        <p:attrNameLst>
-                                          <p:attrName>style.visibility</p:attrName>
-                                        </p:attrNameLst>
-                                      </p:cBhvr>
-                                      <p:to>
-                                        <p:strVal val="visible"/>
-                                      </p:to>
-                                    </p:set>
-                                  </p:childTnLst>
-                                </p:cTn>
-                              </p:par>
-                            </p:childTnLst>
-                          </p:cTn>
-                        </p:par>
-                      </p:childTnLst>
-                    </p:cTn>
-                  </p:par>
-                  <p:par>
-                    <p:cTn id="7" fill="hold">
-                      <p:stCondLst>
-                        <p:cond delay="indefinite"/>
-                      </p:stCondLst>
-                      <p:childTnLst>
-                        <p:par>
-                          <p:cTn id="8" fill="hold">
-                            <p:stCondLst>
-                              <p:cond delay="0"/>
-                            </p:stCondLst>
-                            <p:childTnLst>
-                              <p:par>
-                                <p:cTn id="9" presetID="1" presetClass="entr" presetSubtype="0" fill="hold" grpId="0" nodeType="clickEffect">
-                                  <p:stCondLst>
-                                    <p:cond delay="0"/>
-                                  </p:stCondLst>
-                                  <p:childTnLst>
-                                    <p:set>
-                                      <p:cBhvr>
-                                        <p:cTn id="10" dur="1" fill="hold">
-                                          <p:stCondLst>
-                                            <p:cond delay="0"/>
-                                          </p:stCondLst>
-                                        </p:cTn>
-                                        <p:tgtEl>
-                                          <p:spTgt spid="3">
-                                            <p:txEl>
-                                              <p:pRg st="1" end="1"/>
-                                            </p:txEl>
-                                          </p:spTgt>
-                                        </p:tgtEl>
-                                        <p:attrNameLst>
-                                          <p:attrName>style.visibility</p:attrName>
-                                        </p:attrNameLst>
-                                      </p:cBhvr>
-                                      <p:to>
-                                        <p:strVal val="visible"/>
-                                      </p:to>
-                                    </p:set>
-                                  </p:childTnLst>
-                                </p:cTn>
-                              </p:par>
-                            </p:childTnLst>
-                          </p:cTn>
-                        </p:par>
-                      </p:childTnLst>
-                    </p:cTn>
-                  </p:par>
-                  <p:par>
-                    <p:cTn id="11" fill="hold">
-                      <p:stCondLst>
-                        <p:cond delay="indefinite"/>
-                      </p:stCondLst>
-                      <p:childTnLst>
-                        <p:par>
-                          <p:cTn id="12" fill="hold">
-                            <p:stCondLst>
-                              <p:cond delay="0"/>
-                            </p:stCondLst>
-                            <p:childTnLst>
-                              <p:par>
-                                <p:cTn id="13" presetID="1" presetClass="entr" presetSubtype="0" fill="hold" grpId="0" nodeType="clickEffect">
-                                  <p:stCondLst>
-                                    <p:cond delay="0"/>
-                                  </p:stCondLst>
-                                  <p:childTnLst>
-                                    <p:set>
-                                      <p:cBhvr>
-                                        <p:cTn id="14" dur="1" fill="hold">
-                                          <p:stCondLst>
-                                            <p:cond delay="0"/>
-                                          </p:stCondLst>
-                                        </p:cTn>
-                                        <p:tgtEl>
-                                          <p:spTgt spid="3">
-                                            <p:txEl>
-                                              <p:pRg st="2" end="2"/>
-                                            </p:txEl>
-                                          </p:spTgt>
-                                        </p:tgtEl>
-                                        <p:attrNameLst>
-                                          <p:attrName>style.visibility</p:attrName>
-                                        </p:attrNameLst>
-                                      </p:cBhvr>
-                                      <p:to>
-                                        <p:strVal val="visible"/>
-                                      </p:to>
-                                    </p:set>
-                                  </p:childTnLst>
-                                </p:cTn>
-                              </p:par>
-                            </p:childTnLst>
-                          </p:cTn>
-                        </p:par>
-                      </p:childTnLst>
-                    </p:cTn>
-                  </p:par>
-                  <p:par>
-                    <p:cTn id="15" fill="hold">
-                      <p:stCondLst>
-                        <p:cond delay="indefinite"/>
-                      </p:stCondLst>
-                      <p:childTnLst>
-                        <p:par>
-                          <p:cTn id="16" fill="hold">
-                            <p:stCondLst>
-                              <p:cond delay="0"/>
-                            </p:stCondLst>
-                            <p:childTnLst>
-                              <p:par>
-                                <p:cTn id="17" presetID="1" presetClass="entr" presetSubtype="0" fill="hold" grpId="0" nodeType="clickEffect">
-                                  <p:stCondLst>
-                                    <p:cond delay="0"/>
-                                  </p:stCondLst>
-                                  <p:childTnLst>
-                                    <p:set>
-                                      <p:cBhvr>
-                                        <p:cTn id="18" dur="1" fill="hold">
-                                          <p:stCondLst>
-                                            <p:cond delay="0"/>
-                                          </p:stCondLst>
-                                        </p:cTn>
-                                        <p:tgtEl>
-                                          <p:spTgt spid="3">
-                                            <p:txEl>
-                                              <p:pRg st="4" end="4"/>
-                                            </p:txEl>
-                                          </p:spTgt>
-                                        </p:tgtEl>
-                                        <p:attrNameLst>
-                                          <p:attrName>style.visibility</p:attrName>
-                                        </p:attrNameLst>
-                                      </p:cBhvr>
-                                      <p:to>
-                                        <p:strVal val="visible"/>
-                                      </p:to>
-                                    </p:set>
-                                  </p:childTnLst>
-                                </p:cTn>
-                              </p:par>
-                            </p:childTnLst>
-                          </p:cTn>
-                        </p:par>
-                      </p:childTnLst>
-                    </p:cTn>
-                  </p:par>
-                  <p:par>
-                    <p:cTn id="19" fill="hold">
-                      <p:stCondLst>
-                        <p:cond delay="indefinite"/>
-                      </p:stCondLst>
-                      <p:childTnLst>
-                        <p:par>
-                          <p:cTn id="20" fill="hold">
-                            <p:stCondLst>
-                              <p:cond delay="0"/>
-                            </p:stCondLst>
-                            <p:childTnLst>
-                              <p:par>
-                                <p:cTn id="21" presetID="1" presetClass="entr" presetSubtype="0" fill="hold" grpId="0" nodeType="clickEffect">
-                                  <p:stCondLst>
-                                    <p:cond delay="0"/>
-                                  </p:stCondLst>
-                                  <p:childTnLst>
-                                    <p:set>
-                                      <p:cBhvr>
-                                        <p:cTn id="22" dur="1" fill="hold">
-                                          <p:stCondLst>
-                                            <p:cond delay="0"/>
-                                          </p:stCondLst>
-                                        </p:cTn>
-                                        <p:tgtEl>
-                                          <p:spTgt spid="3">
-                                            <p:txEl>
-                                              <p:pRg st="6" end="6"/>
-                                            </p:txEl>
-                                          </p:spTgt>
-                                        </p:tgtEl>
-                                        <p:attrNameLst>
-                                          <p:attrName>style.visibility</p:attrName>
-                                        </p:attrNameLst>
-                                      </p:cBhvr>
-                                      <p:to>
-                                        <p:strVal val="visible"/>
-                                      </p:to>
-                                    </p:set>
-                                  </p:childTnLst>
-                                </p:cTn>
-                              </p:par>
-                            </p:childTnLst>
-                          </p:cTn>
-                        </p:par>
-                      </p:childTnLst>
-                    </p:cTn>
-                  </p:par>
-                  <p:par>
-                    <p:cTn id="23" fill="hold">
-                      <p:stCondLst>
-                        <p:cond delay="indefinite"/>
-                      </p:stCondLst>
-                      <p:childTnLst>
-                        <p:par>
-                          <p:cTn id="24" fill="hold">
-                            <p:stCondLst>
-                              <p:cond delay="0"/>
-                            </p:stCondLst>
-                            <p:childTnLst>
-                              <p:par>
-                                <p:cTn id="25" presetID="1" presetClass="entr" presetSubtype="0" fill="hold" grpId="0" nodeType="clickEffect">
-                                  <p:stCondLst>
-                                    <p:cond delay="0"/>
-                                  </p:stCondLst>
-                                  <p:childTnLst>
-                                    <p:set>
-                                      <p:cBhvr>
-                                        <p:cTn id="26" dur="1" fill="hold">
-                                          <p:stCondLst>
-                                            <p:cond delay="0"/>
-                                          </p:stCondLst>
-                                        </p:cTn>
-                                        <p:tgtEl>
-                                          <p:spTgt spid="3">
-                                            <p:txEl>
-                                              <p:pRg st="7" end="7"/>
-                                            </p:txEl>
-                                          </p:spTgt>
-                                        </p:tgtEl>
-                                        <p:attrNameLst>
-                                          <p:attrName>style.visibility</p:attrName>
-                                        </p:attrNameLst>
-                                      </p:cBhvr>
-                                      <p:to>
-                                        <p:strVal val="visible"/>
-                                      </p:to>
-                                    </p:set>
-                                  </p:childTnLst>
-                                </p:cTn>
-                              </p:par>
-                            </p:childTnLst>
-                          </p:cTn>
-                        </p:par>
-                      </p:childTnLst>
-                    </p:cTn>
-                  </p:par>
-                  <p:par>
-                    <p:cTn id="27" fill="hold">
-                      <p:stCondLst>
-                        <p:cond delay="indefinite"/>
-                      </p:stCondLst>
-                      <p:childTnLst>
-                        <p:par>
-                          <p:cTn id="28" fill="hold">
-                            <p:stCondLst>
-                              <p:cond delay="0"/>
-                            </p:stCondLst>
-                            <p:childTnLst>
-                              <p:par>
-                                <p:cTn id="29" presetID="1" presetClass="entr" presetSubtype="0" fill="hold" grpId="0" nodeType="clickEffect">
-                                  <p:stCondLst>
-                                    <p:cond delay="0"/>
-                                  </p:stCondLst>
-                                  <p:childTnLst>
-                                    <p:set>
-                                      <p:cBhvr>
-                                        <p:cTn id="30" dur="1" fill="hold">
-                                          <p:stCondLst>
-                                            <p:cond delay="0"/>
-                                          </p:stCondLst>
-                                        </p:cTn>
-                                        <p:tgtEl>
-                                          <p:spTgt spid="3">
-                                            <p:txEl>
-                                              <p:pRg st="8" end="8"/>
-                                            </p:txEl>
-                                          </p:spTgt>
-                                        </p:tgtEl>
-                                        <p:attrNameLst>
-                                          <p:attrName>style.visibility</p:attrName>
-                                        </p:attrNameLst>
-                                      </p:cBhvr>
-                                      <p:to>
-                                        <p:strVal val="visible"/>
-                                      </p:to>
-                                    </p:set>
-                                  </p:childTnLst>
-                                </p:cTn>
-                              </p:par>
-                            </p:childTnLst>
-                          </p:cTn>
-                        </p:par>
-                      </p:childTnLst>
-                    </p:cTn>
-                  </p:par>
-                  <p:par>
-                    <p:cTn id="31" fill="hold">
-                      <p:stCondLst>
-                        <p:cond delay="indefinite"/>
-                      </p:stCondLst>
-                      <p:childTnLst>
-                        <p:par>
-                          <p:cTn id="32" fill="hold">
-                            <p:stCondLst>
-                              <p:cond delay="0"/>
-                            </p:stCondLst>
-                            <p:childTnLst>
-                              <p:par>
-                                <p:cTn id="33" presetID="1" presetClass="entr" presetSubtype="0" fill="hold" grpId="0" nodeType="clickEffect">
-                                  <p:stCondLst>
-                                    <p:cond delay="0"/>
-                                  </p:stCondLst>
-                                  <p:childTnLst>
-                                    <p:set>
-                                      <p:cBhvr>
-                                        <p:cTn id="34" dur="1" fill="hold">
-                                          <p:stCondLst>
-                                            <p:cond delay="0"/>
-                                          </p:stCondLst>
-                                        </p:cTn>
-                                        <p:tgtEl>
-                                          <p:spTgt spid="3">
-                                            <p:txEl>
-                                              <p:pRg st="9" end="9"/>
-                                            </p:txEl>
-                                          </p:spTgt>
-                                        </p:tgtEl>
-                                        <p:attrNameLst>
-                                          <p:attrName>style.visibility</p:attrName>
-                                        </p:attrNameLst>
-                                      </p:cBhvr>
-                                      <p:to>
-                                        <p:strVal val="visible"/>
-                                      </p:to>
-                                    </p:set>
-                                  </p:childTnLst>
-                                </p:cTn>
-                              </p:par>
-                            </p:childTnLst>
-                          </p:cTn>
-                        </p:par>
-                      </p:childTnLst>
-                    </p:cTn>
-                  </p:par>
-                </p:childTnLst>
-              </p:cTn>
-              <p:prevCondLst>
-                <p:cond evt="onPrev" delay="0">
-                  <p:tgtEl>
-                    <p:sldTgt/>
-                  </p:tgtEl>
-                </p:cond>
-              </p:prevCondLst>
-              <p:nextCondLst>
-                <p:cond evt="onNext" delay="0">
-                  <p:tgtEl>
-                    <p:sldTgt/>
-                  </p:tgtEl>
-                </p:cond>
-              </p:nextCondLst>
-            </p:seq>
-          </p:childTnLst>
-        </p:cTn>
-      </p:par>
-    </p:tnLst>
-    <p:bldLst>
-      <p:bldP spid="3" grpId="0" uiExpand="1" build="p"/>
-    </p:bldLst>
-  </p:timing>
-</p:sld>
-</file>
-
-<file path=ppt/slides/slide11.xml><?xml version="1.0" encoding="utf-8"?>
-<p:sld xmlns:a="http://schemas.openxmlformats.org/drawingml/2006/main" xmlns:r="http://schemas.openxmlformats.org/officeDocument/2006/relationships" xmlns:p="http://schemas.openxmlformats.org/presentationml/2006/main">
-  <p:cSld>
-    <p:spTree>
-      <p:nvGrpSpPr>
-        <p:cNvPr id="1" name=""/>
-        <p:cNvGrpSpPr/>
-        <p:nvPr/>
-      </p:nvGrpSpPr>
-      <p:grpSpPr>
-        <a:xfrm>
-          <a:off x="0" y="0"/>
-          <a:ext cx="0" cy="0"/>
-          <a:chOff x="0" y="0"/>
-          <a:chExt cx="0" cy="0"/>
-        </a:xfrm>
-      </p:grpSpPr>
-      <p:sp>
-        <p:nvSpPr>
-          <p:cNvPr id="2" name="Titel 1"/>
-          <p:cNvSpPr>
-            <a:spLocks noGrp="1"/>
-          </p:cNvSpPr>
-          <p:nvPr>
-            <p:ph type="title"/>
-          </p:nvPr>
-        </p:nvSpPr>
-        <p:spPr/>
-        <p:txBody>
-          <a:bodyPr/>
-          <a:lstStyle/>
-          <a:p>
-            <a:r>
-              <a:rPr lang="de-DE" dirty="0" smtClean="0"/>
-              <a:t>Demo time</a:t>
-            </a:r>
-            <a:endParaRPr lang="de-DE" dirty="0"/>
-          </a:p>
-        </p:txBody>
-      </p:sp>
-      <p:pic>
-        <p:nvPicPr>
-          <p:cNvPr id="6" name="Inhaltsplatzhalter 5"/>
-          <p:cNvPicPr>
-            <a:picLocks noGrp="1" noChangeAspect="1"/>
-          </p:cNvPicPr>
-          <p:nvPr>
-            <p:ph idx="1"/>
-          </p:nvPr>
-        </p:nvPicPr>
-        <p:blipFill>
-          <a:blip r:embed="rId3">
-            <a:extLst>
-              <a:ext uri="{28A0092B-C50C-407E-A947-70E740481C1C}">
-                <a14:useLocalDpi xmlns:a14="http://schemas.microsoft.com/office/drawing/2010/main" val="0"/>
-              </a:ext>
-            </a:extLst>
-          </a:blip>
-          <a:stretch>
-            <a:fillRect/>
-          </a:stretch>
-        </p:blipFill>
-        <p:spPr>
-          <a:xfrm>
-            <a:off x="3338721" y="2751993"/>
-            <a:ext cx="4441408" cy="2504952"/>
-          </a:xfrm>
-        </p:spPr>
-      </p:pic>
-      <p:sp>
-        <p:nvSpPr>
-          <p:cNvPr id="8" name="Textfeld 7"/>
-          <p:cNvSpPr txBox="1"/>
-          <p:nvPr/>
-        </p:nvSpPr>
-        <p:spPr>
-          <a:xfrm>
-            <a:off x="3585552" y="5627077"/>
-            <a:ext cx="3947746" cy="369332"/>
-          </a:xfrm>
-          <a:prstGeom prst="rect">
-            <a:avLst/>
-          </a:prstGeom>
-          <a:noFill/>
-        </p:spPr>
-        <p:txBody>
-          <a:bodyPr wrap="square" rtlCol="0">
-            <a:spAutoFit/>
-          </a:bodyPr>
-          <a:lstStyle/>
-          <a:p>
-            <a:pPr algn="ctr"/>
-            <a:r>
-              <a:rPr lang="de-DE" dirty="0" smtClean="0"/>
-              <a:t>(</a:t>
-            </a:r>
-            <a:r>
-              <a:rPr lang="de-DE" dirty="0" err="1" smtClean="0"/>
-              <a:t>please</a:t>
-            </a:r>
-            <a:r>
-              <a:rPr lang="de-DE" dirty="0" smtClean="0"/>
-              <a:t> </a:t>
-            </a:r>
-            <a:r>
-              <a:rPr lang="de-DE" dirty="0" err="1" smtClean="0"/>
-              <a:t>work</a:t>
-            </a:r>
-            <a:r>
-              <a:rPr lang="de-DE" dirty="0" smtClean="0"/>
-              <a:t>)</a:t>
-            </a:r>
-            <a:endParaRPr lang="de-DE" dirty="0"/>
-          </a:p>
-        </p:txBody>
-      </p:sp>
-    </p:spTree>
-    <p:extLst>
-      <p:ext uri="{BB962C8B-B14F-4D97-AF65-F5344CB8AC3E}">
-        <p14:creationId xmlns:p14="http://schemas.microsoft.com/office/powerpoint/2010/main" val="2031541917"/>
-      </p:ext>
-    </p:extLst>
-  </p:cSld>
-  <p:clrMapOvr>
-    <a:masterClrMapping/>
-  </p:clrMapOvr>
-  <p:timing>
-    <p:tnLst>
-      <p:par>
-        <p:cTn id="1" dur="indefinite" restart="never" nodeType="tmRoot">
-          <p:childTnLst>
-            <p:seq concurrent="1" nextAc="seek">
-              <p:cTn id="2" dur="indefinite" nodeType="mainSeq">
-                <p:childTnLst>
-                  <p:par>
-                    <p:cTn id="3" fill="hold">
-                      <p:stCondLst>
-                        <p:cond delay="indefinite"/>
-                      </p:stCondLst>
-                      <p:childTnLst>
-                        <p:par>
-                          <p:cTn id="4" fill="hold">
-                            <p:stCondLst>
-                              <p:cond delay="0"/>
-                            </p:stCondLst>
-                            <p:childTnLst>
-                              <p:par>
-                                <p:cTn id="5" presetID="1" presetClass="entr" presetSubtype="0" fill="hold" nodeType="clickEffect">
-                                  <p:stCondLst>
-                                    <p:cond delay="0"/>
-                                  </p:stCondLst>
-                                  <p:childTnLst>
-                                    <p:set>
-                                      <p:cBhvr>
-                                        <p:cTn id="6" dur="1" fill="hold">
-                                          <p:stCondLst>
-                                            <p:cond delay="0"/>
-                                          </p:stCondLst>
-                                        </p:cTn>
-                                        <p:tgtEl>
-                                          <p:spTgt spid="6"/>
-                                        </p:tgtEl>
-                                        <p:attrNameLst>
-                                          <p:attrName>style.visibility</p:attrName>
-                                        </p:attrNameLst>
-                                      </p:cBhvr>
-                                      <p:to>
-                                        <p:strVal val="visible"/>
-                                      </p:to>
-                                    </p:set>
-                                  </p:childTnLst>
-                                </p:cTn>
-                              </p:par>
-                              <p:par>
-                                <p:cTn id="7" presetID="1" presetClass="entr" presetSubtype="0" fill="hold" grpId="0" nodeType="withEffect">
-                                  <p:stCondLst>
-                                    <p:cond delay="0"/>
-                                  </p:stCondLst>
-                                  <p:childTnLst>
-                                    <p:set>
-                                      <p:cBhvr>
-                                        <p:cTn id="8" dur="1" fill="hold">
-                                          <p:stCondLst>
-                                            <p:cond delay="0"/>
-                                          </p:stCondLst>
-                                        </p:cTn>
-                                        <p:tgtEl>
-                                          <p:spTgt spid="8"/>
-                                        </p:tgtEl>
-                                        <p:attrNameLst>
-                                          <p:attrName>style.visibility</p:attrName>
-                                        </p:attrNameLst>
-                                      </p:cBhvr>
-                                      <p:to>
-                                        <p:strVal val="visible"/>
-                                      </p:to>
-                                    </p:set>
-                                  </p:childTnLst>
-                                </p:cTn>
-                              </p:par>
-                            </p:childTnLst>
-                          </p:cTn>
-                        </p:par>
-                      </p:childTnLst>
-                    </p:cTn>
-                  </p:par>
-                </p:childTnLst>
-              </p:cTn>
-              <p:prevCondLst>
-                <p:cond evt="onPrev" delay="0">
-                  <p:tgtEl>
-                    <p:sldTgt/>
-                  </p:tgtEl>
-                </p:cond>
-              </p:prevCondLst>
-              <p:nextCondLst>
-                <p:cond evt="onNext" delay="0">
-                  <p:tgtEl>
-                    <p:sldTgt/>
-                  </p:tgtEl>
-                </p:cond>
-              </p:nextCondLst>
-            </p:seq>
-          </p:childTnLst>
-        </p:cTn>
-      </p:par>
-    </p:tnLst>
-    <p:bldLst>
-      <p:bldP spid="8" grpId="0"/>
-    </p:bldLst>
-  </p:timing>
-</p:sld>
-</file>
-
-<file path=ppt/slides/slide12.xml><?xml version="1.0" encoding="utf-8"?>
-<p:sld xmlns:a="http://schemas.openxmlformats.org/drawingml/2006/main" xmlns:r="http://schemas.openxmlformats.org/officeDocument/2006/relationships" xmlns:p="http://schemas.openxmlformats.org/presentationml/2006/main">
-  <p:cSld>
-    <p:spTree>
-      <p:nvGrpSpPr>
-        <p:cNvPr id="1" name=""/>
-        <p:cNvGrpSpPr/>
-        <p:nvPr/>
-      </p:nvGrpSpPr>
-      <p:grpSpPr>
-        <a:xfrm>
-          <a:off x="0" y="0"/>
-          <a:ext cx="0" cy="0"/>
-          <a:chOff x="0" y="0"/>
-          <a:chExt cx="0" cy="0"/>
-        </a:xfrm>
-      </p:grpSpPr>
-      <p:sp>
-        <p:nvSpPr>
-          <p:cNvPr id="2" name="Titel 1"/>
-          <p:cNvSpPr>
-            <a:spLocks noGrp="1"/>
-          </p:cNvSpPr>
-          <p:nvPr>
-            <p:ph type="title"/>
-          </p:nvPr>
-        </p:nvSpPr>
-        <p:spPr/>
-        <p:txBody>
-          <a:bodyPr/>
-          <a:lstStyle/>
-          <a:p>
-            <a:r>
               <a:rPr lang="de-DE" dirty="0" smtClean="0"/>
               <a:t>Demo time</a:t>
             </a:r>
@@ -5230,7 +4230,7 @@
 </file>
 
 <file path=ppt/slides/slide2.xml><?xml version="1.0" encoding="utf-8"?>
-<p:sld xmlns:a="http://schemas.openxmlformats.org/drawingml/2006/main" xmlns:r="http://schemas.openxmlformats.org/officeDocument/2006/relationships" xmlns:p="http://schemas.openxmlformats.org/presentationml/2006/main">
+<p:sld xmlns:a="http://schemas.openxmlformats.org/drawingml/2006/main" xmlns:r="http://schemas.openxmlformats.org/officeDocument/2006/relationships" xmlns:p="http://schemas.openxmlformats.org/presentationml/2006/main" show="0">
   <p:cSld>
     <p:spTree>
       <p:nvGrpSpPr>
@@ -5246,66 +4246,67 @@
           <a:chExt cx="0" cy="0"/>
         </a:xfrm>
       </p:grpSpPr>
-      <p:sp>
-        <p:nvSpPr>
-          <p:cNvPr id="2" name="Titel 1"/>
-          <p:cNvSpPr>
-            <a:spLocks noGrp="1"/>
-          </p:cNvSpPr>
-          <p:nvPr>
-            <p:ph type="ctrTitle"/>
-          </p:nvPr>
-        </p:nvSpPr>
-        <p:spPr/>
-        <p:txBody>
-          <a:bodyPr/>
-          <a:lstStyle/>
-          <a:p>
-            <a:r>
-              <a:rPr lang="de-DE" dirty="0" smtClean="0"/>
-              <a:t>Thesis </a:t>
-            </a:r>
-            <a:r>
-              <a:rPr lang="de-DE" dirty="0" err="1" smtClean="0"/>
-              <a:t>defendense</a:t>
-            </a:r>
-            <a:endParaRPr lang="de-DE" dirty="0"/>
-          </a:p>
-        </p:txBody>
-      </p:sp>
-      <p:sp>
-        <p:nvSpPr>
-          <p:cNvPr id="3" name="Untertitel 2"/>
-          <p:cNvSpPr>
-            <a:spLocks noGrp="1"/>
-          </p:cNvSpPr>
-          <p:nvPr>
-            <p:ph type="subTitle" idx="1"/>
-          </p:nvPr>
-        </p:nvSpPr>
-        <p:spPr/>
-        <p:txBody>
-          <a:bodyPr/>
-          <a:lstStyle/>
-          <a:p>
-            <a:r>
-              <a:rPr lang="de-DE" dirty="0" smtClean="0"/>
-              <a:t>Lukas Grams, 2019-09-16</a:t>
-            </a:r>
-            <a:endParaRPr lang="de-DE" dirty="0"/>
-          </a:p>
-        </p:txBody>
-      </p:sp>
+      <p:pic>
+        <p:nvPicPr>
+          <p:cNvPr id="6" name="Picture 2" descr="http://3kbo302xo3lg2i1rj8450xje-wpengine.netdna-ssl.com/wp-content/uploads/2017/04/MSC-Daniella-800x533.jpg"/>
+          <p:cNvPicPr>
+            <a:picLocks noGrp="1" noChangeAspect="1" noChangeArrowheads="1"/>
+          </p:cNvPicPr>
+          <p:nvPr>
+            <p:ph idx="1"/>
+          </p:nvPr>
+        </p:nvPicPr>
+        <p:blipFill>
+          <a:blip r:embed="rId2">
+            <a:extLst>
+              <a:ext uri="{28A0092B-C50C-407E-A947-70E740481C1C}">
+                <a14:useLocalDpi xmlns:a14="http://schemas.microsoft.com/office/drawing/2010/main" val="0"/>
+              </a:ext>
+            </a:extLst>
+          </a:blip>
+          <a:srcRect/>
+          <a:stretch>
+            <a:fillRect/>
+          </a:stretch>
+        </p:blipFill>
+        <p:spPr bwMode="auto">
+          <a:xfrm>
+            <a:off x="2783840" y="1102360"/>
+            <a:ext cx="6531088" cy="4351338"/>
+          </a:xfrm>
+          <a:prstGeom prst="rect">
+            <a:avLst/>
+          </a:prstGeom>
+          <a:noFill/>
+          <a:extLst>
+            <a:ext uri="{909E8E84-426E-40DD-AFC4-6F175D3DCCD1}">
+              <a14:hiddenFill xmlns:a14="http://schemas.microsoft.com/office/drawing/2010/main">
+                <a:solidFill>
+                  <a:srgbClr val="FFFFFF"/>
+                </a:solidFill>
+              </a14:hiddenFill>
+            </a:ext>
+          </a:extLst>
+        </p:spPr>
+      </p:pic>
     </p:spTree>
     <p:extLst>
       <p:ext uri="{BB962C8B-B14F-4D97-AF65-F5344CB8AC3E}">
-        <p14:creationId xmlns:p14="http://schemas.microsoft.com/office/powerpoint/2010/main" val="1532823262"/>
+        <p14:creationId xmlns:p14="http://schemas.microsoft.com/office/powerpoint/2010/main" val="2282846199"/>
       </p:ext>
     </p:extLst>
   </p:cSld>
   <p:clrMapOvr>
     <a:masterClrMapping/>
   </p:clrMapOvr>
+  <mc:AlternateContent xmlns:mc="http://schemas.openxmlformats.org/markup-compatibility/2006">
+    <mc:Choice xmlns:p14="http://schemas.microsoft.com/office/powerpoint/2010/main" Requires="p14">
+      <p:transition spd="slow" p14:dur="2000"/>
+    </mc:Choice>
+    <mc:Fallback>
+      <p:transition spd="slow"/>
+    </mc:Fallback>
+  </mc:AlternateContent>
   <p:timing>
     <p:tnLst>
       <p:par>
@@ -5389,17 +4390,6 @@
             <a:r>
               <a:rPr lang="de-DE" dirty="0" smtClean="0"/>
               <a:t> </a:t>
-            </a:r>
-            <a:r>
-              <a:rPr lang="de-DE" dirty="0" err="1" smtClean="0"/>
-              <a:t>schedule</a:t>
-            </a:r>
-            <a:endParaRPr lang="de-DE" dirty="0" smtClean="0"/>
-          </a:p>
-          <a:p>
-            <a:r>
-              <a:rPr lang="de-DE" dirty="0" smtClean="0"/>
-              <a:t>Updated </a:t>
             </a:r>
             <a:r>
               <a:rPr lang="de-DE" dirty="0" err="1" smtClean="0"/>
@@ -5741,55 +4731,6 @@
                                           <p:spTgt spid="3">
                                             <p:txEl>
                                               <p:pRg st="5" end="5"/>
-                                            </p:txEl>
-                                          </p:spTgt>
-                                        </p:tgtEl>
-                                        <p:attrNameLst>
-                                          <p:attrName>style.visibility</p:attrName>
-                                        </p:attrNameLst>
-                                      </p:cBhvr>
-                                      <p:to>
-                                        <p:strVal val="visible"/>
-                                      </p:to>
-                                    </p:set>
-                                  </p:childTnLst>
-                                </p:cTn>
-                              </p:par>
-                            </p:childTnLst>
-                          </p:cTn>
-                        </p:par>
-                      </p:childTnLst>
-                    </p:cTn>
-                  </p:par>
-                  <p:par>
-                    <p:cTn id="27" fill="hold">
-                      <p:stCondLst>
-                        <p:cond delay="indefinite"/>
-                      </p:stCondLst>
-                      <p:childTnLst>
-                        <p:par>
-                          <p:cTn id="28" fill="hold">
-                            <p:stCondLst>
-                              <p:cond delay="0"/>
-                            </p:stCondLst>
-                            <p:childTnLst>
-                              <p:par>
-                                <p:cTn id="29" presetID="1" presetClass="entr" presetSubtype="0" fill="hold" grpId="0" nodeType="clickEffect">
-                                  <p:stCondLst>
-                                    <p:cond delay="0"/>
-                                  </p:stCondLst>
-                                  <p:childTnLst>
-                                    <p:set>
-                                      <p:cBhvr>
-                                        <p:cTn id="30" dur="1" fill="hold">
-                                          <p:stCondLst>
-                                            <p:cond delay="0"/>
-                                          </p:stCondLst>
-                                        </p:cTn>
-                                        <p:tgtEl>
-                                          <p:spTgt spid="3">
-                                            <p:txEl>
-                                              <p:pRg st="6" end="6"/>
                                             </p:txEl>
                                           </p:spTgt>
                                         </p:tgtEl>
@@ -6548,1400 +5489,6 @@
           <a:lstStyle/>
           <a:p>
             <a:r>
-              <a:rPr lang="de-DE" dirty="0" err="1"/>
-              <a:t>Intended</a:t>
-            </a:r>
-            <a:r>
-              <a:rPr lang="de-DE" dirty="0"/>
-              <a:t> </a:t>
-            </a:r>
-            <a:r>
-              <a:rPr lang="de-DE" dirty="0" err="1"/>
-              <a:t>schedule</a:t>
-            </a:r>
-            <a:endParaRPr lang="de-DE" dirty="0"/>
-          </a:p>
-        </p:txBody>
-      </p:sp>
-      <p:sp>
-        <p:nvSpPr>
-          <p:cNvPr id="3" name="Inhaltsplatzhalter 2"/>
-          <p:cNvSpPr>
-            <a:spLocks noGrp="1"/>
-          </p:cNvSpPr>
-          <p:nvPr>
-            <p:ph idx="1"/>
-          </p:nvPr>
-        </p:nvSpPr>
-        <p:spPr/>
-        <p:txBody>
-          <a:bodyPr/>
-          <a:lstStyle/>
-          <a:p>
-            <a:r>
-              <a:rPr lang="de-DE" dirty="0" smtClean="0"/>
-              <a:t>Research, </a:t>
-            </a:r>
-            <a:r>
-              <a:rPr lang="de-DE" dirty="0" err="1" smtClean="0"/>
-              <a:t>practical</a:t>
-            </a:r>
-            <a:r>
-              <a:rPr lang="de-DE" dirty="0" smtClean="0"/>
-              <a:t> </a:t>
-            </a:r>
-            <a:r>
-              <a:rPr lang="de-DE" dirty="0" err="1" smtClean="0"/>
-              <a:t>tests</a:t>
-            </a:r>
-            <a:endParaRPr lang="de-DE" dirty="0" smtClean="0"/>
-          </a:p>
-          <a:p>
-            <a:pPr lvl="1"/>
-            <a:endParaRPr lang="de-DE" dirty="0"/>
-          </a:p>
-          <a:p>
-            <a:r>
-              <a:rPr lang="de-DE" dirty="0" err="1" smtClean="0"/>
-              <a:t>Attack</a:t>
-            </a:r>
-            <a:r>
-              <a:rPr lang="de-DE" dirty="0" smtClean="0"/>
-              <a:t> </a:t>
-            </a:r>
-            <a:r>
-              <a:rPr lang="de-DE" dirty="0" err="1" smtClean="0"/>
-              <a:t>vectors</a:t>
-            </a:r>
-            <a:r>
-              <a:rPr lang="de-DE" dirty="0" smtClean="0"/>
-              <a:t> &amp; </a:t>
-            </a:r>
-            <a:r>
-              <a:rPr lang="de-DE" dirty="0" err="1"/>
-              <a:t>m</a:t>
-            </a:r>
-            <a:r>
-              <a:rPr lang="de-DE" dirty="0" err="1" smtClean="0"/>
-              <a:t>itigation</a:t>
-            </a:r>
-            <a:r>
-              <a:rPr lang="de-DE" dirty="0" smtClean="0"/>
-              <a:t> </a:t>
-            </a:r>
-            <a:r>
-              <a:rPr lang="de-DE" dirty="0" err="1" smtClean="0"/>
-              <a:t>pointers</a:t>
-            </a:r>
-            <a:endParaRPr lang="de-DE" dirty="0" smtClean="0"/>
-          </a:p>
-          <a:p>
-            <a:pPr lvl="1"/>
-            <a:endParaRPr lang="de-DE" dirty="0"/>
-          </a:p>
-          <a:p>
-            <a:r>
-              <a:rPr lang="de-DE" dirty="0" err="1" smtClean="0"/>
-              <a:t>Risk</a:t>
-            </a:r>
-            <a:r>
-              <a:rPr lang="de-DE" dirty="0" smtClean="0"/>
-              <a:t> </a:t>
-            </a:r>
-            <a:r>
-              <a:rPr lang="de-DE" dirty="0" err="1" smtClean="0"/>
-              <a:t>analysis</a:t>
-            </a:r>
-            <a:r>
-              <a:rPr lang="de-DE" dirty="0" smtClean="0"/>
-              <a:t> &amp; </a:t>
-            </a:r>
-            <a:r>
-              <a:rPr lang="de-DE" dirty="0" err="1" smtClean="0"/>
-              <a:t>comparison</a:t>
-            </a:r>
-            <a:endParaRPr lang="de-DE" dirty="0" smtClean="0"/>
-          </a:p>
-          <a:p>
-            <a:pPr lvl="1"/>
-            <a:endParaRPr lang="de-DE" dirty="0" smtClean="0"/>
-          </a:p>
-          <a:p>
-            <a:pPr lvl="1"/>
-            <a:endParaRPr lang="de-DE" dirty="0"/>
-          </a:p>
-          <a:p>
-            <a:r>
-              <a:rPr lang="de-DE" dirty="0" err="1" smtClean="0"/>
-              <a:t>Practical</a:t>
-            </a:r>
-            <a:r>
-              <a:rPr lang="de-DE" dirty="0" smtClean="0"/>
-              <a:t> </a:t>
-            </a:r>
-            <a:r>
-              <a:rPr lang="de-DE" dirty="0" err="1" smtClean="0"/>
-              <a:t>implementation</a:t>
-            </a:r>
-            <a:r>
-              <a:rPr lang="de-DE" dirty="0" smtClean="0"/>
-              <a:t> &amp; </a:t>
-            </a:r>
-            <a:r>
-              <a:rPr lang="de-DE" dirty="0" err="1"/>
-              <a:t>best</a:t>
-            </a:r>
-            <a:r>
-              <a:rPr lang="de-DE" dirty="0"/>
-              <a:t> </a:t>
-            </a:r>
-            <a:r>
-              <a:rPr lang="de-DE" dirty="0" err="1"/>
-              <a:t>practice</a:t>
-            </a:r>
-            <a:r>
-              <a:rPr lang="de-DE" dirty="0"/>
-              <a:t> </a:t>
-            </a:r>
-            <a:r>
-              <a:rPr lang="de-DE" dirty="0" err="1" smtClean="0"/>
-              <a:t>derivement</a:t>
-            </a:r>
-            <a:endParaRPr lang="de-DE" dirty="0" smtClean="0"/>
-          </a:p>
-          <a:p>
-            <a:pPr lvl="1"/>
-            <a:endParaRPr lang="de-DE" dirty="0"/>
-          </a:p>
-          <a:p>
-            <a:r>
-              <a:rPr lang="de-DE" dirty="0" smtClean="0"/>
-              <a:t>Write out </a:t>
-            </a:r>
-            <a:r>
-              <a:rPr lang="de-DE" dirty="0" err="1" smtClean="0"/>
-              <a:t>notes</a:t>
-            </a:r>
-            <a:r>
-              <a:rPr lang="de-DE" dirty="0" smtClean="0"/>
-              <a:t> </a:t>
-            </a:r>
-            <a:r>
-              <a:rPr lang="de-DE" dirty="0" err="1" smtClean="0"/>
-              <a:t>to</a:t>
-            </a:r>
-            <a:r>
-              <a:rPr lang="de-DE" dirty="0" smtClean="0"/>
-              <a:t> </a:t>
-            </a:r>
-            <a:r>
-              <a:rPr lang="de-DE" dirty="0" err="1" smtClean="0"/>
-              <a:t>full</a:t>
-            </a:r>
-            <a:r>
-              <a:rPr lang="de-DE" dirty="0" smtClean="0"/>
-              <a:t> </a:t>
-            </a:r>
-            <a:r>
-              <a:rPr lang="de-DE" dirty="0" err="1" smtClean="0"/>
-              <a:t>thesis</a:t>
-            </a:r>
-            <a:endParaRPr lang="de-DE" dirty="0"/>
-          </a:p>
-        </p:txBody>
-      </p:sp>
-    </p:spTree>
-    <p:extLst>
-      <p:ext uri="{BB962C8B-B14F-4D97-AF65-F5344CB8AC3E}">
-        <p14:creationId xmlns:p14="http://schemas.microsoft.com/office/powerpoint/2010/main" val="1220976046"/>
-      </p:ext>
-    </p:extLst>
-  </p:cSld>
-  <p:clrMapOvr>
-    <a:masterClrMapping/>
-  </p:clrMapOvr>
-  <p:timing>
-    <p:tnLst>
-      <p:par>
-        <p:cTn id="1" dur="indefinite" restart="never" nodeType="tmRoot">
-          <p:childTnLst>
-            <p:seq concurrent="1" nextAc="seek">
-              <p:cTn id="2" dur="indefinite" nodeType="mainSeq">
-                <p:childTnLst>
-                  <p:par>
-                    <p:cTn id="3" fill="hold">
-                      <p:stCondLst>
-                        <p:cond delay="indefinite"/>
-                      </p:stCondLst>
-                      <p:childTnLst>
-                        <p:par>
-                          <p:cTn id="4" fill="hold">
-                            <p:stCondLst>
-                              <p:cond delay="0"/>
-                            </p:stCondLst>
-                            <p:childTnLst>
-                              <p:par>
-                                <p:cTn id="5" presetID="1" presetClass="entr" presetSubtype="0" fill="hold" grpId="0" nodeType="clickEffect">
-                                  <p:stCondLst>
-                                    <p:cond delay="0"/>
-                                  </p:stCondLst>
-                                  <p:childTnLst>
-                                    <p:set>
-                                      <p:cBhvr>
-                                        <p:cTn id="6" dur="1" fill="hold">
-                                          <p:stCondLst>
-                                            <p:cond delay="0"/>
-                                          </p:stCondLst>
-                                        </p:cTn>
-                                        <p:tgtEl>
-                                          <p:spTgt spid="3">
-                                            <p:txEl>
-                                              <p:pRg st="0" end="0"/>
-                                            </p:txEl>
-                                          </p:spTgt>
-                                        </p:tgtEl>
-                                        <p:attrNameLst>
-                                          <p:attrName>style.visibility</p:attrName>
-                                        </p:attrNameLst>
-                                      </p:cBhvr>
-                                      <p:to>
-                                        <p:strVal val="visible"/>
-                                      </p:to>
-                                    </p:set>
-                                  </p:childTnLst>
-                                </p:cTn>
-                              </p:par>
-                            </p:childTnLst>
-                          </p:cTn>
-                        </p:par>
-                      </p:childTnLst>
-                    </p:cTn>
-                  </p:par>
-                  <p:par>
-                    <p:cTn id="7" fill="hold">
-                      <p:stCondLst>
-                        <p:cond delay="indefinite"/>
-                      </p:stCondLst>
-                      <p:childTnLst>
-                        <p:par>
-                          <p:cTn id="8" fill="hold">
-                            <p:stCondLst>
-                              <p:cond delay="0"/>
-                            </p:stCondLst>
-                            <p:childTnLst>
-                              <p:par>
-                                <p:cTn id="9" presetID="1" presetClass="entr" presetSubtype="0" fill="hold" grpId="0" nodeType="clickEffect">
-                                  <p:stCondLst>
-                                    <p:cond delay="0"/>
-                                  </p:stCondLst>
-                                  <p:childTnLst>
-                                    <p:set>
-                                      <p:cBhvr>
-                                        <p:cTn id="10" dur="1" fill="hold">
-                                          <p:stCondLst>
-                                            <p:cond delay="0"/>
-                                          </p:stCondLst>
-                                        </p:cTn>
-                                        <p:tgtEl>
-                                          <p:spTgt spid="3">
-                                            <p:txEl>
-                                              <p:pRg st="2" end="2"/>
-                                            </p:txEl>
-                                          </p:spTgt>
-                                        </p:tgtEl>
-                                        <p:attrNameLst>
-                                          <p:attrName>style.visibility</p:attrName>
-                                        </p:attrNameLst>
-                                      </p:cBhvr>
-                                      <p:to>
-                                        <p:strVal val="visible"/>
-                                      </p:to>
-                                    </p:set>
-                                  </p:childTnLst>
-                                </p:cTn>
-                              </p:par>
-                            </p:childTnLst>
-                          </p:cTn>
-                        </p:par>
-                      </p:childTnLst>
-                    </p:cTn>
-                  </p:par>
-                  <p:par>
-                    <p:cTn id="11" fill="hold">
-                      <p:stCondLst>
-                        <p:cond delay="indefinite"/>
-                      </p:stCondLst>
-                      <p:childTnLst>
-                        <p:par>
-                          <p:cTn id="12" fill="hold">
-                            <p:stCondLst>
-                              <p:cond delay="0"/>
-                            </p:stCondLst>
-                            <p:childTnLst>
-                              <p:par>
-                                <p:cTn id="13" presetID="1" presetClass="entr" presetSubtype="0" fill="hold" grpId="0" nodeType="clickEffect">
-                                  <p:stCondLst>
-                                    <p:cond delay="0"/>
-                                  </p:stCondLst>
-                                  <p:childTnLst>
-                                    <p:set>
-                                      <p:cBhvr>
-                                        <p:cTn id="14" dur="1" fill="hold">
-                                          <p:stCondLst>
-                                            <p:cond delay="0"/>
-                                          </p:stCondLst>
-                                        </p:cTn>
-                                        <p:tgtEl>
-                                          <p:spTgt spid="3">
-                                            <p:txEl>
-                                              <p:pRg st="4" end="4"/>
-                                            </p:txEl>
-                                          </p:spTgt>
-                                        </p:tgtEl>
-                                        <p:attrNameLst>
-                                          <p:attrName>style.visibility</p:attrName>
-                                        </p:attrNameLst>
-                                      </p:cBhvr>
-                                      <p:to>
-                                        <p:strVal val="visible"/>
-                                      </p:to>
-                                    </p:set>
-                                  </p:childTnLst>
-                                </p:cTn>
-                              </p:par>
-                            </p:childTnLst>
-                          </p:cTn>
-                        </p:par>
-                      </p:childTnLst>
-                    </p:cTn>
-                  </p:par>
-                  <p:par>
-                    <p:cTn id="15" fill="hold">
-                      <p:stCondLst>
-                        <p:cond delay="indefinite"/>
-                      </p:stCondLst>
-                      <p:childTnLst>
-                        <p:par>
-                          <p:cTn id="16" fill="hold">
-                            <p:stCondLst>
-                              <p:cond delay="0"/>
-                            </p:stCondLst>
-                            <p:childTnLst>
-                              <p:par>
-                                <p:cTn id="17" presetID="1" presetClass="entr" presetSubtype="0" fill="hold" grpId="0" nodeType="clickEffect">
-                                  <p:stCondLst>
-                                    <p:cond delay="0"/>
-                                  </p:stCondLst>
-                                  <p:childTnLst>
-                                    <p:set>
-                                      <p:cBhvr>
-                                        <p:cTn id="18" dur="1" fill="hold">
-                                          <p:stCondLst>
-                                            <p:cond delay="0"/>
-                                          </p:stCondLst>
-                                        </p:cTn>
-                                        <p:tgtEl>
-                                          <p:spTgt spid="3">
-                                            <p:txEl>
-                                              <p:pRg st="7" end="7"/>
-                                            </p:txEl>
-                                          </p:spTgt>
-                                        </p:tgtEl>
-                                        <p:attrNameLst>
-                                          <p:attrName>style.visibility</p:attrName>
-                                        </p:attrNameLst>
-                                      </p:cBhvr>
-                                      <p:to>
-                                        <p:strVal val="visible"/>
-                                      </p:to>
-                                    </p:set>
-                                  </p:childTnLst>
-                                </p:cTn>
-                              </p:par>
-                            </p:childTnLst>
-                          </p:cTn>
-                        </p:par>
-                      </p:childTnLst>
-                    </p:cTn>
-                  </p:par>
-                  <p:par>
-                    <p:cTn id="19" fill="hold">
-                      <p:stCondLst>
-                        <p:cond delay="indefinite"/>
-                      </p:stCondLst>
-                      <p:childTnLst>
-                        <p:par>
-                          <p:cTn id="20" fill="hold">
-                            <p:stCondLst>
-                              <p:cond delay="0"/>
-                            </p:stCondLst>
-                            <p:childTnLst>
-                              <p:par>
-                                <p:cTn id="21" presetID="1" presetClass="entr" presetSubtype="0" fill="hold" grpId="0" nodeType="clickEffect">
-                                  <p:stCondLst>
-                                    <p:cond delay="0"/>
-                                  </p:stCondLst>
-                                  <p:childTnLst>
-                                    <p:set>
-                                      <p:cBhvr>
-                                        <p:cTn id="22" dur="1" fill="hold">
-                                          <p:stCondLst>
-                                            <p:cond delay="0"/>
-                                          </p:stCondLst>
-                                        </p:cTn>
-                                        <p:tgtEl>
-                                          <p:spTgt spid="3">
-                                            <p:txEl>
-                                              <p:pRg st="9" end="9"/>
-                                            </p:txEl>
-                                          </p:spTgt>
-                                        </p:tgtEl>
-                                        <p:attrNameLst>
-                                          <p:attrName>style.visibility</p:attrName>
-                                        </p:attrNameLst>
-                                      </p:cBhvr>
-                                      <p:to>
-                                        <p:strVal val="visible"/>
-                                      </p:to>
-                                    </p:set>
-                                  </p:childTnLst>
-                                </p:cTn>
-                              </p:par>
-                            </p:childTnLst>
-                          </p:cTn>
-                        </p:par>
-                      </p:childTnLst>
-                    </p:cTn>
-                  </p:par>
-                </p:childTnLst>
-              </p:cTn>
-              <p:prevCondLst>
-                <p:cond evt="onPrev" delay="0">
-                  <p:tgtEl>
-                    <p:sldTgt/>
-                  </p:tgtEl>
-                </p:cond>
-              </p:prevCondLst>
-              <p:nextCondLst>
-                <p:cond evt="onNext" delay="0">
-                  <p:tgtEl>
-                    <p:sldTgt/>
-                  </p:tgtEl>
-                </p:cond>
-              </p:nextCondLst>
-            </p:seq>
-          </p:childTnLst>
-        </p:cTn>
-      </p:par>
-    </p:tnLst>
-    <p:bldLst>
-      <p:bldP spid="3" grpId="0" build="p"/>
-    </p:bldLst>
-  </p:timing>
-</p:sld>
-</file>
-
-<file path=ppt/slides/slide6.xml><?xml version="1.0" encoding="utf-8"?>
-<p:sld xmlns:a="http://schemas.openxmlformats.org/drawingml/2006/main" xmlns:r="http://schemas.openxmlformats.org/officeDocument/2006/relationships" xmlns:p="http://schemas.openxmlformats.org/presentationml/2006/main">
-  <p:cSld>
-    <p:spTree>
-      <p:nvGrpSpPr>
-        <p:cNvPr id="1" name=""/>
-        <p:cNvGrpSpPr/>
-        <p:nvPr/>
-      </p:nvGrpSpPr>
-      <p:grpSpPr>
-        <a:xfrm>
-          <a:off x="0" y="0"/>
-          <a:ext cx="0" cy="0"/>
-          <a:chOff x="0" y="0"/>
-          <a:chExt cx="0" cy="0"/>
-        </a:xfrm>
-      </p:grpSpPr>
-      <p:sp>
-        <p:nvSpPr>
-          <p:cNvPr id="2" name="Titel 1"/>
-          <p:cNvSpPr>
-            <a:spLocks noGrp="1"/>
-          </p:cNvSpPr>
-          <p:nvPr>
-            <p:ph type="title"/>
-          </p:nvPr>
-        </p:nvSpPr>
-        <p:spPr/>
-        <p:txBody>
-          <a:bodyPr/>
-          <a:lstStyle/>
-          <a:p>
-            <a:r>
-              <a:rPr lang="en-US" dirty="0" smtClean="0"/>
-              <a:t>Intended</a:t>
-            </a:r>
-            <a:r>
-              <a:rPr lang="de-DE" dirty="0" smtClean="0"/>
-              <a:t> </a:t>
-            </a:r>
-            <a:r>
-              <a:rPr lang="de-DE" dirty="0" err="1"/>
-              <a:t>schedule</a:t>
-            </a:r>
-            <a:endParaRPr lang="de-DE" dirty="0"/>
-          </a:p>
-        </p:txBody>
-      </p:sp>
-      <p:sp>
-        <p:nvSpPr>
-          <p:cNvPr id="3" name="Inhaltsplatzhalter 2"/>
-          <p:cNvSpPr>
-            <a:spLocks noGrp="1"/>
-          </p:cNvSpPr>
-          <p:nvPr>
-            <p:ph idx="1"/>
-          </p:nvPr>
-        </p:nvSpPr>
-        <p:spPr/>
-        <p:txBody>
-          <a:bodyPr/>
-          <a:lstStyle/>
-          <a:p>
-            <a:r>
-              <a:rPr lang="de-DE" dirty="0" smtClean="0"/>
-              <a:t>Research, </a:t>
-            </a:r>
-            <a:r>
-              <a:rPr lang="de-DE" dirty="0" err="1"/>
-              <a:t>practical</a:t>
-            </a:r>
-            <a:r>
-              <a:rPr lang="de-DE" dirty="0"/>
-              <a:t> </a:t>
-            </a:r>
-            <a:r>
-              <a:rPr lang="de-DE" dirty="0" err="1"/>
-              <a:t>tests</a:t>
-            </a:r>
-            <a:endParaRPr lang="de-DE" dirty="0"/>
-          </a:p>
-          <a:p>
-            <a:pPr lvl="1"/>
-            <a:endParaRPr lang="de-DE" dirty="0"/>
-          </a:p>
-          <a:p>
-            <a:r>
-              <a:rPr lang="de-DE" dirty="0" err="1"/>
-              <a:t>Attack</a:t>
-            </a:r>
-            <a:r>
-              <a:rPr lang="de-DE" dirty="0"/>
-              <a:t> </a:t>
-            </a:r>
-            <a:r>
-              <a:rPr lang="de-DE" dirty="0" err="1"/>
-              <a:t>vectors</a:t>
-            </a:r>
-            <a:r>
-              <a:rPr lang="de-DE" dirty="0"/>
-              <a:t> &amp; </a:t>
-            </a:r>
-            <a:r>
-              <a:rPr lang="de-DE" dirty="0" err="1"/>
-              <a:t>mitigation</a:t>
-            </a:r>
-            <a:r>
-              <a:rPr lang="de-DE" dirty="0"/>
-              <a:t> </a:t>
-            </a:r>
-            <a:r>
-              <a:rPr lang="de-DE" dirty="0" err="1"/>
-              <a:t>pointers</a:t>
-            </a:r>
-            <a:endParaRPr lang="de-DE" dirty="0"/>
-          </a:p>
-          <a:p>
-            <a:pPr lvl="1"/>
-            <a:r>
-              <a:rPr lang="de-DE" i="1" dirty="0" err="1"/>
-              <a:t>Built</a:t>
-            </a:r>
-            <a:r>
-              <a:rPr lang="de-DE" i="1" dirty="0"/>
-              <a:t> </a:t>
-            </a:r>
-            <a:r>
-              <a:rPr lang="de-DE" i="1" dirty="0" err="1"/>
-              <a:t>from</a:t>
-            </a:r>
-            <a:r>
-              <a:rPr lang="de-DE" i="1" dirty="0"/>
-              <a:t> </a:t>
-            </a:r>
-            <a:r>
-              <a:rPr lang="de-DE" i="1" dirty="0" err="1"/>
-              <a:t>scratch</a:t>
-            </a:r>
-            <a:r>
-              <a:rPr lang="de-DE" i="1" dirty="0"/>
-              <a:t> </a:t>
-            </a:r>
-            <a:r>
-              <a:rPr lang="de-DE" i="1" dirty="0" err="1"/>
-              <a:t>to</a:t>
-            </a:r>
-            <a:r>
-              <a:rPr lang="de-DE" i="1" dirty="0"/>
-              <a:t> </a:t>
-            </a:r>
-            <a:r>
-              <a:rPr lang="de-DE" i="1" dirty="0" err="1"/>
-              <a:t>meet</a:t>
-            </a:r>
-            <a:r>
-              <a:rPr lang="de-DE" i="1" dirty="0"/>
-              <a:t> </a:t>
-            </a:r>
-            <a:r>
-              <a:rPr lang="de-DE" i="1" dirty="0" err="1"/>
-              <a:t>requirements</a:t>
-            </a:r>
-            <a:endParaRPr lang="de-DE" i="1" dirty="0"/>
-          </a:p>
-          <a:p>
-            <a:r>
-              <a:rPr lang="de-DE" dirty="0" err="1"/>
-              <a:t>Risk</a:t>
-            </a:r>
-            <a:r>
-              <a:rPr lang="de-DE" dirty="0"/>
-              <a:t> </a:t>
-            </a:r>
-            <a:r>
-              <a:rPr lang="de-DE" dirty="0" err="1"/>
-              <a:t>analysis</a:t>
-            </a:r>
-            <a:r>
-              <a:rPr lang="de-DE" dirty="0"/>
-              <a:t> &amp; </a:t>
-            </a:r>
-            <a:r>
-              <a:rPr lang="de-DE" dirty="0" err="1"/>
-              <a:t>comparison</a:t>
-            </a:r>
-            <a:endParaRPr lang="de-DE" dirty="0"/>
-          </a:p>
-          <a:p>
-            <a:pPr lvl="1"/>
-            <a:r>
-              <a:rPr lang="de-DE" i="1" dirty="0" smtClean="0"/>
-              <a:t>Extensive </a:t>
-            </a:r>
-            <a:r>
-              <a:rPr lang="de-DE" i="1" dirty="0" err="1" smtClean="0"/>
-              <a:t>risk</a:t>
-            </a:r>
-            <a:r>
-              <a:rPr lang="de-DE" i="1" dirty="0" smtClean="0"/>
-              <a:t> </a:t>
-            </a:r>
-            <a:r>
-              <a:rPr lang="de-DE" i="1" dirty="0" err="1" smtClean="0"/>
-              <a:t>model</a:t>
-            </a:r>
-            <a:r>
-              <a:rPr lang="de-DE" i="1" dirty="0" smtClean="0"/>
-              <a:t> </a:t>
-            </a:r>
-            <a:r>
-              <a:rPr lang="de-DE" i="1" dirty="0" err="1" smtClean="0"/>
-              <a:t>tailoring</a:t>
-            </a:r>
-            <a:r>
-              <a:rPr lang="de-DE" i="1" dirty="0" smtClean="0"/>
-              <a:t> </a:t>
-            </a:r>
-            <a:r>
-              <a:rPr lang="de-DE" i="1" dirty="0"/>
-              <a:t>was </a:t>
-            </a:r>
-            <a:r>
-              <a:rPr lang="de-DE" i="1" dirty="0" err="1"/>
-              <a:t>necessary</a:t>
-            </a:r>
-            <a:r>
-              <a:rPr lang="de-DE" i="1" dirty="0"/>
-              <a:t> </a:t>
-            </a:r>
-            <a:endParaRPr lang="de-DE" i="1" dirty="0" smtClean="0"/>
-          </a:p>
-          <a:p>
-            <a:pPr lvl="1"/>
-            <a:r>
-              <a:rPr lang="de-DE" i="1" dirty="0" err="1" smtClean="0"/>
-              <a:t>Highly</a:t>
-            </a:r>
-            <a:r>
-              <a:rPr lang="de-DE" i="1" dirty="0" smtClean="0"/>
-              <a:t> </a:t>
-            </a:r>
-            <a:r>
-              <a:rPr lang="de-DE" i="1" dirty="0" err="1" smtClean="0"/>
-              <a:t>dependant</a:t>
-            </a:r>
-            <a:r>
-              <a:rPr lang="de-DE" i="1" dirty="0" smtClean="0"/>
-              <a:t> on </a:t>
-            </a:r>
-            <a:r>
-              <a:rPr lang="de-DE" i="1" dirty="0" err="1" smtClean="0"/>
-              <a:t>specific</a:t>
-            </a:r>
-            <a:r>
-              <a:rPr lang="de-DE" i="1" dirty="0" smtClean="0"/>
-              <a:t> </a:t>
-            </a:r>
-            <a:r>
-              <a:rPr lang="de-DE" i="1" dirty="0" err="1" smtClean="0"/>
-              <a:t>solutions</a:t>
-            </a:r>
-            <a:endParaRPr lang="de-DE" i="1" dirty="0"/>
-          </a:p>
-          <a:p>
-            <a:r>
-              <a:rPr lang="de-DE" dirty="0" err="1"/>
-              <a:t>Practical</a:t>
-            </a:r>
-            <a:r>
-              <a:rPr lang="de-DE" dirty="0"/>
-              <a:t> </a:t>
-            </a:r>
-            <a:r>
-              <a:rPr lang="de-DE" dirty="0" err="1" smtClean="0"/>
-              <a:t>implementation</a:t>
-            </a:r>
-            <a:r>
-              <a:rPr lang="de-DE" dirty="0" smtClean="0"/>
-              <a:t> &amp; </a:t>
-            </a:r>
-            <a:r>
-              <a:rPr lang="de-DE" dirty="0" err="1"/>
-              <a:t>best</a:t>
-            </a:r>
-            <a:r>
-              <a:rPr lang="de-DE" dirty="0"/>
-              <a:t> </a:t>
-            </a:r>
-            <a:r>
-              <a:rPr lang="de-DE" dirty="0" err="1"/>
-              <a:t>practice</a:t>
-            </a:r>
-            <a:r>
-              <a:rPr lang="de-DE" dirty="0"/>
-              <a:t> </a:t>
-            </a:r>
-            <a:r>
-              <a:rPr lang="de-DE" dirty="0" err="1"/>
-              <a:t>derivement</a:t>
-            </a:r>
-            <a:endParaRPr lang="de-DE" dirty="0"/>
-          </a:p>
-          <a:p>
-            <a:pPr lvl="1"/>
-            <a:r>
-              <a:rPr lang="de-DE" i="1" dirty="0" err="1" smtClean="0"/>
-              <a:t>Reduced</a:t>
-            </a:r>
-            <a:r>
-              <a:rPr lang="de-DE" i="1" dirty="0" smtClean="0"/>
-              <a:t> </a:t>
-            </a:r>
-            <a:r>
-              <a:rPr lang="de-DE" i="1" dirty="0"/>
-              <a:t>due </a:t>
-            </a:r>
-            <a:r>
-              <a:rPr lang="de-DE" i="1" dirty="0" err="1"/>
-              <a:t>to</a:t>
-            </a:r>
-            <a:r>
-              <a:rPr lang="de-DE" i="1" dirty="0"/>
-              <a:t> time </a:t>
-            </a:r>
-            <a:r>
-              <a:rPr lang="de-DE" i="1" dirty="0" err="1"/>
-              <a:t>constraints</a:t>
-            </a:r>
-            <a:endParaRPr lang="de-DE" i="1" dirty="0"/>
-          </a:p>
-          <a:p>
-            <a:r>
-              <a:rPr lang="de-DE" dirty="0"/>
-              <a:t>Write out </a:t>
-            </a:r>
-            <a:r>
-              <a:rPr lang="de-DE" dirty="0" err="1"/>
-              <a:t>notes</a:t>
-            </a:r>
-            <a:r>
-              <a:rPr lang="de-DE" dirty="0"/>
-              <a:t> </a:t>
-            </a:r>
-            <a:r>
-              <a:rPr lang="de-DE" dirty="0" err="1"/>
-              <a:t>into</a:t>
-            </a:r>
-            <a:r>
-              <a:rPr lang="de-DE" dirty="0"/>
-              <a:t> </a:t>
-            </a:r>
-            <a:r>
-              <a:rPr lang="de-DE" dirty="0" err="1"/>
-              <a:t>full</a:t>
-            </a:r>
-            <a:r>
-              <a:rPr lang="de-DE" dirty="0"/>
-              <a:t> </a:t>
-            </a:r>
-            <a:r>
-              <a:rPr lang="de-DE" dirty="0" err="1"/>
-              <a:t>thesis</a:t>
-            </a:r>
-            <a:endParaRPr lang="de-DE" dirty="0"/>
-          </a:p>
-          <a:p>
-            <a:endParaRPr lang="de-DE" dirty="0"/>
-          </a:p>
-        </p:txBody>
-      </p:sp>
-    </p:spTree>
-    <p:extLst>
-      <p:ext uri="{BB962C8B-B14F-4D97-AF65-F5344CB8AC3E}">
-        <p14:creationId xmlns:p14="http://schemas.microsoft.com/office/powerpoint/2010/main" val="3197140848"/>
-      </p:ext>
-    </p:extLst>
-  </p:cSld>
-  <p:clrMapOvr>
-    <a:masterClrMapping/>
-  </p:clrMapOvr>
-  <p:timing>
-    <p:tnLst>
-      <p:par>
-        <p:cTn id="1" dur="indefinite" restart="never" nodeType="tmRoot">
-          <p:childTnLst>
-            <p:seq concurrent="1" nextAc="seek">
-              <p:cTn id="2" dur="indefinite" nodeType="mainSeq">
-                <p:childTnLst>
-                  <p:par>
-                    <p:cTn id="3" fill="hold">
-                      <p:stCondLst>
-                        <p:cond delay="indefinite"/>
-                      </p:stCondLst>
-                      <p:childTnLst>
-                        <p:par>
-                          <p:cTn id="4" fill="hold">
-                            <p:stCondLst>
-                              <p:cond delay="0"/>
-                            </p:stCondLst>
-                            <p:childTnLst>
-                              <p:par>
-                                <p:cTn id="5" presetID="1" presetClass="entr" presetSubtype="0" fill="hold" nodeType="clickEffect">
-                                  <p:stCondLst>
-                                    <p:cond delay="0"/>
-                                  </p:stCondLst>
-                                  <p:childTnLst>
-                                    <p:set>
-                                      <p:cBhvr>
-                                        <p:cTn id="6" dur="1" fill="hold">
-                                          <p:stCondLst>
-                                            <p:cond delay="0"/>
-                                          </p:stCondLst>
-                                        </p:cTn>
-                                        <p:tgtEl>
-                                          <p:spTgt spid="3">
-                                            <p:txEl>
-                                              <p:pRg st="3" end="3"/>
-                                            </p:txEl>
-                                          </p:spTgt>
-                                        </p:tgtEl>
-                                        <p:attrNameLst>
-                                          <p:attrName>style.visibility</p:attrName>
-                                        </p:attrNameLst>
-                                      </p:cBhvr>
-                                      <p:to>
-                                        <p:strVal val="visible"/>
-                                      </p:to>
-                                    </p:set>
-                                  </p:childTnLst>
-                                </p:cTn>
-                              </p:par>
-                            </p:childTnLst>
-                          </p:cTn>
-                        </p:par>
-                      </p:childTnLst>
-                    </p:cTn>
-                  </p:par>
-                  <p:par>
-                    <p:cTn id="7" fill="hold">
-                      <p:stCondLst>
-                        <p:cond delay="indefinite"/>
-                      </p:stCondLst>
-                      <p:childTnLst>
-                        <p:par>
-                          <p:cTn id="8" fill="hold">
-                            <p:stCondLst>
-                              <p:cond delay="0"/>
-                            </p:stCondLst>
-                            <p:childTnLst>
-                              <p:par>
-                                <p:cTn id="9" presetID="1" presetClass="entr" presetSubtype="0" fill="hold" nodeType="clickEffect">
-                                  <p:stCondLst>
-                                    <p:cond delay="0"/>
-                                  </p:stCondLst>
-                                  <p:childTnLst>
-                                    <p:set>
-                                      <p:cBhvr>
-                                        <p:cTn id="10" dur="1" fill="hold">
-                                          <p:stCondLst>
-                                            <p:cond delay="0"/>
-                                          </p:stCondLst>
-                                        </p:cTn>
-                                        <p:tgtEl>
-                                          <p:spTgt spid="3">
-                                            <p:txEl>
-                                              <p:pRg st="5" end="5"/>
-                                            </p:txEl>
-                                          </p:spTgt>
-                                        </p:tgtEl>
-                                        <p:attrNameLst>
-                                          <p:attrName>style.visibility</p:attrName>
-                                        </p:attrNameLst>
-                                      </p:cBhvr>
-                                      <p:to>
-                                        <p:strVal val="visible"/>
-                                      </p:to>
-                                    </p:set>
-                                  </p:childTnLst>
-                                </p:cTn>
-                              </p:par>
-                            </p:childTnLst>
-                          </p:cTn>
-                        </p:par>
-                      </p:childTnLst>
-                    </p:cTn>
-                  </p:par>
-                  <p:par>
-                    <p:cTn id="11" fill="hold">
-                      <p:stCondLst>
-                        <p:cond delay="indefinite"/>
-                      </p:stCondLst>
-                      <p:childTnLst>
-                        <p:par>
-                          <p:cTn id="12" fill="hold">
-                            <p:stCondLst>
-                              <p:cond delay="0"/>
-                            </p:stCondLst>
-                            <p:childTnLst>
-                              <p:par>
-                                <p:cTn id="13" presetID="1" presetClass="entr" presetSubtype="0" fill="hold" nodeType="clickEffect">
-                                  <p:stCondLst>
-                                    <p:cond delay="0"/>
-                                  </p:stCondLst>
-                                  <p:childTnLst>
-                                    <p:set>
-                                      <p:cBhvr>
-                                        <p:cTn id="14" dur="1" fill="hold">
-                                          <p:stCondLst>
-                                            <p:cond delay="0"/>
-                                          </p:stCondLst>
-                                        </p:cTn>
-                                        <p:tgtEl>
-                                          <p:spTgt spid="3">
-                                            <p:txEl>
-                                              <p:pRg st="6" end="6"/>
-                                            </p:txEl>
-                                          </p:spTgt>
-                                        </p:tgtEl>
-                                        <p:attrNameLst>
-                                          <p:attrName>style.visibility</p:attrName>
-                                        </p:attrNameLst>
-                                      </p:cBhvr>
-                                      <p:to>
-                                        <p:strVal val="visible"/>
-                                      </p:to>
-                                    </p:set>
-                                  </p:childTnLst>
-                                </p:cTn>
-                              </p:par>
-                            </p:childTnLst>
-                          </p:cTn>
-                        </p:par>
-                      </p:childTnLst>
-                    </p:cTn>
-                  </p:par>
-                  <p:par>
-                    <p:cTn id="15" fill="hold">
-                      <p:stCondLst>
-                        <p:cond delay="indefinite"/>
-                      </p:stCondLst>
-                      <p:childTnLst>
-                        <p:par>
-                          <p:cTn id="16" fill="hold">
-                            <p:stCondLst>
-                              <p:cond delay="0"/>
-                            </p:stCondLst>
-                            <p:childTnLst>
-                              <p:par>
-                                <p:cTn id="17" presetID="1" presetClass="entr" presetSubtype="0" fill="hold" nodeType="clickEffect">
-                                  <p:stCondLst>
-                                    <p:cond delay="0"/>
-                                  </p:stCondLst>
-                                  <p:childTnLst>
-                                    <p:set>
-                                      <p:cBhvr>
-                                        <p:cTn id="18" dur="1" fill="hold">
-                                          <p:stCondLst>
-                                            <p:cond delay="0"/>
-                                          </p:stCondLst>
-                                        </p:cTn>
-                                        <p:tgtEl>
-                                          <p:spTgt spid="3">
-                                            <p:txEl>
-                                              <p:pRg st="8" end="8"/>
-                                            </p:txEl>
-                                          </p:spTgt>
-                                        </p:tgtEl>
-                                        <p:attrNameLst>
-                                          <p:attrName>style.visibility</p:attrName>
-                                        </p:attrNameLst>
-                                      </p:cBhvr>
-                                      <p:to>
-                                        <p:strVal val="visible"/>
-                                      </p:to>
-                                    </p:set>
-                                  </p:childTnLst>
-                                </p:cTn>
-                              </p:par>
-                            </p:childTnLst>
-                          </p:cTn>
-                        </p:par>
-                      </p:childTnLst>
-                    </p:cTn>
-                  </p:par>
-                </p:childTnLst>
-              </p:cTn>
-              <p:prevCondLst>
-                <p:cond evt="onPrev" delay="0">
-                  <p:tgtEl>
-                    <p:sldTgt/>
-                  </p:tgtEl>
-                </p:cond>
-              </p:prevCondLst>
-              <p:nextCondLst>
-                <p:cond evt="onNext" delay="0">
-                  <p:tgtEl>
-                    <p:sldTgt/>
-                  </p:tgtEl>
-                </p:cond>
-              </p:nextCondLst>
-            </p:seq>
-          </p:childTnLst>
-        </p:cTn>
-      </p:par>
-    </p:tnLst>
-  </p:timing>
-</p:sld>
-</file>
-
-<file path=ppt/slides/slide7.xml><?xml version="1.0" encoding="utf-8"?>
-<p:sld xmlns:a="http://schemas.openxmlformats.org/drawingml/2006/main" xmlns:r="http://schemas.openxmlformats.org/officeDocument/2006/relationships" xmlns:p="http://schemas.openxmlformats.org/presentationml/2006/main">
-  <p:cSld>
-    <p:spTree>
-      <p:nvGrpSpPr>
-        <p:cNvPr id="1" name=""/>
-        <p:cNvGrpSpPr/>
-        <p:nvPr/>
-      </p:nvGrpSpPr>
-      <p:grpSpPr>
-        <a:xfrm>
-          <a:off x="0" y="0"/>
-          <a:ext cx="0" cy="0"/>
-          <a:chOff x="0" y="0"/>
-          <a:chExt cx="0" cy="0"/>
-        </a:xfrm>
-      </p:grpSpPr>
-      <p:sp>
-        <p:nvSpPr>
-          <p:cNvPr id="2" name="Titel 1"/>
-          <p:cNvSpPr>
-            <a:spLocks noGrp="1"/>
-          </p:cNvSpPr>
-          <p:nvPr>
-            <p:ph type="title"/>
-          </p:nvPr>
-        </p:nvSpPr>
-        <p:spPr/>
-        <p:txBody>
-          <a:bodyPr/>
-          <a:lstStyle/>
-          <a:p>
-            <a:r>
-              <a:rPr lang="de-DE" dirty="0" smtClean="0"/>
-              <a:t>Updated </a:t>
-            </a:r>
-            <a:r>
-              <a:rPr lang="de-DE" dirty="0" err="1"/>
-              <a:t>schedule</a:t>
-            </a:r>
-            <a:endParaRPr lang="de-DE" dirty="0"/>
-          </a:p>
-        </p:txBody>
-      </p:sp>
-      <p:sp>
-        <p:nvSpPr>
-          <p:cNvPr id="3" name="Inhaltsplatzhalter 2"/>
-          <p:cNvSpPr>
-            <a:spLocks noGrp="1"/>
-          </p:cNvSpPr>
-          <p:nvPr>
-            <p:ph idx="1"/>
-          </p:nvPr>
-        </p:nvSpPr>
-        <p:spPr/>
-        <p:txBody>
-          <a:bodyPr/>
-          <a:lstStyle/>
-          <a:p>
-            <a:r>
-              <a:rPr lang="de-DE" dirty="0" smtClean="0"/>
-              <a:t>Research, </a:t>
-            </a:r>
-            <a:r>
-              <a:rPr lang="de-DE" dirty="0" err="1"/>
-              <a:t>practical</a:t>
-            </a:r>
-            <a:r>
-              <a:rPr lang="de-DE" dirty="0"/>
-              <a:t> </a:t>
-            </a:r>
-            <a:r>
-              <a:rPr lang="de-DE" dirty="0" err="1"/>
-              <a:t>tests</a:t>
-            </a:r>
-            <a:endParaRPr lang="de-DE" dirty="0"/>
-          </a:p>
-          <a:p>
-            <a:pPr lvl="1"/>
-            <a:endParaRPr lang="de-DE" dirty="0"/>
-          </a:p>
-          <a:p>
-            <a:r>
-              <a:rPr lang="de-DE" dirty="0" err="1"/>
-              <a:t>Attack</a:t>
-            </a:r>
-            <a:r>
-              <a:rPr lang="de-DE" dirty="0"/>
-              <a:t> </a:t>
-            </a:r>
-            <a:r>
-              <a:rPr lang="de-DE" dirty="0" err="1"/>
-              <a:t>vectors</a:t>
-            </a:r>
-            <a:r>
-              <a:rPr lang="de-DE" dirty="0"/>
-              <a:t> &amp; </a:t>
-            </a:r>
-            <a:r>
-              <a:rPr lang="de-DE" dirty="0" err="1"/>
-              <a:t>mitigation</a:t>
-            </a:r>
-            <a:r>
-              <a:rPr lang="de-DE" dirty="0"/>
-              <a:t> </a:t>
-            </a:r>
-            <a:r>
-              <a:rPr lang="de-DE" dirty="0" err="1"/>
-              <a:t>pointers</a:t>
-            </a:r>
-            <a:endParaRPr lang="de-DE" dirty="0"/>
-          </a:p>
-          <a:p>
-            <a:pPr lvl="1"/>
-            <a:endParaRPr lang="de-DE" dirty="0"/>
-          </a:p>
-          <a:p>
-            <a:r>
-              <a:rPr lang="de-DE" dirty="0" err="1"/>
-              <a:t>Risk</a:t>
-            </a:r>
-            <a:r>
-              <a:rPr lang="de-DE" dirty="0"/>
-              <a:t> </a:t>
-            </a:r>
-            <a:r>
-              <a:rPr lang="de-DE" dirty="0" err="1"/>
-              <a:t>analysis</a:t>
-            </a:r>
-            <a:r>
-              <a:rPr lang="de-DE" dirty="0"/>
-              <a:t> &amp; </a:t>
-            </a:r>
-            <a:r>
-              <a:rPr lang="de-DE" dirty="0" err="1"/>
-              <a:t>comparison</a:t>
-            </a:r>
-            <a:endParaRPr lang="de-DE" dirty="0"/>
-          </a:p>
-          <a:p>
-            <a:pPr lvl="1"/>
-            <a:endParaRPr lang="de-DE" dirty="0" smtClean="0"/>
-          </a:p>
-          <a:p>
-            <a:pPr lvl="1"/>
-            <a:endParaRPr lang="de-DE" dirty="0"/>
-          </a:p>
-          <a:p>
-            <a:r>
-              <a:rPr lang="de-DE" dirty="0" smtClean="0">
-                <a:solidFill>
-                  <a:srgbClr val="FF9900"/>
-                </a:solidFill>
-              </a:rPr>
-              <a:t>Partial</a:t>
-            </a:r>
-            <a:r>
-              <a:rPr lang="de-DE" dirty="0" smtClean="0"/>
-              <a:t> </a:t>
-            </a:r>
-            <a:r>
-              <a:rPr lang="de-DE" dirty="0" err="1" smtClean="0"/>
-              <a:t>practical</a:t>
-            </a:r>
-            <a:r>
-              <a:rPr lang="de-DE" dirty="0" smtClean="0"/>
-              <a:t> </a:t>
-            </a:r>
-            <a:r>
-              <a:rPr lang="de-DE" dirty="0" err="1" smtClean="0"/>
-              <a:t>implementation</a:t>
-            </a:r>
-            <a:r>
-              <a:rPr lang="de-DE" dirty="0" smtClean="0"/>
-              <a:t> &amp; </a:t>
-            </a:r>
-            <a:r>
-              <a:rPr lang="de-DE" dirty="0" err="1"/>
-              <a:t>best</a:t>
-            </a:r>
-            <a:r>
-              <a:rPr lang="de-DE" dirty="0"/>
-              <a:t> </a:t>
-            </a:r>
-            <a:r>
-              <a:rPr lang="de-DE" dirty="0" err="1"/>
-              <a:t>practice</a:t>
-            </a:r>
-            <a:r>
-              <a:rPr lang="de-DE" dirty="0"/>
-              <a:t> </a:t>
-            </a:r>
-            <a:r>
-              <a:rPr lang="de-DE" dirty="0" err="1"/>
-              <a:t>derivement</a:t>
-            </a:r>
-            <a:endParaRPr lang="de-DE" dirty="0"/>
-          </a:p>
-          <a:p>
-            <a:pPr lvl="1"/>
-            <a:endParaRPr lang="de-DE" dirty="0"/>
-          </a:p>
-          <a:p>
-            <a:r>
-              <a:rPr lang="de-DE" dirty="0"/>
-              <a:t>Write out </a:t>
-            </a:r>
-            <a:r>
-              <a:rPr lang="de-DE" dirty="0" err="1"/>
-              <a:t>notes</a:t>
-            </a:r>
-            <a:r>
-              <a:rPr lang="de-DE" dirty="0"/>
-              <a:t> </a:t>
-            </a:r>
-            <a:r>
-              <a:rPr lang="de-DE" dirty="0" err="1"/>
-              <a:t>into</a:t>
-            </a:r>
-            <a:r>
-              <a:rPr lang="de-DE" dirty="0"/>
-              <a:t> </a:t>
-            </a:r>
-            <a:r>
-              <a:rPr lang="de-DE" dirty="0" err="1"/>
-              <a:t>full</a:t>
-            </a:r>
-            <a:r>
-              <a:rPr lang="de-DE" dirty="0"/>
-              <a:t> </a:t>
-            </a:r>
-            <a:r>
-              <a:rPr lang="de-DE" dirty="0" err="1"/>
-              <a:t>thesis</a:t>
-            </a:r>
-            <a:endParaRPr lang="de-DE" dirty="0"/>
-          </a:p>
-        </p:txBody>
-      </p:sp>
-    </p:spTree>
-    <p:extLst>
-      <p:ext uri="{BB962C8B-B14F-4D97-AF65-F5344CB8AC3E}">
-        <p14:creationId xmlns:p14="http://schemas.microsoft.com/office/powerpoint/2010/main" val="2210793555"/>
-      </p:ext>
-    </p:extLst>
-  </p:cSld>
-  <p:clrMapOvr>
-    <a:masterClrMapping/>
-  </p:clrMapOvr>
-  <p:timing>
-    <p:tnLst>
-      <p:par>
-        <p:cTn id="1" dur="indefinite" restart="never" nodeType="tmRoot"/>
-      </p:par>
-    </p:tnLst>
-  </p:timing>
-</p:sld>
-</file>
-
-<file path=ppt/slides/slide8.xml><?xml version="1.0" encoding="utf-8"?>
-<p:sld xmlns:a="http://schemas.openxmlformats.org/drawingml/2006/main" xmlns:r="http://schemas.openxmlformats.org/officeDocument/2006/relationships" xmlns:p="http://schemas.openxmlformats.org/presentationml/2006/main">
-  <p:cSld>
-    <p:spTree>
-      <p:nvGrpSpPr>
-        <p:cNvPr id="1" name=""/>
-        <p:cNvGrpSpPr/>
-        <p:nvPr/>
-      </p:nvGrpSpPr>
-      <p:grpSpPr>
-        <a:xfrm>
-          <a:off x="0" y="0"/>
-          <a:ext cx="0" cy="0"/>
-          <a:chOff x="0" y="0"/>
-          <a:chExt cx="0" cy="0"/>
-        </a:xfrm>
-      </p:grpSpPr>
-      <p:sp>
-        <p:nvSpPr>
-          <p:cNvPr id="2" name="Titel 1"/>
-          <p:cNvSpPr>
-            <a:spLocks noGrp="1"/>
-          </p:cNvSpPr>
-          <p:nvPr>
-            <p:ph type="title"/>
-          </p:nvPr>
-        </p:nvSpPr>
-        <p:spPr/>
-        <p:txBody>
-          <a:bodyPr/>
-          <a:lstStyle/>
-          <a:p>
-            <a:r>
               <a:rPr lang="de-DE" dirty="0" smtClean="0"/>
               <a:t>Updated </a:t>
             </a:r>
@@ -8003,53 +5550,105 @@
           <a:lstStyle/>
           <a:p>
             <a:r>
-              <a:rPr lang="de-DE" dirty="0" err="1"/>
+              <a:rPr lang="de-DE" dirty="0" err="1">
+                <a:solidFill>
+                  <a:srgbClr val="00B050"/>
+                </a:solidFill>
+              </a:rPr>
               <a:t>Generic</a:t>
             </a:r>
             <a:r>
-              <a:rPr lang="de-DE" dirty="0"/>
+              <a:rPr lang="de-DE" dirty="0">
+                <a:solidFill>
+                  <a:srgbClr val="00B050"/>
+                </a:solidFill>
+              </a:rPr>
               <a:t> </a:t>
             </a:r>
             <a:r>
-              <a:rPr lang="de-DE" dirty="0" err="1"/>
+              <a:rPr lang="de-DE" dirty="0" err="1">
+                <a:solidFill>
+                  <a:srgbClr val="00B050"/>
+                </a:solidFill>
+              </a:rPr>
               <a:t>security</a:t>
             </a:r>
             <a:r>
-              <a:rPr lang="de-DE" dirty="0"/>
+              <a:rPr lang="de-DE" dirty="0">
+                <a:solidFill>
+                  <a:srgbClr val="00B050"/>
+                </a:solidFill>
+              </a:rPr>
               <a:t> </a:t>
             </a:r>
             <a:r>
-              <a:rPr lang="de-DE" dirty="0" err="1"/>
+              <a:rPr lang="de-DE" dirty="0" err="1">
+                <a:solidFill>
+                  <a:srgbClr val="00B050"/>
+                </a:solidFill>
+              </a:rPr>
               <a:t>risks</a:t>
             </a:r>
-            <a:endParaRPr lang="de-DE" dirty="0"/>
-          </a:p>
-          <a:p>
-            <a:r>
-              <a:rPr lang="de-DE" dirty="0"/>
+            <a:endParaRPr lang="de-DE" dirty="0">
+              <a:solidFill>
+                <a:srgbClr val="00B050"/>
+              </a:solidFill>
+            </a:endParaRPr>
+          </a:p>
+          <a:p>
+            <a:r>
+              <a:rPr lang="de-DE" dirty="0">
+                <a:solidFill>
+                  <a:srgbClr val="00B050"/>
+                </a:solidFill>
+              </a:rPr>
               <a:t>Rating </a:t>
             </a:r>
             <a:r>
-              <a:rPr lang="de-DE" dirty="0" err="1"/>
+              <a:rPr lang="de-DE" dirty="0" err="1">
+                <a:solidFill>
+                  <a:srgbClr val="00B050"/>
+                </a:solidFill>
+              </a:rPr>
               <a:t>of</a:t>
             </a:r>
             <a:r>
-              <a:rPr lang="de-DE" dirty="0"/>
+              <a:rPr lang="de-DE" dirty="0">
+                <a:solidFill>
+                  <a:srgbClr val="00B050"/>
+                </a:solidFill>
+              </a:rPr>
               <a:t> </a:t>
             </a:r>
             <a:r>
-              <a:rPr lang="de-DE" dirty="0" err="1"/>
+              <a:rPr lang="de-DE" dirty="0" err="1">
+                <a:solidFill>
+                  <a:srgbClr val="00B050"/>
+                </a:solidFill>
+              </a:rPr>
               <a:t>security</a:t>
             </a:r>
             <a:r>
-              <a:rPr lang="de-DE" dirty="0"/>
+              <a:rPr lang="de-DE" dirty="0">
+                <a:solidFill>
+                  <a:srgbClr val="00B050"/>
+                </a:solidFill>
+              </a:rPr>
               <a:t> </a:t>
             </a:r>
             <a:r>
-              <a:rPr lang="de-DE" dirty="0" err="1" smtClean="0"/>
+              <a:rPr lang="de-DE" dirty="0" err="1" smtClean="0">
+                <a:solidFill>
+                  <a:srgbClr val="00B050"/>
+                </a:solidFill>
+              </a:rPr>
               <a:t>risks</a:t>
             </a:r>
-            <a:endParaRPr lang="de-DE" dirty="0" smtClean="0"/>
+            <a:endParaRPr lang="de-DE" dirty="0" smtClean="0">
+              <a:solidFill>
+                <a:srgbClr val="00B050"/>
+              </a:solidFill>
+            </a:endParaRPr>
           </a:p>
           <a:p>
             <a:pPr lvl="1"/>
@@ -8057,103 +5656,203 @@
           </a:p>
           <a:p>
             <a:r>
-              <a:rPr lang="de-DE" dirty="0" err="1"/>
+              <a:rPr lang="de-DE" dirty="0" err="1">
+                <a:solidFill>
+                  <a:srgbClr val="FFC000"/>
+                </a:solidFill>
+              </a:rPr>
               <a:t>How</a:t>
             </a:r>
             <a:r>
-              <a:rPr lang="de-DE" dirty="0"/>
+              <a:rPr lang="de-DE" dirty="0">
+                <a:solidFill>
+                  <a:srgbClr val="FFC000"/>
+                </a:solidFill>
+              </a:rPr>
               <a:t> </a:t>
             </a:r>
             <a:r>
-              <a:rPr lang="de-DE" dirty="0" err="1"/>
+              <a:rPr lang="de-DE" dirty="0" err="1">
+                <a:solidFill>
+                  <a:srgbClr val="FFC000"/>
+                </a:solidFill>
+              </a:rPr>
               <a:t>to</a:t>
             </a:r>
             <a:r>
-              <a:rPr lang="de-DE" dirty="0"/>
+              <a:rPr lang="de-DE" dirty="0">
+                <a:solidFill>
+                  <a:srgbClr val="FFC000"/>
+                </a:solidFill>
+              </a:rPr>
               <a:t> </a:t>
             </a:r>
             <a:r>
-              <a:rPr lang="de-DE" dirty="0" err="1"/>
+              <a:rPr lang="de-DE" dirty="0" err="1">
+                <a:solidFill>
+                  <a:srgbClr val="FFC000"/>
+                </a:solidFill>
+              </a:rPr>
               <a:t>mitigate</a:t>
             </a:r>
             <a:r>
-              <a:rPr lang="de-DE" dirty="0"/>
+              <a:rPr lang="de-DE" dirty="0">
+                <a:solidFill>
+                  <a:srgbClr val="FFC000"/>
+                </a:solidFill>
+              </a:rPr>
               <a:t> </a:t>
             </a:r>
             <a:r>
-              <a:rPr lang="de-DE" dirty="0" smtClean="0"/>
+              <a:rPr lang="de-DE" dirty="0" smtClean="0">
+                <a:solidFill>
+                  <a:srgbClr val="FFC000"/>
+                </a:solidFill>
+              </a:rPr>
               <a:t/>
             </a:r>
             <a:br>
-              <a:rPr lang="de-DE" dirty="0" smtClean="0"/>
+              <a:rPr lang="de-DE" dirty="0" smtClean="0">
+                <a:solidFill>
+                  <a:srgbClr val="FFC000"/>
+                </a:solidFill>
+              </a:rPr>
             </a:br>
             <a:r>
-              <a:rPr lang="de-DE" dirty="0" smtClean="0"/>
+              <a:rPr lang="de-DE" dirty="0" smtClean="0">
+                <a:solidFill>
+                  <a:srgbClr val="FFC000"/>
+                </a:solidFill>
+              </a:rPr>
               <a:t>(</a:t>
             </a:r>
             <a:r>
-              <a:rPr lang="de-DE" dirty="0" err="1"/>
+              <a:rPr lang="de-DE" dirty="0" err="1">
+                <a:solidFill>
+                  <a:srgbClr val="FFC000"/>
+                </a:solidFill>
+              </a:rPr>
               <a:t>including</a:t>
             </a:r>
             <a:r>
-              <a:rPr lang="de-DE" dirty="0"/>
+              <a:rPr lang="de-DE" dirty="0">
+                <a:solidFill>
+                  <a:srgbClr val="FFC000"/>
+                </a:solidFill>
+              </a:rPr>
               <a:t> </a:t>
             </a:r>
             <a:r>
-              <a:rPr lang="de-DE" dirty="0" err="1"/>
+              <a:rPr lang="de-DE" dirty="0" err="1">
+                <a:solidFill>
+                  <a:srgbClr val="FFC000"/>
+                </a:solidFill>
+              </a:rPr>
               <a:t>best</a:t>
             </a:r>
             <a:r>
-              <a:rPr lang="de-DE" dirty="0"/>
+              <a:rPr lang="de-DE" dirty="0">
+                <a:solidFill>
+                  <a:srgbClr val="FFC000"/>
+                </a:solidFill>
+              </a:rPr>
               <a:t> </a:t>
             </a:r>
             <a:r>
-              <a:rPr lang="de-DE" dirty="0" err="1"/>
+              <a:rPr lang="de-DE" dirty="0" err="1">
+                <a:solidFill>
+                  <a:srgbClr val="FFC000"/>
+                </a:solidFill>
+              </a:rPr>
               <a:t>practices</a:t>
             </a:r>
             <a:r>
-              <a:rPr lang="de-DE" dirty="0"/>
+              <a:rPr lang="de-DE" dirty="0">
+                <a:solidFill>
+                  <a:srgbClr val="FFC000"/>
+                </a:solidFill>
+              </a:rPr>
               <a:t>)</a:t>
             </a:r>
           </a:p>
           <a:p>
             <a:r>
-              <a:rPr lang="de-DE" dirty="0" err="1"/>
+              <a:rPr lang="de-DE" dirty="0" err="1">
+                <a:solidFill>
+                  <a:srgbClr val="FFC000"/>
+                </a:solidFill>
+              </a:rPr>
               <a:t>Compare</a:t>
             </a:r>
             <a:r>
-              <a:rPr lang="de-DE" dirty="0"/>
+              <a:rPr lang="de-DE" dirty="0">
+                <a:solidFill>
+                  <a:srgbClr val="FFC000"/>
+                </a:solidFill>
+              </a:rPr>
               <a:t> on-</a:t>
             </a:r>
             <a:r>
-              <a:rPr lang="de-DE" dirty="0" err="1"/>
+              <a:rPr lang="de-DE" dirty="0" err="1">
+                <a:solidFill>
+                  <a:srgbClr val="FFC000"/>
+                </a:solidFill>
+              </a:rPr>
               <a:t>prem</a:t>
             </a:r>
             <a:r>
-              <a:rPr lang="de-DE" dirty="0"/>
+              <a:rPr lang="de-DE" dirty="0">
+                <a:solidFill>
+                  <a:srgbClr val="FFC000"/>
+                </a:solidFill>
+              </a:rPr>
               <a:t> &amp; </a:t>
             </a:r>
             <a:r>
-              <a:rPr lang="de-DE" dirty="0" err="1"/>
+              <a:rPr lang="de-DE" dirty="0" err="1">
+                <a:solidFill>
+                  <a:srgbClr val="FFC000"/>
+                </a:solidFill>
+              </a:rPr>
               <a:t>public</a:t>
             </a:r>
             <a:r>
-              <a:rPr lang="de-DE" dirty="0"/>
+              <a:rPr lang="de-DE" dirty="0">
+                <a:solidFill>
+                  <a:srgbClr val="FFC000"/>
+                </a:solidFill>
+              </a:rPr>
               <a:t> </a:t>
             </a:r>
             <a:r>
-              <a:rPr lang="de-DE" dirty="0" err="1"/>
+              <a:rPr lang="de-DE" dirty="0" err="1">
+                <a:solidFill>
+                  <a:srgbClr val="FFC000"/>
+                </a:solidFill>
+              </a:rPr>
               <a:t>cloud</a:t>
             </a:r>
             <a:r>
-              <a:rPr lang="de-DE" dirty="0"/>
+              <a:rPr lang="de-DE" dirty="0">
+                <a:solidFill>
+                  <a:srgbClr val="FFC000"/>
+                </a:solidFill>
+              </a:rPr>
               <a:t> </a:t>
             </a:r>
             <a:r>
-              <a:rPr lang="de-DE" dirty="0" err="1"/>
+              <a:rPr lang="de-DE" dirty="0" err="1">
+                <a:solidFill>
+                  <a:srgbClr val="FFC000"/>
+                </a:solidFill>
+              </a:rPr>
               <a:t>solutions</a:t>
             </a:r>
-            <a:endParaRPr lang="de-DE" dirty="0"/>
+            <a:endParaRPr lang="de-DE" dirty="0">
+              <a:solidFill>
+                <a:srgbClr val="FFC000"/>
+              </a:solidFill>
+            </a:endParaRPr>
           </a:p>
           <a:p>
             <a:r>
@@ -8252,7 +5951,7 @@
         <p:spPr/>
         <p:txBody>
           <a:bodyPr>
-            <a:normAutofit fontScale="92500" lnSpcReduction="10000"/>
+            <a:normAutofit lnSpcReduction="10000"/>
           </a:bodyPr>
           <a:lstStyle/>
           <a:p>
@@ -8307,63 +6006,7 @@
               <a:rPr lang="de-DE" dirty="0"/>
               <a:t> </a:t>
             </a:r>
-            <a:r>
-              <a:rPr lang="de-DE" dirty="0" err="1">
-                <a:solidFill>
-                  <a:srgbClr val="FF9900"/>
-                </a:solidFill>
-              </a:rPr>
-              <a:t>for</a:t>
-            </a:r>
-            <a:r>
-              <a:rPr lang="de-DE" dirty="0">
-                <a:solidFill>
-                  <a:srgbClr val="FF9900"/>
-                </a:solidFill>
-              </a:rPr>
-              <a:t> </a:t>
-            </a:r>
-            <a:r>
-              <a:rPr lang="de-DE" dirty="0" err="1">
-                <a:solidFill>
-                  <a:srgbClr val="FF9900"/>
-                </a:solidFill>
-              </a:rPr>
-              <a:t>to</a:t>
-            </a:r>
-            <a:r>
-              <a:rPr lang="de-DE" dirty="0">
-                <a:solidFill>
-                  <a:srgbClr val="FF9900"/>
-                </a:solidFill>
-              </a:rPr>
-              <a:t> </a:t>
-            </a:r>
-            <a:r>
-              <a:rPr lang="de-DE" dirty="0" err="1">
-                <a:solidFill>
-                  <a:srgbClr val="FF9900"/>
-                </a:solidFill>
-              </a:rPr>
-              <a:t>specific</a:t>
-            </a:r>
-            <a:r>
-              <a:rPr lang="de-DE" dirty="0">
-                <a:solidFill>
-                  <a:srgbClr val="FF9900"/>
-                </a:solidFill>
-              </a:rPr>
-              <a:t> </a:t>
-            </a:r>
-            <a:r>
-              <a:rPr lang="de-DE" dirty="0" err="1">
-                <a:solidFill>
-                  <a:srgbClr val="FF9900"/>
-                </a:solidFill>
-              </a:rPr>
-              <a:t>solutions</a:t>
-            </a:r>
-            <a:endParaRPr lang="de-DE" dirty="0">
+            <a:endParaRPr lang="de-DE" dirty="0" smtClean="0">
               <a:solidFill>
                 <a:srgbClr val="FF9900"/>
               </a:solidFill>
@@ -8371,7 +6014,7 @@
           </a:p>
           <a:p>
             <a:r>
-              <a:rPr lang="de-DE" dirty="0">
+              <a:rPr lang="de-DE" dirty="0" smtClean="0">
                 <a:solidFill>
                   <a:srgbClr val="FF9900"/>
                 </a:solidFill>
@@ -8379,37 +6022,33 @@
               <a:t>Pointers on</a:t>
             </a:r>
             <a:r>
-              <a:rPr lang="de-DE" dirty="0"/>
+              <a:rPr lang="de-DE" dirty="0" smtClean="0"/>
               <a:t> </a:t>
             </a:r>
             <a:r>
-              <a:rPr lang="de-DE" dirty="0" err="1"/>
+              <a:rPr lang="de-DE" dirty="0" err="1" smtClean="0"/>
               <a:t>how</a:t>
             </a:r>
             <a:r>
-              <a:rPr lang="de-DE" dirty="0"/>
+              <a:rPr lang="de-DE" dirty="0" smtClean="0"/>
               <a:t> </a:t>
             </a:r>
             <a:r>
-              <a:rPr lang="de-DE" dirty="0" err="1"/>
+              <a:rPr lang="de-DE" dirty="0" err="1" smtClean="0"/>
               <a:t>to</a:t>
             </a:r>
             <a:r>
-              <a:rPr lang="de-DE" dirty="0"/>
+              <a:rPr lang="de-DE" dirty="0" smtClean="0"/>
               <a:t> </a:t>
             </a:r>
             <a:r>
-              <a:rPr lang="de-DE" dirty="0" err="1"/>
+              <a:rPr lang="de-DE" dirty="0" err="1" smtClean="0"/>
               <a:t>mitigate</a:t>
             </a:r>
             <a:r>
-              <a:rPr lang="de-DE" dirty="0"/>
+              <a:rPr lang="de-DE" dirty="0" smtClean="0"/>
               <a:t> </a:t>
             </a:r>
-            <a:r>
-              <a:rPr lang="de-DE" dirty="0" smtClean="0"/>
-              <a:t/>
-            </a:r>
             <a:br>
               <a:rPr lang="de-DE" dirty="0" smtClean="0"/>
             </a:br>
@@ -8418,15 +6057,15 @@
               <a:t>(</a:t>
             </a:r>
             <a:r>
-              <a:rPr lang="de-DE" dirty="0" err="1"/>
+              <a:rPr lang="de-DE" dirty="0" err="1" smtClean="0"/>
               <a:t>including</a:t>
             </a:r>
             <a:r>
-              <a:rPr lang="de-DE" dirty="0"/>
+              <a:rPr lang="de-DE" dirty="0" smtClean="0"/>
               <a:t> </a:t>
             </a:r>
             <a:r>
-              <a:rPr lang="de-DE" dirty="0" err="1">
+              <a:rPr lang="de-DE" dirty="0" err="1" smtClean="0">
                 <a:solidFill>
                   <a:srgbClr val="FF9900"/>
                 </a:solidFill>
@@ -8434,33 +6073,33 @@
               <a:t>some</a:t>
             </a:r>
             <a:r>
-              <a:rPr lang="de-DE" dirty="0"/>
+              <a:rPr lang="de-DE" dirty="0" smtClean="0"/>
               <a:t> </a:t>
             </a:r>
             <a:r>
-              <a:rPr lang="de-DE" dirty="0" err="1"/>
+              <a:rPr lang="de-DE" dirty="0" err="1" smtClean="0"/>
               <a:t>best</a:t>
             </a:r>
             <a:r>
-              <a:rPr lang="de-DE" dirty="0"/>
+              <a:rPr lang="de-DE" dirty="0" smtClean="0"/>
               <a:t> </a:t>
             </a:r>
             <a:r>
-              <a:rPr lang="de-DE" dirty="0" err="1"/>
+              <a:rPr lang="de-DE" dirty="0" err="1" smtClean="0"/>
               <a:t>practices</a:t>
             </a:r>
             <a:r>
-              <a:rPr lang="de-DE" dirty="0"/>
+              <a:rPr lang="de-DE" dirty="0" smtClean="0"/>
               <a:t>)</a:t>
             </a:r>
           </a:p>
           <a:p>
             <a:r>
-              <a:rPr lang="de-DE" dirty="0" err="1"/>
+              <a:rPr lang="de-DE" dirty="0" err="1" smtClean="0"/>
               <a:t>Compare</a:t>
             </a:r>
             <a:r>
-              <a:rPr lang="de-DE" dirty="0"/>
+              <a:rPr lang="de-DE" dirty="0" smtClean="0"/>
               <a:t> </a:t>
             </a:r>
             <a:r>
@@ -9103,7 +6742,7 @@
 </p:sld>
 </file>
 
-<file path=ppt/slides/slide9.xml><?xml version="1.0" encoding="utf-8"?>
+<file path=ppt/slides/slide6.xml><?xml version="1.0" encoding="utf-8"?>
 <p:sld xmlns:a="http://schemas.openxmlformats.org/drawingml/2006/main" xmlns:r="http://schemas.openxmlformats.org/officeDocument/2006/relationships" xmlns:p="http://schemas.openxmlformats.org/presentationml/2006/main">
   <p:cSld>
     <p:spTree>
@@ -9136,6 +6775,907 @@
           <a:lstStyle/>
           <a:p>
             <a:r>
+              <a:rPr lang="de-DE" dirty="0" err="1"/>
+              <a:t>Intended</a:t>
+            </a:r>
+            <a:r>
+              <a:rPr lang="de-DE" dirty="0"/>
+              <a:t> </a:t>
+            </a:r>
+            <a:r>
+              <a:rPr lang="de-DE" dirty="0" err="1"/>
+              <a:t>schedule</a:t>
+            </a:r>
+            <a:endParaRPr lang="de-DE" dirty="0"/>
+          </a:p>
+        </p:txBody>
+      </p:sp>
+      <p:sp>
+        <p:nvSpPr>
+          <p:cNvPr id="3" name="Inhaltsplatzhalter 2"/>
+          <p:cNvSpPr>
+            <a:spLocks noGrp="1"/>
+          </p:cNvSpPr>
+          <p:nvPr>
+            <p:ph idx="1"/>
+          </p:nvPr>
+        </p:nvSpPr>
+        <p:spPr/>
+        <p:txBody>
+          <a:bodyPr/>
+          <a:lstStyle/>
+          <a:p>
+            <a:r>
+              <a:rPr lang="de-DE" dirty="0" smtClean="0"/>
+              <a:t>Research, </a:t>
+            </a:r>
+            <a:r>
+              <a:rPr lang="de-DE" dirty="0" err="1" smtClean="0"/>
+              <a:t>practical</a:t>
+            </a:r>
+            <a:r>
+              <a:rPr lang="de-DE" dirty="0" smtClean="0"/>
+              <a:t> </a:t>
+            </a:r>
+            <a:r>
+              <a:rPr lang="de-DE" dirty="0" err="1" smtClean="0"/>
+              <a:t>tests</a:t>
+            </a:r>
+            <a:endParaRPr lang="de-DE" dirty="0" smtClean="0"/>
+          </a:p>
+          <a:p>
+            <a:pPr lvl="1"/>
+            <a:endParaRPr lang="de-DE" dirty="0"/>
+          </a:p>
+          <a:p>
+            <a:pPr lvl="1"/>
+            <a:r>
+              <a:rPr lang="de-DE" dirty="0" err="1" smtClean="0"/>
+              <a:t>Attack</a:t>
+            </a:r>
+            <a:r>
+              <a:rPr lang="de-DE" dirty="0" smtClean="0"/>
+              <a:t> </a:t>
+            </a:r>
+            <a:r>
+              <a:rPr lang="de-DE" dirty="0" err="1" smtClean="0"/>
+              <a:t>vectors</a:t>
+            </a:r>
+            <a:r>
+              <a:rPr lang="de-DE" dirty="0" smtClean="0"/>
+              <a:t> &amp; </a:t>
+            </a:r>
+            <a:r>
+              <a:rPr lang="de-DE" dirty="0" err="1"/>
+              <a:t>m</a:t>
+            </a:r>
+            <a:r>
+              <a:rPr lang="de-DE" dirty="0" err="1" smtClean="0"/>
+              <a:t>itigation</a:t>
+            </a:r>
+            <a:r>
+              <a:rPr lang="de-DE" dirty="0" smtClean="0"/>
+              <a:t> </a:t>
+            </a:r>
+            <a:r>
+              <a:rPr lang="de-DE" dirty="0" err="1" smtClean="0"/>
+              <a:t>pointers</a:t>
+            </a:r>
+            <a:endParaRPr lang="de-DE" dirty="0" smtClean="0"/>
+          </a:p>
+          <a:p>
+            <a:pPr lvl="2"/>
+            <a:r>
+              <a:rPr lang="de-DE" dirty="0" err="1">
+                <a:solidFill>
+                  <a:srgbClr val="0070C0"/>
+                </a:solidFill>
+              </a:rPr>
+              <a:t>Built</a:t>
+            </a:r>
+            <a:r>
+              <a:rPr lang="de-DE" dirty="0">
+                <a:solidFill>
+                  <a:srgbClr val="0070C0"/>
+                </a:solidFill>
+              </a:rPr>
+              <a:t> </a:t>
+            </a:r>
+            <a:r>
+              <a:rPr lang="de-DE" dirty="0" err="1">
+                <a:solidFill>
+                  <a:srgbClr val="0070C0"/>
+                </a:solidFill>
+              </a:rPr>
+              <a:t>from</a:t>
+            </a:r>
+            <a:r>
+              <a:rPr lang="de-DE" dirty="0">
+                <a:solidFill>
+                  <a:srgbClr val="0070C0"/>
+                </a:solidFill>
+              </a:rPr>
+              <a:t> </a:t>
+            </a:r>
+            <a:r>
+              <a:rPr lang="de-DE" dirty="0" err="1">
+                <a:solidFill>
+                  <a:srgbClr val="0070C0"/>
+                </a:solidFill>
+              </a:rPr>
+              <a:t>scratch</a:t>
+            </a:r>
+            <a:r>
+              <a:rPr lang="de-DE" dirty="0">
+                <a:solidFill>
+                  <a:srgbClr val="0070C0"/>
+                </a:solidFill>
+              </a:rPr>
+              <a:t> </a:t>
+            </a:r>
+            <a:r>
+              <a:rPr lang="de-DE" dirty="0" err="1">
+                <a:solidFill>
+                  <a:srgbClr val="0070C0"/>
+                </a:solidFill>
+              </a:rPr>
+              <a:t>to</a:t>
+            </a:r>
+            <a:r>
+              <a:rPr lang="de-DE" dirty="0">
+                <a:solidFill>
+                  <a:srgbClr val="0070C0"/>
+                </a:solidFill>
+              </a:rPr>
+              <a:t> </a:t>
+            </a:r>
+            <a:r>
+              <a:rPr lang="de-DE" dirty="0" err="1">
+                <a:solidFill>
+                  <a:srgbClr val="0070C0"/>
+                </a:solidFill>
+              </a:rPr>
+              <a:t>meet</a:t>
+            </a:r>
+            <a:r>
+              <a:rPr lang="de-DE" dirty="0">
+                <a:solidFill>
+                  <a:srgbClr val="0070C0"/>
+                </a:solidFill>
+              </a:rPr>
+              <a:t> </a:t>
+            </a:r>
+            <a:r>
+              <a:rPr lang="de-DE" dirty="0" err="1" smtClean="0">
+                <a:solidFill>
+                  <a:srgbClr val="0070C0"/>
+                </a:solidFill>
+              </a:rPr>
+              <a:t>requirements</a:t>
+            </a:r>
+            <a:endParaRPr lang="de-DE" dirty="0">
+              <a:solidFill>
+                <a:srgbClr val="0070C0"/>
+              </a:solidFill>
+            </a:endParaRPr>
+          </a:p>
+          <a:p>
+            <a:pPr lvl="3"/>
+            <a:r>
+              <a:rPr lang="de-DE" dirty="0" err="1" smtClean="0"/>
+              <a:t>Risk</a:t>
+            </a:r>
+            <a:r>
+              <a:rPr lang="de-DE" dirty="0" smtClean="0"/>
+              <a:t> </a:t>
+            </a:r>
+            <a:r>
+              <a:rPr lang="de-DE" dirty="0" err="1" smtClean="0"/>
+              <a:t>analysis</a:t>
+            </a:r>
+            <a:r>
+              <a:rPr lang="de-DE" dirty="0" smtClean="0"/>
+              <a:t> &amp; </a:t>
+            </a:r>
+            <a:r>
+              <a:rPr lang="de-DE" dirty="0" err="1" smtClean="0"/>
+              <a:t>comparison</a:t>
+            </a:r>
+            <a:endParaRPr lang="de-DE" dirty="0" smtClean="0"/>
+          </a:p>
+          <a:p>
+            <a:pPr lvl="4"/>
+            <a:r>
+              <a:rPr lang="de-DE" dirty="0">
+                <a:solidFill>
+                  <a:srgbClr val="0070C0"/>
+                </a:solidFill>
+              </a:rPr>
+              <a:t>Extensive </a:t>
+            </a:r>
+            <a:r>
+              <a:rPr lang="de-DE" dirty="0" err="1">
+                <a:solidFill>
+                  <a:srgbClr val="0070C0"/>
+                </a:solidFill>
+              </a:rPr>
+              <a:t>risk</a:t>
+            </a:r>
+            <a:r>
+              <a:rPr lang="de-DE" dirty="0">
+                <a:solidFill>
+                  <a:srgbClr val="0070C0"/>
+                </a:solidFill>
+              </a:rPr>
+              <a:t> </a:t>
+            </a:r>
+            <a:r>
+              <a:rPr lang="de-DE" dirty="0" err="1">
+                <a:solidFill>
+                  <a:srgbClr val="0070C0"/>
+                </a:solidFill>
+              </a:rPr>
+              <a:t>model</a:t>
+            </a:r>
+            <a:r>
+              <a:rPr lang="de-DE" dirty="0">
+                <a:solidFill>
+                  <a:srgbClr val="0070C0"/>
+                </a:solidFill>
+              </a:rPr>
+              <a:t> </a:t>
+            </a:r>
+            <a:r>
+              <a:rPr lang="de-DE" dirty="0" err="1">
+                <a:solidFill>
+                  <a:srgbClr val="0070C0"/>
+                </a:solidFill>
+              </a:rPr>
+              <a:t>tailoring</a:t>
+            </a:r>
+            <a:r>
+              <a:rPr lang="de-DE" dirty="0">
+                <a:solidFill>
+                  <a:srgbClr val="0070C0"/>
+                </a:solidFill>
+              </a:rPr>
+              <a:t> was </a:t>
+            </a:r>
+            <a:r>
+              <a:rPr lang="de-DE" dirty="0" err="1">
+                <a:solidFill>
+                  <a:srgbClr val="0070C0"/>
+                </a:solidFill>
+              </a:rPr>
+              <a:t>necessary</a:t>
+            </a:r>
+            <a:r>
+              <a:rPr lang="de-DE" dirty="0">
+                <a:solidFill>
+                  <a:srgbClr val="0070C0"/>
+                </a:solidFill>
+              </a:rPr>
+              <a:t> </a:t>
+            </a:r>
+          </a:p>
+          <a:p>
+            <a:pPr lvl="4"/>
+            <a:r>
+              <a:rPr lang="de-DE" dirty="0" err="1">
+                <a:solidFill>
+                  <a:srgbClr val="0070C0"/>
+                </a:solidFill>
+              </a:rPr>
+              <a:t>Highly</a:t>
+            </a:r>
+            <a:r>
+              <a:rPr lang="de-DE" dirty="0">
+                <a:solidFill>
+                  <a:srgbClr val="0070C0"/>
+                </a:solidFill>
+              </a:rPr>
+              <a:t> </a:t>
+            </a:r>
+            <a:r>
+              <a:rPr lang="de-DE" dirty="0" err="1">
+                <a:solidFill>
+                  <a:srgbClr val="0070C0"/>
+                </a:solidFill>
+              </a:rPr>
+              <a:t>dependant</a:t>
+            </a:r>
+            <a:r>
+              <a:rPr lang="de-DE" dirty="0">
+                <a:solidFill>
+                  <a:srgbClr val="0070C0"/>
+                </a:solidFill>
+              </a:rPr>
+              <a:t> on </a:t>
+            </a:r>
+            <a:r>
+              <a:rPr lang="de-DE" dirty="0" err="1">
+                <a:solidFill>
+                  <a:srgbClr val="0070C0"/>
+                </a:solidFill>
+              </a:rPr>
+              <a:t>specific</a:t>
+            </a:r>
+            <a:r>
+              <a:rPr lang="de-DE" dirty="0">
+                <a:solidFill>
+                  <a:srgbClr val="0070C0"/>
+                </a:solidFill>
+              </a:rPr>
+              <a:t> </a:t>
+            </a:r>
+            <a:r>
+              <a:rPr lang="de-DE" dirty="0" err="1">
+                <a:solidFill>
+                  <a:srgbClr val="0070C0"/>
+                </a:solidFill>
+              </a:rPr>
+              <a:t>solutions</a:t>
+            </a:r>
+            <a:endParaRPr lang="de-DE" dirty="0">
+              <a:solidFill>
+                <a:srgbClr val="0070C0"/>
+              </a:solidFill>
+            </a:endParaRPr>
+          </a:p>
+          <a:p>
+            <a:r>
+              <a:rPr lang="de-DE" dirty="0" err="1" smtClean="0"/>
+              <a:t>Practical</a:t>
+            </a:r>
+            <a:r>
+              <a:rPr lang="de-DE" dirty="0" smtClean="0"/>
+              <a:t> </a:t>
+            </a:r>
+            <a:r>
+              <a:rPr lang="de-DE" dirty="0" err="1" smtClean="0"/>
+              <a:t>implementation</a:t>
+            </a:r>
+            <a:r>
+              <a:rPr lang="de-DE" dirty="0" smtClean="0"/>
+              <a:t> &amp; </a:t>
+            </a:r>
+            <a:r>
+              <a:rPr lang="de-DE" dirty="0" err="1"/>
+              <a:t>best</a:t>
+            </a:r>
+            <a:r>
+              <a:rPr lang="de-DE" dirty="0"/>
+              <a:t> </a:t>
+            </a:r>
+            <a:r>
+              <a:rPr lang="de-DE" dirty="0" err="1"/>
+              <a:t>practice</a:t>
+            </a:r>
+            <a:r>
+              <a:rPr lang="de-DE" dirty="0"/>
+              <a:t> </a:t>
+            </a:r>
+            <a:r>
+              <a:rPr lang="de-DE" dirty="0" err="1" smtClean="0"/>
+              <a:t>derivement</a:t>
+            </a:r>
+            <a:endParaRPr lang="de-DE" dirty="0" smtClean="0"/>
+          </a:p>
+          <a:p>
+            <a:pPr lvl="1"/>
+            <a:r>
+              <a:rPr lang="de-DE" dirty="0" err="1">
+                <a:solidFill>
+                  <a:srgbClr val="0070C0"/>
+                </a:solidFill>
+              </a:rPr>
+              <a:t>Reduced</a:t>
+            </a:r>
+            <a:r>
+              <a:rPr lang="de-DE" dirty="0">
+                <a:solidFill>
+                  <a:srgbClr val="0070C0"/>
+                </a:solidFill>
+              </a:rPr>
+              <a:t> due </a:t>
+            </a:r>
+            <a:r>
+              <a:rPr lang="de-DE" dirty="0" err="1">
+                <a:solidFill>
+                  <a:srgbClr val="0070C0"/>
+                </a:solidFill>
+              </a:rPr>
+              <a:t>to</a:t>
+            </a:r>
+            <a:r>
+              <a:rPr lang="de-DE" dirty="0">
+                <a:solidFill>
+                  <a:srgbClr val="0070C0"/>
+                </a:solidFill>
+              </a:rPr>
+              <a:t> time </a:t>
+            </a:r>
+            <a:r>
+              <a:rPr lang="de-DE" dirty="0" err="1">
+                <a:solidFill>
+                  <a:srgbClr val="0070C0"/>
+                </a:solidFill>
+              </a:rPr>
+              <a:t>constraints</a:t>
+            </a:r>
+            <a:endParaRPr lang="de-DE" dirty="0">
+              <a:solidFill>
+                <a:srgbClr val="0070C0"/>
+              </a:solidFill>
+            </a:endParaRPr>
+          </a:p>
+          <a:p>
+            <a:r>
+              <a:rPr lang="de-DE" dirty="0" smtClean="0"/>
+              <a:t>Write out </a:t>
+            </a:r>
+            <a:r>
+              <a:rPr lang="de-DE" dirty="0" err="1" smtClean="0"/>
+              <a:t>notes</a:t>
+            </a:r>
+            <a:r>
+              <a:rPr lang="de-DE" dirty="0" smtClean="0"/>
+              <a:t> </a:t>
+            </a:r>
+            <a:r>
+              <a:rPr lang="de-DE" dirty="0" err="1"/>
+              <a:t>into</a:t>
+            </a:r>
+            <a:r>
+              <a:rPr lang="de-DE" dirty="0"/>
+              <a:t> </a:t>
+            </a:r>
+            <a:r>
+              <a:rPr lang="de-DE" dirty="0" err="1" smtClean="0"/>
+              <a:t>full</a:t>
+            </a:r>
+            <a:r>
+              <a:rPr lang="de-DE" dirty="0" smtClean="0"/>
+              <a:t> </a:t>
+            </a:r>
+            <a:r>
+              <a:rPr lang="de-DE" dirty="0" err="1" smtClean="0"/>
+              <a:t>thesis</a:t>
+            </a:r>
+            <a:endParaRPr lang="de-DE" dirty="0"/>
+          </a:p>
+        </p:txBody>
+      </p:sp>
+    </p:spTree>
+    <p:extLst>
+      <p:ext uri="{BB962C8B-B14F-4D97-AF65-F5344CB8AC3E}">
+        <p14:creationId xmlns:p14="http://schemas.microsoft.com/office/powerpoint/2010/main" val="1220976046"/>
+      </p:ext>
+    </p:extLst>
+  </p:cSld>
+  <p:clrMapOvr>
+    <a:masterClrMapping/>
+  </p:clrMapOvr>
+  <p:timing>
+    <p:tnLst>
+      <p:par>
+        <p:cTn id="1" dur="indefinite" restart="never" nodeType="tmRoot">
+          <p:childTnLst>
+            <p:seq concurrent="1" nextAc="seek">
+              <p:cTn id="2" dur="indefinite" nodeType="mainSeq">
+                <p:childTnLst>
+                  <p:par>
+                    <p:cTn id="3" fill="hold">
+                      <p:stCondLst>
+                        <p:cond delay="indefinite"/>
+                      </p:stCondLst>
+                      <p:childTnLst>
+                        <p:par>
+                          <p:cTn id="4" fill="hold">
+                            <p:stCondLst>
+                              <p:cond delay="0"/>
+                            </p:stCondLst>
+                            <p:childTnLst>
+                              <p:par>
+                                <p:cTn id="5" presetID="1" presetClass="entr" presetSubtype="0" fill="hold" grpId="0" nodeType="clickEffect">
+                                  <p:stCondLst>
+                                    <p:cond delay="0"/>
+                                  </p:stCondLst>
+                                  <p:childTnLst>
+                                    <p:set>
+                                      <p:cBhvr>
+                                        <p:cTn id="6" dur="1" fill="hold">
+                                          <p:stCondLst>
+                                            <p:cond delay="0"/>
+                                          </p:stCondLst>
+                                        </p:cTn>
+                                        <p:tgtEl>
+                                          <p:spTgt spid="3">
+                                            <p:txEl>
+                                              <p:pRg st="0" end="0"/>
+                                            </p:txEl>
+                                          </p:spTgt>
+                                        </p:tgtEl>
+                                        <p:attrNameLst>
+                                          <p:attrName>style.visibility</p:attrName>
+                                        </p:attrNameLst>
+                                      </p:cBhvr>
+                                      <p:to>
+                                        <p:strVal val="visible"/>
+                                      </p:to>
+                                    </p:set>
+                                  </p:childTnLst>
+                                </p:cTn>
+                              </p:par>
+                              <p:par>
+                                <p:cTn id="7" presetID="1" presetClass="entr" presetSubtype="0" fill="hold" grpId="0" nodeType="withEffect">
+                                  <p:stCondLst>
+                                    <p:cond delay="0"/>
+                                  </p:stCondLst>
+                                  <p:childTnLst>
+                                    <p:set>
+                                      <p:cBhvr>
+                                        <p:cTn id="8" dur="1" fill="hold">
+                                          <p:stCondLst>
+                                            <p:cond delay="0"/>
+                                          </p:stCondLst>
+                                        </p:cTn>
+                                        <p:tgtEl>
+                                          <p:spTgt spid="3">
+                                            <p:txEl>
+                                              <p:pRg st="2" end="2"/>
+                                            </p:txEl>
+                                          </p:spTgt>
+                                        </p:tgtEl>
+                                        <p:attrNameLst>
+                                          <p:attrName>style.visibility</p:attrName>
+                                        </p:attrNameLst>
+                                      </p:cBhvr>
+                                      <p:to>
+                                        <p:strVal val="visible"/>
+                                      </p:to>
+                                    </p:set>
+                                  </p:childTnLst>
+                                </p:cTn>
+                              </p:par>
+                              <p:par>
+                                <p:cTn id="9" presetID="1" presetClass="entr" presetSubtype="0" fill="hold" grpId="0" nodeType="withEffect">
+                                  <p:stCondLst>
+                                    <p:cond delay="0"/>
+                                  </p:stCondLst>
+                                  <p:childTnLst>
+                                    <p:set>
+                                      <p:cBhvr>
+                                        <p:cTn id="10" dur="1" fill="hold">
+                                          <p:stCondLst>
+                                            <p:cond delay="0"/>
+                                          </p:stCondLst>
+                                        </p:cTn>
+                                        <p:tgtEl>
+                                          <p:spTgt spid="3">
+                                            <p:txEl>
+                                              <p:pRg st="4" end="4"/>
+                                            </p:txEl>
+                                          </p:spTgt>
+                                        </p:tgtEl>
+                                        <p:attrNameLst>
+                                          <p:attrName>style.visibility</p:attrName>
+                                        </p:attrNameLst>
+                                      </p:cBhvr>
+                                      <p:to>
+                                        <p:strVal val="visible"/>
+                                      </p:to>
+                                    </p:set>
+                                  </p:childTnLst>
+                                </p:cTn>
+                              </p:par>
+                            </p:childTnLst>
+                          </p:cTn>
+                        </p:par>
+                      </p:childTnLst>
+                    </p:cTn>
+                  </p:par>
+                  <p:par>
+                    <p:cTn id="11" fill="hold">
+                      <p:stCondLst>
+                        <p:cond delay="indefinite"/>
+                      </p:stCondLst>
+                      <p:childTnLst>
+                        <p:par>
+                          <p:cTn id="12" fill="hold">
+                            <p:stCondLst>
+                              <p:cond delay="0"/>
+                            </p:stCondLst>
+                            <p:childTnLst>
+                              <p:par>
+                                <p:cTn id="13" presetID="1" presetClass="entr" presetSubtype="0" fill="hold" grpId="0" nodeType="clickEffect">
+                                  <p:stCondLst>
+                                    <p:cond delay="0"/>
+                                  </p:stCondLst>
+                                  <p:childTnLst>
+                                    <p:set>
+                                      <p:cBhvr>
+                                        <p:cTn id="14" dur="1" fill="hold">
+                                          <p:stCondLst>
+                                            <p:cond delay="0"/>
+                                          </p:stCondLst>
+                                        </p:cTn>
+                                        <p:tgtEl>
+                                          <p:spTgt spid="3">
+                                            <p:txEl>
+                                              <p:pRg st="7" end="7"/>
+                                            </p:txEl>
+                                          </p:spTgt>
+                                        </p:tgtEl>
+                                        <p:attrNameLst>
+                                          <p:attrName>style.visibility</p:attrName>
+                                        </p:attrNameLst>
+                                      </p:cBhvr>
+                                      <p:to>
+                                        <p:strVal val="visible"/>
+                                      </p:to>
+                                    </p:set>
+                                  </p:childTnLst>
+                                </p:cTn>
+                              </p:par>
+                            </p:childTnLst>
+                          </p:cTn>
+                        </p:par>
+                      </p:childTnLst>
+                    </p:cTn>
+                  </p:par>
+                  <p:par>
+                    <p:cTn id="15" fill="hold">
+                      <p:stCondLst>
+                        <p:cond delay="indefinite"/>
+                      </p:stCondLst>
+                      <p:childTnLst>
+                        <p:par>
+                          <p:cTn id="16" fill="hold">
+                            <p:stCondLst>
+                              <p:cond delay="0"/>
+                            </p:stCondLst>
+                            <p:childTnLst>
+                              <p:par>
+                                <p:cTn id="17" presetID="1" presetClass="entr" presetSubtype="0" fill="hold" grpId="0" nodeType="clickEffect">
+                                  <p:stCondLst>
+                                    <p:cond delay="0"/>
+                                  </p:stCondLst>
+                                  <p:childTnLst>
+                                    <p:set>
+                                      <p:cBhvr>
+                                        <p:cTn id="18" dur="1" fill="hold">
+                                          <p:stCondLst>
+                                            <p:cond delay="0"/>
+                                          </p:stCondLst>
+                                        </p:cTn>
+                                        <p:tgtEl>
+                                          <p:spTgt spid="3">
+                                            <p:txEl>
+                                              <p:pRg st="9" end="9"/>
+                                            </p:txEl>
+                                          </p:spTgt>
+                                        </p:tgtEl>
+                                        <p:attrNameLst>
+                                          <p:attrName>style.visibility</p:attrName>
+                                        </p:attrNameLst>
+                                      </p:cBhvr>
+                                      <p:to>
+                                        <p:strVal val="visible"/>
+                                      </p:to>
+                                    </p:set>
+                                  </p:childTnLst>
+                                </p:cTn>
+                              </p:par>
+                              <p:par>
+                                <p:cTn id="19" presetID="1" presetClass="entr" presetSubtype="0" fill="hold" grpId="0" nodeType="withEffect">
+                                  <p:stCondLst>
+                                    <p:cond delay="0"/>
+                                  </p:stCondLst>
+                                  <p:childTnLst>
+                                    <p:set>
+                                      <p:cBhvr>
+                                        <p:cTn id="20" dur="1" fill="hold">
+                                          <p:stCondLst>
+                                            <p:cond delay="0"/>
+                                          </p:stCondLst>
+                                        </p:cTn>
+                                        <p:tgtEl>
+                                          <p:spTgt spid="3">
+                                            <p:txEl>
+                                              <p:pRg st="3" end="3"/>
+                                            </p:txEl>
+                                          </p:spTgt>
+                                        </p:tgtEl>
+                                        <p:attrNameLst>
+                                          <p:attrName>style.visibility</p:attrName>
+                                        </p:attrNameLst>
+                                      </p:cBhvr>
+                                      <p:to>
+                                        <p:strVal val="visible"/>
+                                      </p:to>
+                                    </p:set>
+                                  </p:childTnLst>
+                                </p:cTn>
+                              </p:par>
+                              <p:par>
+                                <p:cTn id="21" presetID="1" presetClass="entr" presetSubtype="0" fill="hold" grpId="0" nodeType="withEffect">
+                                  <p:stCondLst>
+                                    <p:cond delay="0"/>
+                                  </p:stCondLst>
+                                  <p:childTnLst>
+                                    <p:set>
+                                      <p:cBhvr>
+                                        <p:cTn id="22" dur="1" fill="hold">
+                                          <p:stCondLst>
+                                            <p:cond delay="0"/>
+                                          </p:stCondLst>
+                                        </p:cTn>
+                                        <p:tgtEl>
+                                          <p:spTgt spid="3">
+                                            <p:txEl>
+                                              <p:pRg st="5" end="5"/>
+                                            </p:txEl>
+                                          </p:spTgt>
+                                        </p:tgtEl>
+                                        <p:attrNameLst>
+                                          <p:attrName>style.visibility</p:attrName>
+                                        </p:attrNameLst>
+                                      </p:cBhvr>
+                                      <p:to>
+                                        <p:strVal val="visible"/>
+                                      </p:to>
+                                    </p:set>
+                                  </p:childTnLst>
+                                </p:cTn>
+                              </p:par>
+                              <p:par>
+                                <p:cTn id="23" presetID="1" presetClass="entr" presetSubtype="0" fill="hold" grpId="0" nodeType="withEffect">
+                                  <p:stCondLst>
+                                    <p:cond delay="0"/>
+                                  </p:stCondLst>
+                                  <p:childTnLst>
+                                    <p:set>
+                                      <p:cBhvr>
+                                        <p:cTn id="24" dur="1" fill="hold">
+                                          <p:stCondLst>
+                                            <p:cond delay="0"/>
+                                          </p:stCondLst>
+                                        </p:cTn>
+                                        <p:tgtEl>
+                                          <p:spTgt spid="3">
+                                            <p:txEl>
+                                              <p:pRg st="6" end="6"/>
+                                            </p:txEl>
+                                          </p:spTgt>
+                                        </p:tgtEl>
+                                        <p:attrNameLst>
+                                          <p:attrName>style.visibility</p:attrName>
+                                        </p:attrNameLst>
+                                      </p:cBhvr>
+                                      <p:to>
+                                        <p:strVal val="visible"/>
+                                      </p:to>
+                                    </p:set>
+                                  </p:childTnLst>
+                                </p:cTn>
+                              </p:par>
+                            </p:childTnLst>
+                          </p:cTn>
+                        </p:par>
+                      </p:childTnLst>
+                    </p:cTn>
+                  </p:par>
+                  <p:par>
+                    <p:cTn id="25" fill="hold">
+                      <p:stCondLst>
+                        <p:cond delay="indefinite"/>
+                      </p:stCondLst>
+                      <p:childTnLst>
+                        <p:par>
+                          <p:cTn id="26" fill="hold">
+                            <p:stCondLst>
+                              <p:cond delay="0"/>
+                            </p:stCondLst>
+                            <p:childTnLst>
+                              <p:par>
+                                <p:cTn id="27" presetID="1" presetClass="entr" presetSubtype="0" fill="hold" grpId="0" nodeType="clickEffect">
+                                  <p:stCondLst>
+                                    <p:cond delay="0"/>
+                                  </p:stCondLst>
+                                  <p:childTnLst>
+                                    <p:set>
+                                      <p:cBhvr>
+                                        <p:cTn id="28" dur="1" fill="hold">
+                                          <p:stCondLst>
+                                            <p:cond delay="0"/>
+                                          </p:stCondLst>
+                                        </p:cTn>
+                                        <p:tgtEl>
+                                          <p:spTgt spid="3">
+                                            <p:txEl>
+                                              <p:pRg st="8" end="8"/>
+                                            </p:txEl>
+                                          </p:spTgt>
+                                        </p:tgtEl>
+                                        <p:attrNameLst>
+                                          <p:attrName>style.visibility</p:attrName>
+                                        </p:attrNameLst>
+                                      </p:cBhvr>
+                                      <p:to>
+                                        <p:strVal val="visible"/>
+                                      </p:to>
+                                    </p:set>
+                                  </p:childTnLst>
+                                </p:cTn>
+                              </p:par>
+                            </p:childTnLst>
+                          </p:cTn>
+                        </p:par>
+                      </p:childTnLst>
+                    </p:cTn>
+                  </p:par>
+                </p:childTnLst>
+              </p:cTn>
+              <p:prevCondLst>
+                <p:cond evt="onPrev" delay="0">
+                  <p:tgtEl>
+                    <p:sldTgt/>
+                  </p:tgtEl>
+                </p:cond>
+              </p:prevCondLst>
+              <p:nextCondLst>
+                <p:cond evt="onNext" delay="0">
+                  <p:tgtEl>
+                    <p:sldTgt/>
+                  </p:tgtEl>
+                </p:cond>
+              </p:nextCondLst>
+            </p:seq>
+          </p:childTnLst>
+        </p:cTn>
+      </p:par>
+    </p:tnLst>
+    <p:bldLst>
+      <p:bldP spid="3" grpId="0" uiExpand="1" build="p"/>
+    </p:bldLst>
+  </p:timing>
+</p:sld>
+</file>
+
+<file path=ppt/slides/slide7.xml><?xml version="1.0" encoding="utf-8"?>
+<p:sld xmlns:a="http://schemas.openxmlformats.org/drawingml/2006/main" xmlns:r="http://schemas.openxmlformats.org/officeDocument/2006/relationships" xmlns:p="http://schemas.openxmlformats.org/presentationml/2006/main">
+  <p:cSld>
+    <p:spTree>
+      <p:nvGrpSpPr>
+        <p:cNvPr id="1" name=""/>
+        <p:cNvGrpSpPr/>
+        <p:nvPr/>
+      </p:nvGrpSpPr>
+      <p:grpSpPr>
+        <a:xfrm>
+          <a:off x="0" y="0"/>
+          <a:ext cx="0" cy="0"/>
+          <a:chOff x="0" y="0"/>
+          <a:chExt cx="0" cy="0"/>
+        </a:xfrm>
+      </p:grpSpPr>
+      <p:sp>
+        <p:nvSpPr>
+          <p:cNvPr id="2" name="Titel 1"/>
+          <p:cNvSpPr>
+            <a:spLocks noGrp="1"/>
+          </p:cNvSpPr>
+          <p:nvPr>
+            <p:ph type="title"/>
+          </p:nvPr>
+        </p:nvSpPr>
+        <p:spPr/>
+        <p:txBody>
+          <a:bodyPr/>
+          <a:lstStyle/>
+          <a:p>
+            <a:r>
               <a:rPr lang="de-DE" dirty="0" err="1" smtClean="0"/>
               <a:t>Representation</a:t>
             </a:r>
@@ -9169,7 +7709,7 @@
         </p:blipFill>
         <p:spPr>
           <a:xfrm>
-            <a:off x="283960" y="2105891"/>
+            <a:off x="306864" y="2141061"/>
             <a:ext cx="10550932" cy="3797156"/>
           </a:xfrm>
           <a:prstGeom prst="rect">
@@ -9197,15 +7737,1001 @@
 </p:sld>
 </file>
 
+<file path=ppt/slides/slide8.xml><?xml version="1.0" encoding="utf-8"?>
+<p:sld xmlns:a="http://schemas.openxmlformats.org/drawingml/2006/main" xmlns:r="http://schemas.openxmlformats.org/officeDocument/2006/relationships" xmlns:p="http://schemas.openxmlformats.org/presentationml/2006/main">
+  <p:cSld>
+    <p:spTree>
+      <p:nvGrpSpPr>
+        <p:cNvPr id="1" name=""/>
+        <p:cNvGrpSpPr/>
+        <p:nvPr/>
+      </p:nvGrpSpPr>
+      <p:grpSpPr>
+        <a:xfrm>
+          <a:off x="0" y="0"/>
+          <a:ext cx="0" cy="0"/>
+          <a:chOff x="0" y="0"/>
+          <a:chExt cx="0" cy="0"/>
+        </a:xfrm>
+      </p:grpSpPr>
+      <p:sp>
+        <p:nvSpPr>
+          <p:cNvPr id="2" name="Titel 1"/>
+          <p:cNvSpPr>
+            <a:spLocks noGrp="1"/>
+          </p:cNvSpPr>
+          <p:nvPr>
+            <p:ph type="title"/>
+          </p:nvPr>
+        </p:nvSpPr>
+        <p:spPr/>
+        <p:txBody>
+          <a:bodyPr/>
+          <a:lstStyle/>
+          <a:p>
+            <a:r>
+              <a:rPr lang="de-DE" dirty="0" err="1"/>
+              <a:t>Recap</a:t>
+            </a:r>
+            <a:endParaRPr lang="de-DE" dirty="0"/>
+          </a:p>
+        </p:txBody>
+      </p:sp>
+      <p:sp>
+        <p:nvSpPr>
+          <p:cNvPr id="3" name="Inhaltsplatzhalter 2"/>
+          <p:cNvSpPr>
+            <a:spLocks noGrp="1"/>
+          </p:cNvSpPr>
+          <p:nvPr>
+            <p:ph idx="1"/>
+          </p:nvPr>
+        </p:nvSpPr>
+        <p:spPr/>
+        <p:txBody>
+          <a:bodyPr/>
+          <a:lstStyle/>
+          <a:p>
+            <a:r>
+              <a:rPr lang="de-DE" dirty="0" err="1" smtClean="0"/>
+              <a:t>Unexpected</a:t>
+            </a:r>
+            <a:r>
+              <a:rPr lang="de-DE" dirty="0" smtClean="0"/>
+              <a:t> </a:t>
+            </a:r>
+            <a:r>
+              <a:rPr lang="de-DE" dirty="0" err="1" smtClean="0"/>
+              <a:t>challenges</a:t>
+            </a:r>
+            <a:endParaRPr lang="de-DE" dirty="0" smtClean="0"/>
+          </a:p>
+          <a:p>
+            <a:r>
+              <a:rPr lang="de-DE" dirty="0" err="1" smtClean="0"/>
+              <a:t>Considerable</a:t>
+            </a:r>
+            <a:r>
+              <a:rPr lang="de-DE" dirty="0" smtClean="0"/>
+              <a:t> additional </a:t>
+            </a:r>
+            <a:r>
+              <a:rPr lang="de-DE" dirty="0" err="1" smtClean="0"/>
+              <a:t>work</a:t>
+            </a:r>
+            <a:r>
+              <a:rPr lang="de-DE" dirty="0" smtClean="0"/>
+              <a:t> </a:t>
+            </a:r>
+          </a:p>
+          <a:p>
+            <a:r>
+              <a:rPr lang="de-DE" dirty="0" err="1" smtClean="0"/>
+              <a:t>Resulting</a:t>
+            </a:r>
+            <a:r>
+              <a:rPr lang="de-DE" dirty="0" smtClean="0"/>
+              <a:t> </a:t>
+            </a:r>
+            <a:r>
+              <a:rPr lang="de-DE" dirty="0" err="1" smtClean="0"/>
+              <a:t>shift</a:t>
+            </a:r>
+            <a:r>
+              <a:rPr lang="de-DE" dirty="0" smtClean="0"/>
+              <a:t> </a:t>
+            </a:r>
+            <a:r>
+              <a:rPr lang="de-DE" dirty="0" err="1" smtClean="0"/>
+              <a:t>from</a:t>
+            </a:r>
+            <a:r>
+              <a:rPr lang="de-DE" dirty="0" smtClean="0"/>
+              <a:t> initial </a:t>
+            </a:r>
+            <a:r>
+              <a:rPr lang="de-DE" dirty="0" err="1" smtClean="0"/>
+              <a:t>goals</a:t>
+            </a:r>
+            <a:endParaRPr lang="de-DE" dirty="0" smtClean="0"/>
+          </a:p>
+          <a:p>
+            <a:endParaRPr lang="de-DE" dirty="0"/>
+          </a:p>
+          <a:p>
+            <a:r>
+              <a:rPr lang="de-DE" dirty="0" err="1" smtClean="0"/>
+              <a:t>Good</a:t>
+            </a:r>
+            <a:r>
+              <a:rPr lang="de-DE" dirty="0" smtClean="0"/>
+              <a:t> end </a:t>
+            </a:r>
+            <a:r>
+              <a:rPr lang="de-DE" dirty="0" err="1" smtClean="0"/>
+              <a:t>result</a:t>
+            </a:r>
+            <a:endParaRPr lang="de-DE" dirty="0" smtClean="0"/>
+          </a:p>
+          <a:p>
+            <a:endParaRPr lang="de-DE" dirty="0"/>
+          </a:p>
+          <a:p>
+            <a:r>
+              <a:rPr lang="de-DE" dirty="0" err="1" smtClean="0"/>
+              <a:t>Lessons</a:t>
+            </a:r>
+            <a:r>
+              <a:rPr lang="de-DE" dirty="0" smtClean="0"/>
+              <a:t> </a:t>
+            </a:r>
+            <a:r>
+              <a:rPr lang="de-DE" dirty="0" err="1" smtClean="0"/>
+              <a:t>Learned</a:t>
+            </a:r>
+            <a:endParaRPr lang="de-DE" dirty="0" smtClean="0"/>
+          </a:p>
+          <a:p>
+            <a:pPr lvl="1"/>
+            <a:r>
+              <a:rPr lang="de-DE" dirty="0" err="1" smtClean="0"/>
+              <a:t>Practical</a:t>
+            </a:r>
+            <a:r>
+              <a:rPr lang="de-DE" dirty="0" smtClean="0"/>
+              <a:t> </a:t>
+            </a:r>
+            <a:r>
+              <a:rPr lang="de-DE" dirty="0" err="1" smtClean="0"/>
+              <a:t>part</a:t>
+            </a:r>
+            <a:r>
+              <a:rPr lang="de-DE" dirty="0" smtClean="0"/>
+              <a:t> </a:t>
+            </a:r>
+            <a:r>
+              <a:rPr lang="de-DE" dirty="0" err="1" smtClean="0"/>
+              <a:t>too</a:t>
+            </a:r>
+            <a:r>
+              <a:rPr lang="de-DE" dirty="0" smtClean="0"/>
+              <a:t> </a:t>
+            </a:r>
+            <a:r>
+              <a:rPr lang="de-DE" dirty="0" err="1" smtClean="0"/>
+              <a:t>small</a:t>
+            </a:r>
+            <a:r>
+              <a:rPr lang="de-DE" dirty="0" smtClean="0"/>
+              <a:t> </a:t>
+            </a:r>
+            <a:r>
+              <a:rPr lang="de-DE" dirty="0" err="1" smtClean="0"/>
+              <a:t>for</a:t>
+            </a:r>
+            <a:r>
+              <a:rPr lang="de-DE" dirty="0" smtClean="0"/>
+              <a:t> </a:t>
+            </a:r>
+            <a:r>
+              <a:rPr lang="de-DE" dirty="0" err="1" smtClean="0"/>
+              <a:t>my</a:t>
+            </a:r>
+            <a:r>
+              <a:rPr lang="de-DE" dirty="0" smtClean="0"/>
+              <a:t> taste</a:t>
+            </a:r>
+            <a:endParaRPr lang="de-DE" dirty="0"/>
+          </a:p>
+          <a:p>
+            <a:pPr lvl="1"/>
+            <a:r>
+              <a:rPr lang="de-DE" dirty="0" err="1" smtClean="0"/>
+              <a:t>Struggling</a:t>
+            </a:r>
+            <a:r>
+              <a:rPr lang="de-DE" dirty="0" smtClean="0"/>
+              <a:t> </a:t>
+            </a:r>
+            <a:r>
+              <a:rPr lang="de-DE" dirty="0" err="1" smtClean="0"/>
+              <a:t>with</a:t>
+            </a:r>
+            <a:r>
+              <a:rPr lang="de-DE" dirty="0" smtClean="0"/>
+              <a:t> </a:t>
+            </a:r>
+            <a:r>
+              <a:rPr lang="de-DE" dirty="0" err="1" smtClean="0"/>
+              <a:t>technology</a:t>
+            </a:r>
+            <a:r>
+              <a:rPr lang="de-DE" dirty="0" smtClean="0"/>
+              <a:t> &gt; </a:t>
+            </a:r>
+            <a:r>
+              <a:rPr lang="de-DE" dirty="0" err="1" smtClean="0"/>
+              <a:t>Struggling</a:t>
+            </a:r>
+            <a:r>
+              <a:rPr lang="de-DE" dirty="0" smtClean="0"/>
+              <a:t> </a:t>
+            </a:r>
+            <a:r>
+              <a:rPr lang="de-DE" dirty="0" err="1" smtClean="0"/>
+              <a:t>with</a:t>
+            </a:r>
+            <a:r>
+              <a:rPr lang="de-DE" dirty="0" smtClean="0"/>
+              <a:t> </a:t>
+            </a:r>
+            <a:r>
+              <a:rPr lang="de-DE" dirty="0" err="1" smtClean="0"/>
+              <a:t>scope</a:t>
+            </a:r>
+            <a:r>
+              <a:rPr lang="de-DE" dirty="0" smtClean="0"/>
+              <a:t> </a:t>
+            </a:r>
+            <a:r>
+              <a:rPr lang="de-DE" dirty="0" err="1" smtClean="0"/>
+              <a:t>definition</a:t>
+            </a:r>
+            <a:endParaRPr lang="de-DE" dirty="0" smtClean="0"/>
+          </a:p>
+          <a:p>
+            <a:pPr lvl="1"/>
+            <a:r>
+              <a:rPr lang="de-DE" dirty="0" err="1" smtClean="0"/>
+              <a:t>Huge</a:t>
+            </a:r>
+            <a:r>
+              <a:rPr lang="de-DE" dirty="0" smtClean="0"/>
+              <a:t> </a:t>
+            </a:r>
+            <a:r>
+              <a:rPr lang="de-DE" dirty="0" err="1" smtClean="0"/>
+              <a:t>scope</a:t>
+            </a:r>
+            <a:r>
+              <a:rPr lang="de-DE" dirty="0"/>
+              <a:t> </a:t>
+            </a:r>
+            <a:r>
+              <a:rPr lang="de-DE" dirty="0" smtClean="0"/>
+              <a:t>-&gt; not </a:t>
+            </a:r>
+            <a:r>
+              <a:rPr lang="de-DE" dirty="0" err="1" smtClean="0"/>
+              <a:t>much</a:t>
+            </a:r>
+            <a:r>
+              <a:rPr lang="de-DE" dirty="0" smtClean="0"/>
+              <a:t> </a:t>
+            </a:r>
+            <a:r>
+              <a:rPr lang="de-DE" dirty="0" err="1" smtClean="0"/>
+              <a:t>detail</a:t>
+            </a:r>
+            <a:r>
+              <a:rPr lang="de-DE" dirty="0" smtClean="0"/>
+              <a:t> </a:t>
+            </a:r>
+            <a:r>
+              <a:rPr lang="de-DE" dirty="0" err="1" smtClean="0"/>
+              <a:t>possible</a:t>
+            </a:r>
+            <a:endParaRPr lang="de-DE" dirty="0" smtClean="0"/>
+          </a:p>
+          <a:p>
+            <a:pPr lvl="1"/>
+            <a:endParaRPr lang="de-DE" dirty="0"/>
+          </a:p>
+        </p:txBody>
+      </p:sp>
+    </p:spTree>
+    <p:extLst>
+      <p:ext uri="{BB962C8B-B14F-4D97-AF65-F5344CB8AC3E}">
+        <p14:creationId xmlns:p14="http://schemas.microsoft.com/office/powerpoint/2010/main" val="3169320166"/>
+      </p:ext>
+    </p:extLst>
+  </p:cSld>
+  <p:clrMapOvr>
+    <a:masterClrMapping/>
+  </p:clrMapOvr>
+  <p:timing>
+    <p:tnLst>
+      <p:par>
+        <p:cTn id="1" dur="indefinite" restart="never" nodeType="tmRoot">
+          <p:childTnLst>
+            <p:seq concurrent="1" nextAc="seek">
+              <p:cTn id="2" dur="indefinite" nodeType="mainSeq">
+                <p:childTnLst>
+                  <p:par>
+                    <p:cTn id="3" fill="hold">
+                      <p:stCondLst>
+                        <p:cond delay="indefinite"/>
+                      </p:stCondLst>
+                      <p:childTnLst>
+                        <p:par>
+                          <p:cTn id="4" fill="hold">
+                            <p:stCondLst>
+                              <p:cond delay="0"/>
+                            </p:stCondLst>
+                            <p:childTnLst>
+                              <p:par>
+                                <p:cTn id="5" presetID="1" presetClass="entr" presetSubtype="0" fill="hold" grpId="0" nodeType="clickEffect">
+                                  <p:stCondLst>
+                                    <p:cond delay="0"/>
+                                  </p:stCondLst>
+                                  <p:childTnLst>
+                                    <p:set>
+                                      <p:cBhvr>
+                                        <p:cTn id="6" dur="1" fill="hold">
+                                          <p:stCondLst>
+                                            <p:cond delay="0"/>
+                                          </p:stCondLst>
+                                        </p:cTn>
+                                        <p:tgtEl>
+                                          <p:spTgt spid="3">
+                                            <p:txEl>
+                                              <p:pRg st="0" end="0"/>
+                                            </p:txEl>
+                                          </p:spTgt>
+                                        </p:tgtEl>
+                                        <p:attrNameLst>
+                                          <p:attrName>style.visibility</p:attrName>
+                                        </p:attrNameLst>
+                                      </p:cBhvr>
+                                      <p:to>
+                                        <p:strVal val="visible"/>
+                                      </p:to>
+                                    </p:set>
+                                  </p:childTnLst>
+                                </p:cTn>
+                              </p:par>
+                            </p:childTnLst>
+                          </p:cTn>
+                        </p:par>
+                      </p:childTnLst>
+                    </p:cTn>
+                  </p:par>
+                  <p:par>
+                    <p:cTn id="7" fill="hold">
+                      <p:stCondLst>
+                        <p:cond delay="indefinite"/>
+                      </p:stCondLst>
+                      <p:childTnLst>
+                        <p:par>
+                          <p:cTn id="8" fill="hold">
+                            <p:stCondLst>
+                              <p:cond delay="0"/>
+                            </p:stCondLst>
+                            <p:childTnLst>
+                              <p:par>
+                                <p:cTn id="9" presetID="1" presetClass="entr" presetSubtype="0" fill="hold" grpId="0" nodeType="clickEffect">
+                                  <p:stCondLst>
+                                    <p:cond delay="0"/>
+                                  </p:stCondLst>
+                                  <p:childTnLst>
+                                    <p:set>
+                                      <p:cBhvr>
+                                        <p:cTn id="10" dur="1" fill="hold">
+                                          <p:stCondLst>
+                                            <p:cond delay="0"/>
+                                          </p:stCondLst>
+                                        </p:cTn>
+                                        <p:tgtEl>
+                                          <p:spTgt spid="3">
+                                            <p:txEl>
+                                              <p:pRg st="1" end="1"/>
+                                            </p:txEl>
+                                          </p:spTgt>
+                                        </p:tgtEl>
+                                        <p:attrNameLst>
+                                          <p:attrName>style.visibility</p:attrName>
+                                        </p:attrNameLst>
+                                      </p:cBhvr>
+                                      <p:to>
+                                        <p:strVal val="visible"/>
+                                      </p:to>
+                                    </p:set>
+                                  </p:childTnLst>
+                                </p:cTn>
+                              </p:par>
+                            </p:childTnLst>
+                          </p:cTn>
+                        </p:par>
+                      </p:childTnLst>
+                    </p:cTn>
+                  </p:par>
+                  <p:par>
+                    <p:cTn id="11" fill="hold">
+                      <p:stCondLst>
+                        <p:cond delay="indefinite"/>
+                      </p:stCondLst>
+                      <p:childTnLst>
+                        <p:par>
+                          <p:cTn id="12" fill="hold">
+                            <p:stCondLst>
+                              <p:cond delay="0"/>
+                            </p:stCondLst>
+                            <p:childTnLst>
+                              <p:par>
+                                <p:cTn id="13" presetID="1" presetClass="entr" presetSubtype="0" fill="hold" grpId="0" nodeType="clickEffect">
+                                  <p:stCondLst>
+                                    <p:cond delay="0"/>
+                                  </p:stCondLst>
+                                  <p:childTnLst>
+                                    <p:set>
+                                      <p:cBhvr>
+                                        <p:cTn id="14" dur="1" fill="hold">
+                                          <p:stCondLst>
+                                            <p:cond delay="0"/>
+                                          </p:stCondLst>
+                                        </p:cTn>
+                                        <p:tgtEl>
+                                          <p:spTgt spid="3">
+                                            <p:txEl>
+                                              <p:pRg st="2" end="2"/>
+                                            </p:txEl>
+                                          </p:spTgt>
+                                        </p:tgtEl>
+                                        <p:attrNameLst>
+                                          <p:attrName>style.visibility</p:attrName>
+                                        </p:attrNameLst>
+                                      </p:cBhvr>
+                                      <p:to>
+                                        <p:strVal val="visible"/>
+                                      </p:to>
+                                    </p:set>
+                                  </p:childTnLst>
+                                </p:cTn>
+                              </p:par>
+                            </p:childTnLst>
+                          </p:cTn>
+                        </p:par>
+                      </p:childTnLst>
+                    </p:cTn>
+                  </p:par>
+                  <p:par>
+                    <p:cTn id="15" fill="hold">
+                      <p:stCondLst>
+                        <p:cond delay="indefinite"/>
+                      </p:stCondLst>
+                      <p:childTnLst>
+                        <p:par>
+                          <p:cTn id="16" fill="hold">
+                            <p:stCondLst>
+                              <p:cond delay="0"/>
+                            </p:stCondLst>
+                            <p:childTnLst>
+                              <p:par>
+                                <p:cTn id="17" presetID="1" presetClass="entr" presetSubtype="0" fill="hold" grpId="0" nodeType="clickEffect">
+                                  <p:stCondLst>
+                                    <p:cond delay="0"/>
+                                  </p:stCondLst>
+                                  <p:childTnLst>
+                                    <p:set>
+                                      <p:cBhvr>
+                                        <p:cTn id="18" dur="1" fill="hold">
+                                          <p:stCondLst>
+                                            <p:cond delay="0"/>
+                                          </p:stCondLst>
+                                        </p:cTn>
+                                        <p:tgtEl>
+                                          <p:spTgt spid="3">
+                                            <p:txEl>
+                                              <p:pRg st="4" end="4"/>
+                                            </p:txEl>
+                                          </p:spTgt>
+                                        </p:tgtEl>
+                                        <p:attrNameLst>
+                                          <p:attrName>style.visibility</p:attrName>
+                                        </p:attrNameLst>
+                                      </p:cBhvr>
+                                      <p:to>
+                                        <p:strVal val="visible"/>
+                                      </p:to>
+                                    </p:set>
+                                  </p:childTnLst>
+                                </p:cTn>
+                              </p:par>
+                            </p:childTnLst>
+                          </p:cTn>
+                        </p:par>
+                      </p:childTnLst>
+                    </p:cTn>
+                  </p:par>
+                  <p:par>
+                    <p:cTn id="19" fill="hold">
+                      <p:stCondLst>
+                        <p:cond delay="indefinite"/>
+                      </p:stCondLst>
+                      <p:childTnLst>
+                        <p:par>
+                          <p:cTn id="20" fill="hold">
+                            <p:stCondLst>
+                              <p:cond delay="0"/>
+                            </p:stCondLst>
+                            <p:childTnLst>
+                              <p:par>
+                                <p:cTn id="21" presetID="1" presetClass="entr" presetSubtype="0" fill="hold" grpId="0" nodeType="clickEffect">
+                                  <p:stCondLst>
+                                    <p:cond delay="0"/>
+                                  </p:stCondLst>
+                                  <p:childTnLst>
+                                    <p:set>
+                                      <p:cBhvr>
+                                        <p:cTn id="22" dur="1" fill="hold">
+                                          <p:stCondLst>
+                                            <p:cond delay="0"/>
+                                          </p:stCondLst>
+                                        </p:cTn>
+                                        <p:tgtEl>
+                                          <p:spTgt spid="3">
+                                            <p:txEl>
+                                              <p:pRg st="6" end="6"/>
+                                            </p:txEl>
+                                          </p:spTgt>
+                                        </p:tgtEl>
+                                        <p:attrNameLst>
+                                          <p:attrName>style.visibility</p:attrName>
+                                        </p:attrNameLst>
+                                      </p:cBhvr>
+                                      <p:to>
+                                        <p:strVal val="visible"/>
+                                      </p:to>
+                                    </p:set>
+                                  </p:childTnLst>
+                                </p:cTn>
+                              </p:par>
+                            </p:childTnLst>
+                          </p:cTn>
+                        </p:par>
+                      </p:childTnLst>
+                    </p:cTn>
+                  </p:par>
+                  <p:par>
+                    <p:cTn id="23" fill="hold">
+                      <p:stCondLst>
+                        <p:cond delay="indefinite"/>
+                      </p:stCondLst>
+                      <p:childTnLst>
+                        <p:par>
+                          <p:cTn id="24" fill="hold">
+                            <p:stCondLst>
+                              <p:cond delay="0"/>
+                            </p:stCondLst>
+                            <p:childTnLst>
+                              <p:par>
+                                <p:cTn id="25" presetID="1" presetClass="entr" presetSubtype="0" fill="hold" grpId="0" nodeType="clickEffect">
+                                  <p:stCondLst>
+                                    <p:cond delay="0"/>
+                                  </p:stCondLst>
+                                  <p:childTnLst>
+                                    <p:set>
+                                      <p:cBhvr>
+                                        <p:cTn id="26" dur="1" fill="hold">
+                                          <p:stCondLst>
+                                            <p:cond delay="0"/>
+                                          </p:stCondLst>
+                                        </p:cTn>
+                                        <p:tgtEl>
+                                          <p:spTgt spid="3">
+                                            <p:txEl>
+                                              <p:pRg st="7" end="7"/>
+                                            </p:txEl>
+                                          </p:spTgt>
+                                        </p:tgtEl>
+                                        <p:attrNameLst>
+                                          <p:attrName>style.visibility</p:attrName>
+                                        </p:attrNameLst>
+                                      </p:cBhvr>
+                                      <p:to>
+                                        <p:strVal val="visible"/>
+                                      </p:to>
+                                    </p:set>
+                                  </p:childTnLst>
+                                </p:cTn>
+                              </p:par>
+                            </p:childTnLst>
+                          </p:cTn>
+                        </p:par>
+                      </p:childTnLst>
+                    </p:cTn>
+                  </p:par>
+                  <p:par>
+                    <p:cTn id="27" fill="hold">
+                      <p:stCondLst>
+                        <p:cond delay="indefinite"/>
+                      </p:stCondLst>
+                      <p:childTnLst>
+                        <p:par>
+                          <p:cTn id="28" fill="hold">
+                            <p:stCondLst>
+                              <p:cond delay="0"/>
+                            </p:stCondLst>
+                            <p:childTnLst>
+                              <p:par>
+                                <p:cTn id="29" presetID="1" presetClass="entr" presetSubtype="0" fill="hold" grpId="0" nodeType="clickEffect">
+                                  <p:stCondLst>
+                                    <p:cond delay="0"/>
+                                  </p:stCondLst>
+                                  <p:childTnLst>
+                                    <p:set>
+                                      <p:cBhvr>
+                                        <p:cTn id="30" dur="1" fill="hold">
+                                          <p:stCondLst>
+                                            <p:cond delay="0"/>
+                                          </p:stCondLst>
+                                        </p:cTn>
+                                        <p:tgtEl>
+                                          <p:spTgt spid="3">
+                                            <p:txEl>
+                                              <p:pRg st="8" end="8"/>
+                                            </p:txEl>
+                                          </p:spTgt>
+                                        </p:tgtEl>
+                                        <p:attrNameLst>
+                                          <p:attrName>style.visibility</p:attrName>
+                                        </p:attrNameLst>
+                                      </p:cBhvr>
+                                      <p:to>
+                                        <p:strVal val="visible"/>
+                                      </p:to>
+                                    </p:set>
+                                  </p:childTnLst>
+                                </p:cTn>
+                              </p:par>
+                            </p:childTnLst>
+                          </p:cTn>
+                        </p:par>
+                      </p:childTnLst>
+                    </p:cTn>
+                  </p:par>
+                  <p:par>
+                    <p:cTn id="31" fill="hold">
+                      <p:stCondLst>
+                        <p:cond delay="indefinite"/>
+                      </p:stCondLst>
+                      <p:childTnLst>
+                        <p:par>
+                          <p:cTn id="32" fill="hold">
+                            <p:stCondLst>
+                              <p:cond delay="0"/>
+                            </p:stCondLst>
+                            <p:childTnLst>
+                              <p:par>
+                                <p:cTn id="33" presetID="1" presetClass="entr" presetSubtype="0" fill="hold" grpId="0" nodeType="clickEffect">
+                                  <p:stCondLst>
+                                    <p:cond delay="0"/>
+                                  </p:stCondLst>
+                                  <p:childTnLst>
+                                    <p:set>
+                                      <p:cBhvr>
+                                        <p:cTn id="34" dur="1" fill="hold">
+                                          <p:stCondLst>
+                                            <p:cond delay="0"/>
+                                          </p:stCondLst>
+                                        </p:cTn>
+                                        <p:tgtEl>
+                                          <p:spTgt spid="3">
+                                            <p:txEl>
+                                              <p:pRg st="9" end="9"/>
+                                            </p:txEl>
+                                          </p:spTgt>
+                                        </p:tgtEl>
+                                        <p:attrNameLst>
+                                          <p:attrName>style.visibility</p:attrName>
+                                        </p:attrNameLst>
+                                      </p:cBhvr>
+                                      <p:to>
+                                        <p:strVal val="visible"/>
+                                      </p:to>
+                                    </p:set>
+                                  </p:childTnLst>
+                                </p:cTn>
+                              </p:par>
+                            </p:childTnLst>
+                          </p:cTn>
+                        </p:par>
+                      </p:childTnLst>
+                    </p:cTn>
+                  </p:par>
+                </p:childTnLst>
+              </p:cTn>
+              <p:prevCondLst>
+                <p:cond evt="onPrev" delay="0">
+                  <p:tgtEl>
+                    <p:sldTgt/>
+                  </p:tgtEl>
+                </p:cond>
+              </p:prevCondLst>
+              <p:nextCondLst>
+                <p:cond evt="onNext" delay="0">
+                  <p:tgtEl>
+                    <p:sldTgt/>
+                  </p:tgtEl>
+                </p:cond>
+              </p:nextCondLst>
+            </p:seq>
+          </p:childTnLst>
+        </p:cTn>
+      </p:par>
+    </p:tnLst>
+    <p:bldLst>
+      <p:bldP spid="3" grpId="0" uiExpand="1" build="p"/>
+    </p:bldLst>
+  </p:timing>
+</p:sld>
+</file>
+
+<file path=ppt/slides/slide9.xml><?xml version="1.0" encoding="utf-8"?>
+<p:sld xmlns:a="http://schemas.openxmlformats.org/drawingml/2006/main" xmlns:r="http://schemas.openxmlformats.org/officeDocument/2006/relationships" xmlns:p="http://schemas.openxmlformats.org/presentationml/2006/main">
+  <p:cSld>
+    <p:spTree>
+      <p:nvGrpSpPr>
+        <p:cNvPr id="1" name=""/>
+        <p:cNvGrpSpPr/>
+        <p:nvPr/>
+      </p:nvGrpSpPr>
+      <p:grpSpPr>
+        <a:xfrm>
+          <a:off x="0" y="0"/>
+          <a:ext cx="0" cy="0"/>
+          <a:chOff x="0" y="0"/>
+          <a:chExt cx="0" cy="0"/>
+        </a:xfrm>
+      </p:grpSpPr>
+      <p:sp>
+        <p:nvSpPr>
+          <p:cNvPr id="2" name="Titel 1"/>
+          <p:cNvSpPr>
+            <a:spLocks noGrp="1"/>
+          </p:cNvSpPr>
+          <p:nvPr>
+            <p:ph type="title"/>
+          </p:nvPr>
+        </p:nvSpPr>
+        <p:spPr/>
+        <p:txBody>
+          <a:bodyPr/>
+          <a:lstStyle/>
+          <a:p>
+            <a:r>
+              <a:rPr lang="de-DE" dirty="0" smtClean="0"/>
+              <a:t>Demo time</a:t>
+            </a:r>
+            <a:endParaRPr lang="de-DE" dirty="0"/>
+          </a:p>
+        </p:txBody>
+      </p:sp>
+      <p:pic>
+        <p:nvPicPr>
+          <p:cNvPr id="6" name="Inhaltsplatzhalter 5"/>
+          <p:cNvPicPr>
+            <a:picLocks noGrp="1" noChangeAspect="1"/>
+          </p:cNvPicPr>
+          <p:nvPr>
+            <p:ph idx="1"/>
+          </p:nvPr>
+        </p:nvPicPr>
+        <p:blipFill>
+          <a:blip r:embed="rId3">
+            <a:extLst>
+              <a:ext uri="{28A0092B-C50C-407E-A947-70E740481C1C}">
+                <a14:useLocalDpi xmlns:a14="http://schemas.microsoft.com/office/drawing/2010/main" val="0"/>
+              </a:ext>
+            </a:extLst>
+          </a:blip>
+          <a:stretch>
+            <a:fillRect/>
+          </a:stretch>
+        </p:blipFill>
+        <p:spPr>
+          <a:xfrm>
+            <a:off x="3338721" y="2751993"/>
+            <a:ext cx="4441408" cy="2504952"/>
+          </a:xfrm>
+        </p:spPr>
+      </p:pic>
+      <p:sp>
+        <p:nvSpPr>
+          <p:cNvPr id="8" name="Textfeld 7"/>
+          <p:cNvSpPr txBox="1"/>
+          <p:nvPr/>
+        </p:nvSpPr>
+        <p:spPr>
+          <a:xfrm>
+            <a:off x="3585552" y="5627077"/>
+            <a:ext cx="3947746" cy="369332"/>
+          </a:xfrm>
+          <a:prstGeom prst="rect">
+            <a:avLst/>
+          </a:prstGeom>
+          <a:noFill/>
+        </p:spPr>
+        <p:txBody>
+          <a:bodyPr wrap="square" rtlCol="0">
+            <a:spAutoFit/>
+          </a:bodyPr>
+          <a:lstStyle/>
+          <a:p>
+            <a:pPr algn="ctr"/>
+            <a:r>
+              <a:rPr lang="de-DE" dirty="0" smtClean="0"/>
+              <a:t>(</a:t>
+            </a:r>
+            <a:r>
+              <a:rPr lang="de-DE" dirty="0" err="1" smtClean="0"/>
+              <a:t>please</a:t>
+            </a:r>
+            <a:r>
+              <a:rPr lang="de-DE" dirty="0" smtClean="0"/>
+              <a:t> </a:t>
+            </a:r>
+            <a:r>
+              <a:rPr lang="de-DE" dirty="0" err="1" smtClean="0"/>
+              <a:t>work</a:t>
+            </a:r>
+            <a:r>
+              <a:rPr lang="de-DE" dirty="0" smtClean="0"/>
+              <a:t>)</a:t>
+            </a:r>
+            <a:endParaRPr lang="de-DE" dirty="0"/>
+          </a:p>
+        </p:txBody>
+      </p:sp>
+    </p:spTree>
+    <p:extLst>
+      <p:ext uri="{BB962C8B-B14F-4D97-AF65-F5344CB8AC3E}">
+        <p14:creationId xmlns:p14="http://schemas.microsoft.com/office/powerpoint/2010/main" val="2031541917"/>
+      </p:ext>
+    </p:extLst>
+  </p:cSld>
+  <p:clrMapOvr>
+    <a:masterClrMapping/>
+  </p:clrMapOvr>
+  <p:timing>
+    <p:tnLst>
+      <p:par>
+        <p:cTn id="1" dur="indefinite" restart="never" nodeType="tmRoot">
+          <p:childTnLst>
+            <p:seq concurrent="1" nextAc="seek">
+              <p:cTn id="2" dur="indefinite" nodeType="mainSeq">
+                <p:childTnLst>
+                  <p:par>
+                    <p:cTn id="3" fill="hold">
+                      <p:stCondLst>
+                        <p:cond delay="indefinite"/>
+                      </p:stCondLst>
+                      <p:childTnLst>
+                        <p:par>
+                          <p:cTn id="4" fill="hold">
+                            <p:stCondLst>
+                              <p:cond delay="0"/>
+                            </p:stCondLst>
+                            <p:childTnLst>
+                              <p:par>
+                                <p:cTn id="5" presetID="1" presetClass="entr" presetSubtype="0" fill="hold" nodeType="clickEffect">
+                                  <p:stCondLst>
+                                    <p:cond delay="0"/>
+                                  </p:stCondLst>
+                                  <p:childTnLst>
+                                    <p:set>
+                                      <p:cBhvr>
+                                        <p:cTn id="6" dur="1" fill="hold">
+                                          <p:stCondLst>
+                                            <p:cond delay="0"/>
+                                          </p:stCondLst>
+                                        </p:cTn>
+                                        <p:tgtEl>
+                                          <p:spTgt spid="6"/>
+                                        </p:tgtEl>
+                                        <p:attrNameLst>
+                                          <p:attrName>style.visibility</p:attrName>
+                                        </p:attrNameLst>
+                                      </p:cBhvr>
+                                      <p:to>
+                                        <p:strVal val="visible"/>
+                                      </p:to>
+                                    </p:set>
+                                  </p:childTnLst>
+                                </p:cTn>
+                              </p:par>
+                              <p:par>
+                                <p:cTn id="7" presetID="1" presetClass="entr" presetSubtype="0" fill="hold" grpId="0" nodeType="withEffect">
+                                  <p:stCondLst>
+                                    <p:cond delay="0"/>
+                                  </p:stCondLst>
+                                  <p:childTnLst>
+                                    <p:set>
+                                      <p:cBhvr>
+                                        <p:cTn id="8" dur="1" fill="hold">
+                                          <p:stCondLst>
+                                            <p:cond delay="0"/>
+                                          </p:stCondLst>
+                                        </p:cTn>
+                                        <p:tgtEl>
+                                          <p:spTgt spid="8"/>
+                                        </p:tgtEl>
+                                        <p:attrNameLst>
+                                          <p:attrName>style.visibility</p:attrName>
+                                        </p:attrNameLst>
+                                      </p:cBhvr>
+                                      <p:to>
+                                        <p:strVal val="visible"/>
+                                      </p:to>
+                                    </p:set>
+                                  </p:childTnLst>
+                                </p:cTn>
+                              </p:par>
+                            </p:childTnLst>
+                          </p:cTn>
+                        </p:par>
+                      </p:childTnLst>
+                    </p:cTn>
+                  </p:par>
+                </p:childTnLst>
+              </p:cTn>
+              <p:prevCondLst>
+                <p:cond evt="onPrev" delay="0">
+                  <p:tgtEl>
+                    <p:sldTgt/>
+                  </p:tgtEl>
+                </p:cond>
+              </p:prevCondLst>
+              <p:nextCondLst>
+                <p:cond evt="onNext" delay="0">
+                  <p:tgtEl>
+                    <p:sldTgt/>
+                  </p:tgtEl>
+                </p:cond>
+              </p:nextCondLst>
+            </p:seq>
+          </p:childTnLst>
+        </p:cTn>
+      </p:par>
+    </p:tnLst>
+    <p:bldLst>
+      <p:bldP spid="8" grpId="0"/>
+    </p:bldLst>
+  </p:timing>
+</p:sld>
+</file>
+
 <file path=ppt/tags/tag1.xml><?xml version="1.0" encoding="utf-8"?>
 <p:tagLst xmlns:a="http://schemas.openxmlformats.org/drawingml/2006/main" xmlns:r="http://schemas.openxmlformats.org/officeDocument/2006/relationships" xmlns:p="http://schemas.openxmlformats.org/presentationml/2006/main">
+  <p:tag name="A71660D270C64F5BBB8F27F5E85BE6370" val="HVS\grams;7d788e96-5802-48f7-b87f-ef0226e41b7c;Public;2019-08-28T13:28:33;;HvS|"/>
+  <p:tag name="A71660D270C64F5BBB8F27F5E85BE630" val="1"/>
   <p:tag name="ISFOXLABELUSERINTERACTION" val="True"/>
+  <p:tag name="ISFOXLABELINGONTITLEPAGESET" val="True"/>
+  <p:tag name="ISFOXDOCUMENTCLASSIFICATIONVERSION" val="1"/>
   <p:tag name="ISFOXCLASSIFICATIONID" val="7d788e96-5802-48f7-b87f-ef0226e41b7c"/>
   <p:tag name="ISFOXCLASSIFICATIONNAME" val="Public"/>
   <p:tag name="ISFOXPREFIX" val="HvS"/>
   <p:tag name="ISFOXSHOWCLASSIFICATIONREQUESTDIALOG" val="False"/>
-  <p:tag name="A71660D270C64F5BBB8F27F5E85BE6370" val="HVS\grams;7d788e96-5802-48f7-b87f-ef0226e41b7c;Public;2019-08-28T13:28:33;;HvS|"/>
-  <p:tag name="A71660D270C64F5BBB8F27F5E85BE630" val="1"/>
   <p:tag name="ISFOXOLDCLASSIFICATIONID" val="7d788e96-5802-48f7-b87f-ef0226e41b7c"/>
   <p:tag name="ISFOXCLASSIFICATIONINKEYWORDS" val="Public"/>
   <p:tag name="ISFOXDOVERSIONINGONSAVE" val="0"/>
